--- a/How to build a team.pptx
+++ b/How to build a team.pptx
@@ -12234,80 +12234,6 @@
       </p:sp>
       <p:sp>
         <p:nvSpPr>
-          <p:cNvPr id="4" name="TextBox 3">
-            <a:extLst>
-              <a:ext uri="{FF2B5EF4-FFF2-40B4-BE49-F238E27FC236}">
-                <a16:creationId xmlns:a16="http://schemas.microsoft.com/office/drawing/2014/main" id="{34FDC6F9-37F9-4E25-AECA-D307B8421C73}"/>
-              </a:ext>
-            </a:extLst>
-          </p:cNvPr>
-          <p:cNvSpPr txBox="1"/>
-          <p:nvPr userDrawn="1"/>
-        </p:nvSpPr>
-        <p:spPr>
-          <a:xfrm>
-            <a:off x="10243100" y="6422491"/>
-            <a:ext cx="1053900" cy="380860"/>
-          </a:xfrm>
-          <a:prstGeom prst="rect">
-            <a:avLst/>
-          </a:prstGeom>
-          <a:noFill/>
-        </p:spPr>
-        <p:txBody>
-          <a:bodyPr wrap="square" tIns="108000" bIns="0" rtlCol="0" anchor="ctr">
-            <a:spAutoFit/>
-          </a:bodyPr>
-          <a:lstStyle/>
-          <a:p>
-            <a:pPr algn="r">
-              <a:lnSpc>
-                <a:spcPts val="1000"/>
-              </a:lnSpc>
-            </a:pPr>
-            <a:r>
-              <a:rPr lang="en-US" sz="2500" b="1" i="0" spc="-100" baseline="0" noProof="0" dirty="0">
-                <a:solidFill>
-                  <a:schemeClr val="accent1"/>
-                </a:solidFill>
-                <a:latin typeface="+mj-lt"/>
-              </a:rPr>
-              <a:t>TREY</a:t>
-            </a:r>
-            <a:r>
-              <a:rPr lang="en-US" sz="1600" b="1" i="0" spc="-100" baseline="0" noProof="0" dirty="0">
-                <a:solidFill>
-                  <a:schemeClr val="accent1"/>
-                </a:solidFill>
-                <a:latin typeface="+mj-lt"/>
-              </a:rPr>
-              <a:t> </a:t>
-            </a:r>
-            <a:br>
-              <a:rPr lang="en-US" sz="1600" b="1" i="0" spc="-100" baseline="0" noProof="0" dirty="0">
-                <a:solidFill>
-                  <a:schemeClr val="accent1"/>
-                </a:solidFill>
-                <a:latin typeface="+mj-lt"/>
-              </a:rPr>
-            </a:br>
-            <a:r>
-              <a:rPr lang="en-US" sz="1200" b="0" i="0" spc="140" baseline="0" noProof="0" dirty="0">
-                <a:solidFill>
-                  <a:schemeClr val="tx1">
-                    <a:lumMod val="75000"/>
-                    <a:lumOff val="25000"/>
-                  </a:schemeClr>
-                </a:solidFill>
-                <a:latin typeface="+mj-lt"/>
-              </a:rPr>
-              <a:t>research</a:t>
-            </a:r>
-          </a:p>
-        </p:txBody>
-      </p:sp>
-      <p:sp>
-        <p:nvSpPr>
           <p:cNvPr id="9" name="Rectangle 8">
             <a:extLst>
               <a:ext uri="{FF2B5EF4-FFF2-40B4-BE49-F238E27FC236}">
@@ -12455,6 +12381,36 @@
           </a:fontRef>
         </p:style>
       </p:cxnSp>
+      <p:pic>
+        <p:nvPicPr>
+          <p:cNvPr id="10" name="Picture 9">
+            <a:extLst>
+              <a:ext uri="{FF2B5EF4-FFF2-40B4-BE49-F238E27FC236}">
+                <a16:creationId xmlns:a16="http://schemas.microsoft.com/office/drawing/2014/main" id="{19461CDC-F957-41FC-A129-47AF1DF96A85}"/>
+              </a:ext>
+            </a:extLst>
+          </p:cNvPr>
+          <p:cNvPicPr>
+            <a:picLocks noChangeAspect="1"/>
+          </p:cNvPicPr>
+          <p:nvPr userDrawn="1"/>
+        </p:nvPicPr>
+        <p:blipFill>
+          <a:blip r:embed="rId25"/>
+          <a:stretch>
+            <a:fillRect/>
+          </a:stretch>
+        </p:blipFill>
+        <p:spPr>
+          <a:xfrm>
+            <a:off x="10050912" y="6439820"/>
+            <a:ext cx="1438275" cy="285750"/>
+          </a:xfrm>
+          <a:prstGeom prst="rect">
+            <a:avLst/>
+          </a:prstGeom>
+        </p:spPr>
+      </p:pic>
     </p:spTree>
     <p:extLst>
       <p:ext uri="{BB962C8B-B14F-4D97-AF65-F5344CB8AC3E}">
@@ -18558,7 +18514,7 @@
 <file path=ppt/theme/theme1.xml><?xml version="1.0" encoding="utf-8"?>
 <a:theme xmlns:a="http://schemas.openxmlformats.org/drawingml/2006/main" name="Office Theme">
   <a:themeElements>
-    <a:clrScheme name="Custom 129">
+    <a:clrScheme name="SecurityScoreCardTheme">
       <a:dk1>
         <a:sysClr val="windowText" lastClr="000000"/>
       </a:dk1>
@@ -18572,28 +18528,28 @@
         <a:srgbClr val="F2F2F2"/>
       </a:lt2>
       <a:accent1>
-        <a:srgbClr val="25C6E3"/>
+        <a:srgbClr val="52989E"/>
       </a:accent1>
       <a:accent2>
         <a:srgbClr val="E80554"/>
       </a:accent2>
       <a:accent3>
-        <a:srgbClr val="A9E26F"/>
+        <a:srgbClr val="E5BD2D"/>
       </a:accent3>
       <a:accent4>
-        <a:srgbClr val="EAD000"/>
+        <a:srgbClr val="41A303"/>
       </a:accent4>
       <a:accent5>
-        <a:srgbClr val="1A0F49"/>
+        <a:srgbClr val="404D56"/>
       </a:accent5>
       <a:accent6>
-        <a:srgbClr val="FF4A01"/>
+        <a:srgbClr val="D43B1A"/>
       </a:accent6>
       <a:hlink>
-        <a:srgbClr val="25C6E3"/>
+        <a:srgbClr val="52989E"/>
       </a:hlink>
       <a:folHlink>
-        <a:srgbClr val="25C6E3"/>
+        <a:srgbClr val="52989E"/>
       </a:folHlink>
     </a:clrScheme>
     <a:fontScheme name="Custom 149">

--- a/How to build a team.pptx
+++ b/How to build a team.pptx
@@ -5,10 +5,10 @@
     <p:sldMasterId id="2147483648" r:id="rId4"/>
   </p:sldMasterIdLst>
   <p:notesMasterIdLst>
-    <p:notesMasterId r:id="rId16"/>
+    <p:notesMasterId r:id="rId15"/>
   </p:notesMasterIdLst>
   <p:handoutMasterIdLst>
-    <p:handoutMasterId r:id="rId17"/>
+    <p:handoutMasterId r:id="rId16"/>
   </p:handoutMasterIdLst>
   <p:sldIdLst>
     <p:sldId id="298" r:id="rId5"/>
@@ -21,7 +21,6 @@
     <p:sldId id="295" r:id="rId12"/>
     <p:sldId id="285" r:id="rId13"/>
     <p:sldId id="296" r:id="rId14"/>
-    <p:sldId id="256" r:id="rId15"/>
   </p:sldIdLst>
   <p:sldSz cx="12192000" cy="6858000"/>
   <p:notesSz cx="6858000" cy="9144000"/>
@@ -13063,7 +13062,7 @@
           <a:p>
             <a:r>
               <a:rPr lang="en-US" dirty="0"/>
-              <a:t>April Hansson</a:t>
+              <a:t>Yaser Shadmehr</a:t>
             </a:r>
           </a:p>
         </p:txBody>
@@ -13137,198 +13136,11 @@
           <a:p>
             <a:r>
               <a:rPr lang="en-US" dirty="0"/>
-              <a:t>+1 23 987 6554</a:t>
-            </a:r>
-          </a:p>
-        </p:txBody>
-      </p:sp>
-      <p:pic>
-        <p:nvPicPr>
-          <p:cNvPr id="10" name="Graphic 9" descr="Smart Phone" title="Icon - Presenter Phone Number">
-            <a:extLst>
-              <a:ext uri="{FF2B5EF4-FFF2-40B4-BE49-F238E27FC236}">
-                <a16:creationId xmlns:a16="http://schemas.microsoft.com/office/drawing/2014/main" id="{A29DE31C-E099-4579-BB03-675E0A40C5F2}"/>
-              </a:ext>
-            </a:extLst>
-          </p:cNvPr>
-          <p:cNvPicPr>
-            <a:picLocks noChangeAspect="1"/>
-          </p:cNvPicPr>
-          <p:nvPr/>
-        </p:nvPicPr>
-        <p:blipFill>
-          <a:blip r:embed="rId5" cstate="screen">
-            <a:extLst>
-              <a:ext uri="{28A0092B-C50C-407E-A947-70E740481C1C}">
-                <a14:useLocalDpi xmlns:a14="http://schemas.microsoft.com/office/drawing/2010/main"/>
-              </a:ext>
-              <a:ext uri="{96DAC541-7B7A-43D3-8B79-37D633B846F1}">
-                <asvg:svgBlip xmlns:asvg="http://schemas.microsoft.com/office/drawing/2016/SVG/main" r:embed="rId6"/>
-              </a:ext>
-            </a:extLst>
-          </a:blip>
-          <a:stretch>
-            <a:fillRect/>
-          </a:stretch>
-        </p:blipFill>
-        <p:spPr>
-          <a:xfrm>
-            <a:off x="11485495" y="4355103"/>
-            <a:ext cx="218900" cy="218900"/>
-          </a:xfrm>
-          <a:prstGeom prst="rect">
-            <a:avLst/>
-          </a:prstGeom>
-        </p:spPr>
-      </p:pic>
-      <p:sp>
-        <p:nvSpPr>
-          <p:cNvPr id="6" name="Text Placeholder 5">
-            <a:extLst>
-              <a:ext uri="{FF2B5EF4-FFF2-40B4-BE49-F238E27FC236}">
-                <a16:creationId xmlns:a16="http://schemas.microsoft.com/office/drawing/2014/main" id="{50A3BCC3-A277-4C0B-9EBA-EB53990D8EBD}"/>
-              </a:ext>
-            </a:extLst>
-          </p:cNvPr>
-          <p:cNvSpPr>
-            <a:spLocks noGrp="1"/>
-          </p:cNvSpPr>
-          <p:nvPr>
-            <p:ph type="body" sz="quarter" idx="17"/>
-          </p:nvPr>
-        </p:nvSpPr>
-        <p:spPr>
-          <a:solidFill>
-            <a:schemeClr val="tx1">
-              <a:lumMod val="75000"/>
-              <a:lumOff val="25000"/>
-            </a:schemeClr>
-          </a:solidFill>
-        </p:spPr>
-        <p:txBody>
-          <a:bodyPr/>
-          <a:lstStyle/>
-          <a:p>
-            <a:r>
-              <a:rPr lang="en-US" dirty="0"/>
-              <a:t>april@treyresearch.com</a:t>
-            </a:r>
-          </a:p>
-        </p:txBody>
-      </p:sp>
-      <p:pic>
-        <p:nvPicPr>
-          <p:cNvPr id="9" name="Graphic 8" descr="Envelope" title="Icon Presenter Email">
-            <a:extLst>
-              <a:ext uri="{FF2B5EF4-FFF2-40B4-BE49-F238E27FC236}">
-                <a16:creationId xmlns:a16="http://schemas.microsoft.com/office/drawing/2014/main" id="{773C1382-ACE1-460F-A1B6-AB761A7D2E6B}"/>
-              </a:ext>
-            </a:extLst>
-          </p:cNvPr>
-          <p:cNvPicPr>
-            <a:picLocks noChangeAspect="1"/>
-          </p:cNvPicPr>
-          <p:nvPr/>
-        </p:nvPicPr>
-        <p:blipFill>
-          <a:blip r:embed="rId7" cstate="screen">
-            <a:extLst>
-              <a:ext uri="{28A0092B-C50C-407E-A947-70E740481C1C}">
-                <a14:useLocalDpi xmlns:a14="http://schemas.microsoft.com/office/drawing/2010/main"/>
-              </a:ext>
-              <a:ext uri="{96DAC541-7B7A-43D3-8B79-37D633B846F1}">
-                <asvg:svgBlip xmlns:asvg="http://schemas.microsoft.com/office/drawing/2016/SVG/main" r:embed="rId8"/>
-              </a:ext>
-            </a:extLst>
-          </a:blip>
-          <a:stretch>
-            <a:fillRect/>
-          </a:stretch>
-        </p:blipFill>
-        <p:spPr>
-          <a:xfrm>
-            <a:off x="11485495" y="4703551"/>
-            <a:ext cx="218900" cy="218900"/>
-          </a:xfrm>
-          <a:prstGeom prst="rect">
-            <a:avLst/>
-          </a:prstGeom>
-        </p:spPr>
-      </p:pic>
-      <p:sp>
-        <p:nvSpPr>
-          <p:cNvPr id="16" name="Text Placeholder 15">
-            <a:extLst>
-              <a:ext uri="{FF2B5EF4-FFF2-40B4-BE49-F238E27FC236}">
-                <a16:creationId xmlns:a16="http://schemas.microsoft.com/office/drawing/2014/main" id="{FD8A1232-50A8-4535-AAF9-7F4180EAA0DD}"/>
-              </a:ext>
-            </a:extLst>
-          </p:cNvPr>
-          <p:cNvSpPr>
-            <a:spLocks noGrp="1"/>
-          </p:cNvSpPr>
-          <p:nvPr>
-            <p:ph type="body" sz="quarter" idx="18"/>
-          </p:nvPr>
-        </p:nvSpPr>
-        <p:spPr>
-          <a:solidFill>
-            <a:schemeClr val="tx1">
-              <a:lumMod val="75000"/>
-              <a:lumOff val="25000"/>
-            </a:schemeClr>
-          </a:solidFill>
-        </p:spPr>
-        <p:txBody>
-          <a:bodyPr/>
-          <a:lstStyle/>
-          <a:p>
-            <a:r>
-              <a:rPr lang="en-US" dirty="0"/>
-              <a:t>Trey Research</a:t>
-            </a:r>
-          </a:p>
-        </p:txBody>
-      </p:sp>
-      <p:pic>
-        <p:nvPicPr>
-          <p:cNvPr id="11" name="Graphic 10" descr="Link">
-            <a:extLst>
-              <a:ext uri="{FF2B5EF4-FFF2-40B4-BE49-F238E27FC236}">
-                <a16:creationId xmlns:a16="http://schemas.microsoft.com/office/drawing/2014/main" id="{0718E6E0-05A2-479C-AEA8-1A385EB73474}"/>
-              </a:ext>
-            </a:extLst>
-          </p:cNvPr>
-          <p:cNvPicPr>
-            <a:picLocks noChangeAspect="1"/>
-          </p:cNvPicPr>
-          <p:nvPr/>
-        </p:nvPicPr>
-        <p:blipFill>
-          <a:blip r:embed="rId9" cstate="screen">
-            <a:extLst>
-              <a:ext uri="{28A0092B-C50C-407E-A947-70E740481C1C}">
-                <a14:useLocalDpi xmlns:a14="http://schemas.microsoft.com/office/drawing/2010/main"/>
-              </a:ext>
-              <a:ext uri="{96DAC541-7B7A-43D3-8B79-37D633B846F1}">
-                <asvg:svgBlip xmlns:asvg="http://schemas.microsoft.com/office/drawing/2016/SVG/main" r:embed="rId10"/>
-              </a:ext>
-            </a:extLst>
-          </a:blip>
-          <a:stretch>
-            <a:fillRect/>
-          </a:stretch>
-        </p:blipFill>
-        <p:spPr>
-          <a:xfrm>
-            <a:off x="11472552" y="5040763"/>
-            <a:ext cx="244786" cy="244786"/>
-          </a:xfrm>
-          <a:prstGeom prst="rect">
-            <a:avLst/>
-          </a:prstGeom>
-        </p:spPr>
-      </p:pic>
+              <a:t>y.Shadmehr@gmail.com</a:t>
+            </a:r>
+          </a:p>
+        </p:txBody>
+      </p:sp>
       <p:sp>
         <p:nvSpPr>
           <p:cNvPr id="12" name="Slide Number Placeholder 11">
@@ -13366,154 +13178,49 @@
           </a:p>
         </p:txBody>
       </p:sp>
+      <p:pic>
+        <p:nvPicPr>
+          <p:cNvPr id="15" name="Graphic 14" descr="Envelope" title="Icon Presenter Email">
+            <a:extLst>
+              <a:ext uri="{FF2B5EF4-FFF2-40B4-BE49-F238E27FC236}">
+                <a16:creationId xmlns:a16="http://schemas.microsoft.com/office/drawing/2014/main" id="{DEDD26CF-32BC-4B44-8F02-EA834076E06A}"/>
+              </a:ext>
+            </a:extLst>
+          </p:cNvPr>
+          <p:cNvPicPr>
+            <a:picLocks noChangeAspect="1"/>
+          </p:cNvPicPr>
+          <p:nvPr/>
+        </p:nvPicPr>
+        <p:blipFill>
+          <a:blip r:embed="rId5" cstate="screen">
+            <a:extLst>
+              <a:ext uri="{28A0092B-C50C-407E-A947-70E740481C1C}">
+                <a14:useLocalDpi xmlns:a14="http://schemas.microsoft.com/office/drawing/2010/main"/>
+              </a:ext>
+              <a:ext uri="{96DAC541-7B7A-43D3-8B79-37D633B846F1}">
+                <asvg:svgBlip xmlns:asvg="http://schemas.microsoft.com/office/drawing/2016/SVG/main" r:embed="rId6"/>
+              </a:ext>
+            </a:extLst>
+          </a:blip>
+          <a:stretch>
+            <a:fillRect/>
+          </a:stretch>
+        </p:blipFill>
+        <p:spPr>
+          <a:xfrm>
+            <a:off x="11486893" y="4369389"/>
+            <a:ext cx="218900" cy="218900"/>
+          </a:xfrm>
+          <a:prstGeom prst="rect">
+            <a:avLst/>
+          </a:prstGeom>
+        </p:spPr>
+      </p:pic>
     </p:spTree>
     <p:extLst>
       <p:ext uri="{BB962C8B-B14F-4D97-AF65-F5344CB8AC3E}">
         <p14:creationId xmlns:p14="http://schemas.microsoft.com/office/powerpoint/2010/main" val="4153678306"/>
-      </p:ext>
-    </p:extLst>
-  </p:cSld>
-  <p:clrMapOvr>
-    <a:masterClrMapping/>
-  </p:clrMapOvr>
-</p:sld>
-</file>
-
-<file path=ppt/slides/slide11.xml><?xml version="1.0" encoding="utf-8"?>
-<p:sld xmlns:a="http://schemas.openxmlformats.org/drawingml/2006/main" xmlns:r="http://schemas.openxmlformats.org/officeDocument/2006/relationships" xmlns:p="http://schemas.openxmlformats.org/presentationml/2006/main">
-  <p:cSld>
-    <p:spTree>
-      <p:nvGrpSpPr>
-        <p:cNvPr id="1" name=""/>
-        <p:cNvGrpSpPr/>
-        <p:nvPr/>
-      </p:nvGrpSpPr>
-      <p:grpSpPr>
-        <a:xfrm>
-          <a:off x="0" y="0"/>
-          <a:ext cx="0" cy="0"/>
-          <a:chOff x="0" y="0"/>
-          <a:chExt cx="0" cy="0"/>
-        </a:xfrm>
-      </p:grpSpPr>
-      <p:sp>
-        <p:nvSpPr>
-          <p:cNvPr id="4" name="Title 3">
-            <a:extLst>
-              <a:ext uri="{FF2B5EF4-FFF2-40B4-BE49-F238E27FC236}">
-                <a16:creationId xmlns:a16="http://schemas.microsoft.com/office/drawing/2014/main" id="{E98DCA46-603B-4178-8707-30E192CE6B8D}"/>
-              </a:ext>
-            </a:extLst>
-          </p:cNvPr>
-          <p:cNvSpPr>
-            <a:spLocks noGrp="1"/>
-          </p:cNvSpPr>
-          <p:nvPr>
-            <p:ph type="title"/>
-          </p:nvPr>
-        </p:nvSpPr>
-        <p:spPr/>
-        <p:txBody>
-          <a:bodyPr/>
-          <a:lstStyle/>
-          <a:p>
-            <a:r>
-              <a:rPr lang="en-US" dirty="0"/>
-              <a:t>Customize this Template</a:t>
-            </a:r>
-          </a:p>
-        </p:txBody>
-      </p:sp>
-      <p:sp>
-        <p:nvSpPr>
-          <p:cNvPr id="3" name="Text Placeholder 2">
-            <a:extLst>
-              <a:ext uri="{FF2B5EF4-FFF2-40B4-BE49-F238E27FC236}">
-                <a16:creationId xmlns:a16="http://schemas.microsoft.com/office/drawing/2014/main" id="{9E1C54E2-35CD-4B4C-8AF6-A9BBA506FC1F}"/>
-              </a:ext>
-            </a:extLst>
-          </p:cNvPr>
-          <p:cNvSpPr>
-            <a:spLocks noGrp="1"/>
-          </p:cNvSpPr>
-          <p:nvPr>
-            <p:ph type="body" sz="quarter" idx="14"/>
-          </p:nvPr>
-        </p:nvSpPr>
-        <p:spPr/>
-        <p:txBody>
-          <a:bodyPr/>
-          <a:lstStyle/>
-          <a:p>
-            <a:pPr>
-              <a:lnSpc>
-                <a:spcPct val="100000"/>
-              </a:lnSpc>
-            </a:pPr>
-            <a:r>
-              <a:rPr lang="en-US" u="sng" dirty="0">
-                <a:solidFill>
-                  <a:srgbClr val="0070C0"/>
-                </a:solidFill>
-                <a:hlinkClick r:id="rId2">
-                  <a:extLst>
-                    <a:ext uri="{A12FA001-AC4F-418D-AE19-62706E023703}">
-                      <ahyp:hlinkClr xmlns:ahyp="http://schemas.microsoft.com/office/drawing/2018/hyperlinkcolor" val="tx"/>
-                    </a:ext>
-                  </a:extLst>
-                </a:hlinkClick>
-              </a:rPr>
-              <a:t>Template Editing Instructions and Feedback</a:t>
-            </a:r>
-            <a:endParaRPr lang="en-US" u="sng" dirty="0">
-              <a:solidFill>
-                <a:srgbClr val="0070C0"/>
-              </a:solidFill>
-            </a:endParaRPr>
-          </a:p>
-        </p:txBody>
-      </p:sp>
-      <p:sp>
-        <p:nvSpPr>
-          <p:cNvPr id="2" name="Slide Number Placeholder 1">
-            <a:extLst>
-              <a:ext uri="{FF2B5EF4-FFF2-40B4-BE49-F238E27FC236}">
-                <a16:creationId xmlns:a16="http://schemas.microsoft.com/office/drawing/2014/main" id="{CB78354A-41D5-43F7-A38D-3C946669B3C8}"/>
-              </a:ext>
-            </a:extLst>
-          </p:cNvPr>
-          <p:cNvSpPr>
-            <a:spLocks noGrp="1"/>
-          </p:cNvSpPr>
-          <p:nvPr>
-            <p:ph type="sldNum" sz="quarter" idx="13"/>
-          </p:nvPr>
-        </p:nvSpPr>
-        <p:spPr>
-          <a:solidFill>
-            <a:schemeClr val="tx1">
-              <a:lumMod val="95000"/>
-              <a:lumOff val="5000"/>
-            </a:schemeClr>
-          </a:solidFill>
-        </p:spPr>
-        <p:txBody>
-          <a:bodyPr/>
-          <a:lstStyle/>
-          <a:p>
-            <a:fld id="{19B51A1E-902D-48AF-9020-955120F399B6}" type="slidenum">
-              <a:rPr lang="en-US" smtClean="0"/>
-              <a:pPr/>
-              <a:t>11</a:t>
-            </a:fld>
-            <a:endParaRPr lang="en-US" dirty="0"/>
-          </a:p>
-        </p:txBody>
-      </p:sp>
-    </p:spTree>
-    <p:extLst>
-      <p:ext uri="{BB962C8B-B14F-4D97-AF65-F5344CB8AC3E}">
-        <p14:creationId xmlns:p14="http://schemas.microsoft.com/office/powerpoint/2010/main" val="59582380"/>
       </p:ext>
     </p:extLst>
   </p:cSld>
@@ -19333,23 +19040,6 @@
 </file>
 
 <file path=customXml/item1.xml><?xml version="1.0" encoding="utf-8"?>
-<p:properties xmlns:p="http://schemas.microsoft.com/office/2006/metadata/properties" xmlns:xsi="http://www.w3.org/2001/XMLSchema-instance" xmlns:pc="http://schemas.microsoft.com/office/infopath/2007/PartnerControls">
-  <documentManagement>
-    <MediaServiceKeyPoints xmlns="71af3243-3dd4-4a8d-8c0d-dd76da1f02a5" xsi:nil="true"/>
-  </documentManagement>
-</p:properties>
-</file>
-
-<file path=customXml/item2.xml><?xml version="1.0" encoding="utf-8"?>
-<?mso-contentType ?>
-<FormTemplates xmlns="http://schemas.microsoft.com/sharepoint/v3/contenttype/forms">
-  <Display>DocumentLibraryForm</Display>
-  <Edit>DocumentLibraryForm</Edit>
-  <New>DocumentLibraryForm</New>
-</FormTemplates>
-</file>
-
-<file path=customXml/item3.xml><?xml version="1.0" encoding="utf-8"?>
 <ct:contentTypeSchema xmlns:ct="http://schemas.microsoft.com/office/2006/metadata/contentType" xmlns:ma="http://schemas.microsoft.com/office/2006/metadata/properties/metaAttributes" ct:_="" ma:_="" ma:contentTypeName="Document" ma:contentTypeID="0x01010079F111ED35F8CC479449609E8A0923A6" ma:contentTypeVersion="11" ma:contentTypeDescription="Create a new document." ma:contentTypeScope="" ma:versionID="96291512c1ee715ab617f4c07df79fc1">
   <xsd:schema xmlns:xsd="http://www.w3.org/2001/XMLSchema" xmlns:xs="http://www.w3.org/2001/XMLSchema" xmlns:p="http://schemas.microsoft.com/office/2006/metadata/properties" xmlns:ns2="71af3243-3dd4-4a8d-8c0d-dd76da1f02a5" xmlns:ns3="16c05727-aa75-4e4a-9b5f-8a80a1165891" targetNamespace="http://schemas.microsoft.com/office/2006/metadata/properties" ma:root="true" ma:fieldsID="8256c27c40ca5c40ce1cf6c44f0205df" ns2:_="" ns3:_="">
     <xsd:import namespace="71af3243-3dd4-4a8d-8c0d-dd76da1f02a5"/>
@@ -19560,25 +19250,24 @@
 </ct:contentTypeSchema>
 </file>
 
-<file path=customXml/itemProps1.xml><?xml version="1.0" encoding="utf-8"?>
-<ds:datastoreItem xmlns:ds="http://schemas.openxmlformats.org/officeDocument/2006/customXml" ds:itemID="{BF90D0D0-7C1D-47FF-A2F0-9937AA567A3D}">
-  <ds:schemaRefs>
-    <ds:schemaRef ds:uri="http://schemas.microsoft.com/office/2006/metadata/properties"/>
-    <ds:schemaRef ds:uri="http://schemas.microsoft.com/office/infopath/2007/PartnerControls"/>
-    <ds:schemaRef ds:uri="71af3243-3dd4-4a8d-8c0d-dd76da1f02a5"/>
-  </ds:schemaRefs>
-</ds:datastoreItem>
+<file path=customXml/item2.xml><?xml version="1.0" encoding="utf-8"?>
+<?mso-contentType ?>
+<FormTemplates xmlns="http://schemas.microsoft.com/sharepoint/v3/contenttype/forms">
+  <Display>DocumentLibraryForm</Display>
+  <Edit>DocumentLibraryForm</Edit>
+  <New>DocumentLibraryForm</New>
+</FormTemplates>
 </file>
 
-<file path=customXml/itemProps2.xml><?xml version="1.0" encoding="utf-8"?>
-<ds:datastoreItem xmlns:ds="http://schemas.openxmlformats.org/officeDocument/2006/customXml" ds:itemID="{B8E15EA0-2F38-456B-B156-038699A5D17F}">
-  <ds:schemaRefs>
-    <ds:schemaRef ds:uri="http://schemas.microsoft.com/sharepoint/v3/contenttype/forms"/>
-  </ds:schemaRefs>
-</ds:datastoreItem>
+<file path=customXml/item3.xml><?xml version="1.0" encoding="utf-8"?>
+<p:properties xmlns:p="http://schemas.microsoft.com/office/2006/metadata/properties" xmlns:xsi="http://www.w3.org/2001/XMLSchema-instance" xmlns:pc="http://schemas.microsoft.com/office/infopath/2007/PartnerControls">
+  <documentManagement>
+    <MediaServiceKeyPoints xmlns="71af3243-3dd4-4a8d-8c0d-dd76da1f02a5" xsi:nil="true"/>
+  </documentManagement>
+</p:properties>
 </file>
 
-<file path=customXml/itemProps3.xml><?xml version="1.0" encoding="utf-8"?>
+<file path=customXml/itemProps1.xml><?xml version="1.0" encoding="utf-8"?>
 <ds:datastoreItem xmlns:ds="http://schemas.openxmlformats.org/officeDocument/2006/customXml" ds:itemID="{2EDB5DD7-8DCC-4069-9EB3-5D098186652E}">
   <ds:schemaRefs>
     <ds:schemaRef ds:uri="http://schemas.microsoft.com/office/2006/metadata/contentType"/>
@@ -19595,4 +19284,22 @@
     <ds:schemaRef ds:uri="http://schemas.microsoft.com/internal/obd"/>
   </ds:schemaRefs>
 </ds:datastoreItem>
+</file>
+
+<file path=customXml/itemProps2.xml><?xml version="1.0" encoding="utf-8"?>
+<ds:datastoreItem xmlns:ds="http://schemas.openxmlformats.org/officeDocument/2006/customXml" ds:itemID="{B8E15EA0-2F38-456B-B156-038699A5D17F}">
+  <ds:schemaRefs>
+    <ds:schemaRef ds:uri="http://schemas.microsoft.com/sharepoint/v3/contenttype/forms"/>
+  </ds:schemaRefs>
+</ds:datastoreItem>
+</file>
+
+<file path=customXml/itemProps3.xml><?xml version="1.0" encoding="utf-8"?>
+<ds:datastoreItem xmlns:ds="http://schemas.openxmlformats.org/officeDocument/2006/customXml" ds:itemID="{BF90D0D0-7C1D-47FF-A2F0-9937AA567A3D}">
+  <ds:schemaRefs>
+    <ds:schemaRef ds:uri="http://schemas.microsoft.com/office/2006/metadata/properties"/>
+    <ds:schemaRef ds:uri="http://schemas.microsoft.com/office/infopath/2007/PartnerControls"/>
+    <ds:schemaRef ds:uri="71af3243-3dd4-4a8d-8c0d-dd76da1f02a5"/>
+  </ds:schemaRefs>
+</ds:datastoreItem>
 </file>
--- a/How to build a team.pptx
+++ b/How to build a team.pptx
@@ -5,22 +5,23 @@
     <p:sldMasterId id="2147483648" r:id="rId4"/>
   </p:sldMasterIdLst>
   <p:notesMasterIdLst>
-    <p:notesMasterId r:id="rId15"/>
+    <p:notesMasterId r:id="rId16"/>
   </p:notesMasterIdLst>
   <p:handoutMasterIdLst>
-    <p:handoutMasterId r:id="rId16"/>
+    <p:handoutMasterId r:id="rId17"/>
   </p:handoutMasterIdLst>
   <p:sldIdLst>
     <p:sldId id="298" r:id="rId5"/>
     <p:sldId id="283" r:id="rId6"/>
-    <p:sldId id="297" r:id="rId7"/>
-    <p:sldId id="292" r:id="rId8"/>
-    <p:sldId id="284" r:id="rId9"/>
-    <p:sldId id="293" r:id="rId10"/>
-    <p:sldId id="294" r:id="rId11"/>
-    <p:sldId id="295" r:id="rId12"/>
-    <p:sldId id="285" r:id="rId13"/>
-    <p:sldId id="296" r:id="rId14"/>
+    <p:sldId id="300" r:id="rId7"/>
+    <p:sldId id="297" r:id="rId8"/>
+    <p:sldId id="292" r:id="rId9"/>
+    <p:sldId id="284" r:id="rId10"/>
+    <p:sldId id="293" r:id="rId11"/>
+    <p:sldId id="294" r:id="rId12"/>
+    <p:sldId id="295" r:id="rId13"/>
+    <p:sldId id="285" r:id="rId14"/>
+    <p:sldId id="296" r:id="rId15"/>
   </p:sldIdLst>
   <p:sldSz cx="12192000" cy="6858000"/>
   <p:notesSz cx="6858000" cy="9144000"/>
@@ -12975,6 +12976,164 @@
       </p:grpSpPr>
       <p:pic>
         <p:nvPicPr>
+          <p:cNvPr id="12" name="Picture Placeholder 11" descr="conference room">
+            <a:extLst>
+              <a:ext uri="{FF2B5EF4-FFF2-40B4-BE49-F238E27FC236}">
+                <a16:creationId xmlns:a16="http://schemas.microsoft.com/office/drawing/2014/main" id="{8F5AE0D5-C196-A947-8AFE-449A48B26153}"/>
+              </a:ext>
+            </a:extLst>
+          </p:cNvPr>
+          <p:cNvPicPr>
+            <a:picLocks noGrp="1" noChangeAspect="1"/>
+          </p:cNvPicPr>
+          <p:nvPr>
+            <p:ph type="pic" sz="quarter" idx="14"/>
+          </p:nvPr>
+        </p:nvPicPr>
+        <p:blipFill>
+          <a:blip r:embed="rId2" cstate="screen">
+            <a:extLst>
+              <a:ext uri="{28A0092B-C50C-407E-A947-70E740481C1C}">
+                <a14:useLocalDpi xmlns:a14="http://schemas.microsoft.com/office/drawing/2010/main"/>
+              </a:ext>
+            </a:extLst>
+          </a:blip>
+          <a:srcRect t="45" b="45"/>
+          <a:stretch>
+            <a:fillRect/>
+          </a:stretch>
+        </p:blipFill>
+        <p:spPr/>
+      </p:pic>
+      <p:sp>
+        <p:nvSpPr>
+          <p:cNvPr id="4" name="Content Placeholder 3">
+            <a:extLst>
+              <a:ext uri="{FF2B5EF4-FFF2-40B4-BE49-F238E27FC236}">
+                <a16:creationId xmlns:a16="http://schemas.microsoft.com/office/drawing/2014/main" id="{3B86E961-B76E-423F-995E-11B31E921437}"/>
+              </a:ext>
+            </a:extLst>
+          </p:cNvPr>
+          <p:cNvSpPr>
+            <a:spLocks noGrp="1"/>
+          </p:cNvSpPr>
+          <p:nvPr>
+            <p:ph sz="half" idx="1"/>
+          </p:nvPr>
+        </p:nvSpPr>
+        <p:spPr>
+          <a:xfrm>
+            <a:off x="8071104" y="5359400"/>
+            <a:ext cx="3688896" cy="565899"/>
+          </a:xfrm>
+          <a:solidFill>
+            <a:schemeClr val="tx1">
+              <a:lumMod val="95000"/>
+              <a:lumOff val="5000"/>
+            </a:schemeClr>
+          </a:solidFill>
+        </p:spPr>
+        <p:txBody>
+          <a:bodyPr/>
+          <a:lstStyle/>
+          <a:p>
+            <a:r>
+              <a:rPr lang="en-US" dirty="0"/>
+              <a:t>Full screen image with caption lorem ipsum dolor sit amet </a:t>
+            </a:r>
+          </a:p>
+        </p:txBody>
+      </p:sp>
+      <p:sp>
+        <p:nvSpPr>
+          <p:cNvPr id="6" name="Slide Number Placeholder 5">
+            <a:extLst>
+              <a:ext uri="{FF2B5EF4-FFF2-40B4-BE49-F238E27FC236}">
+                <a16:creationId xmlns:a16="http://schemas.microsoft.com/office/drawing/2014/main" id="{70202D98-AA1E-41BB-B94E-180311759C13}"/>
+              </a:ext>
+            </a:extLst>
+          </p:cNvPr>
+          <p:cNvSpPr>
+            <a:spLocks noGrp="1"/>
+          </p:cNvSpPr>
+          <p:nvPr>
+            <p:ph type="sldNum" sz="quarter" idx="15"/>
+          </p:nvPr>
+        </p:nvSpPr>
+        <p:spPr/>
+        <p:txBody>
+          <a:bodyPr/>
+          <a:lstStyle/>
+          <a:p>
+            <a:fld id="{19B51A1E-902D-48AF-9020-955120F399B6}" type="slidenum">
+              <a:rPr lang="en-US" smtClean="0"/>
+              <a:pPr/>
+              <a:t>10</a:t>
+            </a:fld>
+            <a:endParaRPr lang="en-US" dirty="0"/>
+          </a:p>
+        </p:txBody>
+      </p:sp>
+      <p:sp>
+        <p:nvSpPr>
+          <p:cNvPr id="11" name="Title 10" hidden="1">
+            <a:extLst>
+              <a:ext uri="{FF2B5EF4-FFF2-40B4-BE49-F238E27FC236}">
+                <a16:creationId xmlns:a16="http://schemas.microsoft.com/office/drawing/2014/main" id="{C5462610-1D7E-437B-B516-F30D9A789B9B}"/>
+              </a:ext>
+            </a:extLst>
+          </p:cNvPr>
+          <p:cNvSpPr>
+            <a:spLocks noGrp="1"/>
+          </p:cNvSpPr>
+          <p:nvPr>
+            <p:ph type="title"/>
+          </p:nvPr>
+        </p:nvSpPr>
+        <p:spPr/>
+        <p:txBody>
+          <a:bodyPr/>
+          <a:lstStyle/>
+          <a:p>
+            <a:r>
+              <a:rPr lang="en-US" dirty="0"/>
+              <a:t>Large image</a:t>
+            </a:r>
+          </a:p>
+        </p:txBody>
+      </p:sp>
+    </p:spTree>
+    <p:extLst>
+      <p:ext uri="{BB962C8B-B14F-4D97-AF65-F5344CB8AC3E}">
+        <p14:creationId xmlns:p14="http://schemas.microsoft.com/office/powerpoint/2010/main" val="665219316"/>
+      </p:ext>
+    </p:extLst>
+  </p:cSld>
+  <p:clrMapOvr>
+    <a:masterClrMapping/>
+  </p:clrMapOvr>
+</p:sld>
+</file>
+
+<file path=ppt/slides/slide11.xml><?xml version="1.0" encoding="utf-8"?>
+<p:sld xmlns:a="http://schemas.openxmlformats.org/drawingml/2006/main" xmlns:r="http://schemas.openxmlformats.org/officeDocument/2006/relationships" xmlns:p="http://schemas.openxmlformats.org/presentationml/2006/main">
+  <p:cSld>
+    <p:spTree>
+      <p:nvGrpSpPr>
+        <p:cNvPr id="1" name=""/>
+        <p:cNvGrpSpPr/>
+        <p:nvPr/>
+      </p:nvGrpSpPr>
+      <p:grpSpPr>
+        <a:xfrm>
+          <a:off x="0" y="0"/>
+          <a:ext cx="0" cy="0"/>
+          <a:chOff x="0" y="0"/>
+          <a:chExt cx="0" cy="0"/>
+        </a:xfrm>
+      </p:grpSpPr>
+      <p:pic>
+        <p:nvPicPr>
           <p:cNvPr id="32" name="Picture Placeholder 31" descr="hand clapping">
             <a:extLst>
               <a:ext uri="{FF2B5EF4-FFF2-40B4-BE49-F238E27FC236}">
@@ -13172,7 +13331,7 @@
             <a:fld id="{19B51A1E-902D-48AF-9020-955120F399B6}" type="slidenum">
               <a:rPr lang="en-US" smtClean="0"/>
               <a:pPr/>
-              <a:t>10</a:t>
+              <a:t>11</a:t>
             </a:fld>
             <a:endParaRPr lang="en-US" dirty="0"/>
           </a:p>
@@ -13507,6 +13666,1810 @@
       </p:grpSpPr>
       <p:pic>
         <p:nvPicPr>
+          <p:cNvPr id="12" name="Picture Placeholder 11">
+            <a:extLst>
+              <a:ext uri="{FF2B5EF4-FFF2-40B4-BE49-F238E27FC236}">
+                <a16:creationId xmlns:a16="http://schemas.microsoft.com/office/drawing/2014/main" id="{8F5AE0D5-C196-A947-8AFE-449A48B26153}"/>
+              </a:ext>
+            </a:extLst>
+          </p:cNvPr>
+          <p:cNvPicPr>
+            <a:picLocks noGrp="1" noChangeAspect="1"/>
+          </p:cNvPicPr>
+          <p:nvPr>
+            <p:ph type="pic" sz="quarter" idx="14"/>
+          </p:nvPr>
+        </p:nvPicPr>
+        <p:blipFill>
+          <a:blip r:embed="rId2"/>
+          <a:srcRect t="10897" b="10897"/>
+          <a:stretch/>
+        </p:blipFill>
+        <p:spPr>
+          <a:xfrm>
+            <a:off x="0" y="1"/>
+            <a:ext cx="12192000" cy="6371350"/>
+          </a:xfrm>
+        </p:spPr>
+      </p:pic>
+      <p:sp>
+        <p:nvSpPr>
+          <p:cNvPr id="6" name="Slide Number Placeholder 5">
+            <a:extLst>
+              <a:ext uri="{FF2B5EF4-FFF2-40B4-BE49-F238E27FC236}">
+                <a16:creationId xmlns:a16="http://schemas.microsoft.com/office/drawing/2014/main" id="{70202D98-AA1E-41BB-B94E-180311759C13}"/>
+              </a:ext>
+            </a:extLst>
+          </p:cNvPr>
+          <p:cNvSpPr>
+            <a:spLocks noGrp="1"/>
+          </p:cNvSpPr>
+          <p:nvPr>
+            <p:ph type="sldNum" sz="quarter" idx="15"/>
+          </p:nvPr>
+        </p:nvSpPr>
+        <p:spPr/>
+        <p:txBody>
+          <a:bodyPr/>
+          <a:lstStyle/>
+          <a:p>
+            <a:fld id="{19B51A1E-902D-48AF-9020-955120F399B6}" type="slidenum">
+              <a:rPr lang="en-US" smtClean="0"/>
+              <a:pPr/>
+              <a:t>3</a:t>
+            </a:fld>
+            <a:endParaRPr lang="en-US" dirty="0"/>
+          </a:p>
+        </p:txBody>
+      </p:sp>
+      <p:sp>
+        <p:nvSpPr>
+          <p:cNvPr id="11" name="Title 10" hidden="1">
+            <a:extLst>
+              <a:ext uri="{FF2B5EF4-FFF2-40B4-BE49-F238E27FC236}">
+                <a16:creationId xmlns:a16="http://schemas.microsoft.com/office/drawing/2014/main" id="{C5462610-1D7E-437B-B516-F30D9A789B9B}"/>
+              </a:ext>
+            </a:extLst>
+          </p:cNvPr>
+          <p:cNvSpPr>
+            <a:spLocks noGrp="1"/>
+          </p:cNvSpPr>
+          <p:nvPr>
+            <p:ph type="title"/>
+          </p:nvPr>
+        </p:nvSpPr>
+        <p:spPr/>
+        <p:txBody>
+          <a:bodyPr/>
+          <a:lstStyle/>
+          <a:p>
+            <a:r>
+              <a:rPr lang="en-US" dirty="0"/>
+              <a:t>Large image</a:t>
+            </a:r>
+          </a:p>
+        </p:txBody>
+      </p:sp>
+      <p:sp>
+        <p:nvSpPr>
+          <p:cNvPr id="10" name="Arrow: Chevron 9">
+            <a:extLst>
+              <a:ext uri="{FF2B5EF4-FFF2-40B4-BE49-F238E27FC236}">
+                <a16:creationId xmlns:a16="http://schemas.microsoft.com/office/drawing/2014/main" id="{E865DFB2-5455-46FD-BF1F-AA978030C363}"/>
+              </a:ext>
+            </a:extLst>
+          </p:cNvPr>
+          <p:cNvSpPr/>
+          <p:nvPr/>
+        </p:nvSpPr>
+        <p:spPr>
+          <a:xfrm>
+            <a:off x="3251741" y="-4491"/>
+            <a:ext cx="9240253" cy="6535919"/>
+          </a:xfrm>
+          <a:prstGeom prst="chevron">
+            <a:avLst/>
+          </a:prstGeom>
+          <a:solidFill>
+            <a:schemeClr val="bg2"/>
+          </a:solidFill>
+          <a:ln>
+            <a:noFill/>
+          </a:ln>
+        </p:spPr>
+        <p:style>
+          <a:lnRef idx="2">
+            <a:schemeClr val="accent1">
+              <a:shade val="50000"/>
+            </a:schemeClr>
+          </a:lnRef>
+          <a:fillRef idx="1">
+            <a:schemeClr val="accent1"/>
+          </a:fillRef>
+          <a:effectRef idx="0">
+            <a:schemeClr val="accent1"/>
+          </a:effectRef>
+          <a:fontRef idx="minor">
+            <a:schemeClr val="lt1"/>
+          </a:fontRef>
+        </p:style>
+        <p:txBody>
+          <a:bodyPr rtlCol="0" anchor="ctr"/>
+          <a:lstStyle/>
+          <a:p>
+            <a:pPr algn="ctr"/>
+            <a:endParaRPr lang="en-CA" dirty="0"/>
+          </a:p>
+        </p:txBody>
+      </p:sp>
+      <p:sp>
+        <p:nvSpPr>
+          <p:cNvPr id="13" name="Rectangle 12">
+            <a:extLst>
+              <a:ext uri="{FF2B5EF4-FFF2-40B4-BE49-F238E27FC236}">
+                <a16:creationId xmlns:a16="http://schemas.microsoft.com/office/drawing/2014/main" id="{6FBEB070-A4AE-4874-9AD9-2699CC61F86C}"/>
+              </a:ext>
+              <a:ext uri="{C183D7F6-B498-43B3-948B-1728B52AA6E4}">
+                <adec:decorative xmlns:adec="http://schemas.microsoft.com/office/drawing/2017/decorative" val="1"/>
+              </a:ext>
+            </a:extLst>
+          </p:cNvPr>
+          <p:cNvSpPr/>
+          <p:nvPr/>
+        </p:nvSpPr>
+        <p:spPr>
+          <a:xfrm>
+            <a:off x="4634608" y="740474"/>
+            <a:ext cx="450350" cy="36576"/>
+          </a:xfrm>
+          <a:prstGeom prst="rect">
+            <a:avLst/>
+          </a:prstGeom>
+          <a:solidFill>
+            <a:schemeClr val="accent1"/>
+          </a:solidFill>
+          <a:ln>
+            <a:noFill/>
+          </a:ln>
+        </p:spPr>
+        <p:style>
+          <a:lnRef idx="2">
+            <a:schemeClr val="accent1">
+              <a:shade val="50000"/>
+            </a:schemeClr>
+          </a:lnRef>
+          <a:fillRef idx="1">
+            <a:schemeClr val="accent1"/>
+          </a:fillRef>
+          <a:effectRef idx="0">
+            <a:schemeClr val="accent1"/>
+          </a:effectRef>
+          <a:fontRef idx="minor">
+            <a:schemeClr val="lt1"/>
+          </a:fontRef>
+        </p:style>
+        <p:txBody>
+          <a:bodyPr rtlCol="0" anchor="ctr"/>
+          <a:lstStyle/>
+          <a:p>
+            <a:pPr algn="l"/>
+            <a:endParaRPr lang="en-US" dirty="0"/>
+          </a:p>
+        </p:txBody>
+      </p:sp>
+      <p:sp>
+        <p:nvSpPr>
+          <p:cNvPr id="14" name="Google Shape;160;p19">
+            <a:extLst>
+              <a:ext uri="{FF2B5EF4-FFF2-40B4-BE49-F238E27FC236}">
+                <a16:creationId xmlns:a16="http://schemas.microsoft.com/office/drawing/2014/main" id="{BEDDB538-2BDB-4146-BE83-965CDED74148}"/>
+              </a:ext>
+            </a:extLst>
+          </p:cNvPr>
+          <p:cNvSpPr txBox="1">
+            <a:spLocks/>
+          </p:cNvSpPr>
+          <p:nvPr/>
+        </p:nvSpPr>
+        <p:spPr>
+          <a:xfrm>
+            <a:off x="4628144" y="223935"/>
+            <a:ext cx="456813" cy="606932"/>
+          </a:xfrm>
+          <a:prstGeom prst="rect">
+            <a:avLst/>
+          </a:prstGeom>
+        </p:spPr>
+        <p:txBody>
+          <a:bodyPr spcFirstLastPara="1" vert="horz" wrap="square" lIns="91425" tIns="91425" rIns="91425" bIns="91425" rtlCol="0" anchor="b" anchorCtr="0">
+            <a:noAutofit/>
+          </a:bodyPr>
+          <a:lstStyle>
+            <a:lvl1pPr algn="l" defTabSz="914400" rtl="0" eaLnBrk="1" latinLnBrk="0" hangingPunct="1">
+              <a:lnSpc>
+                <a:spcPct val="90000"/>
+              </a:lnSpc>
+              <a:spcBef>
+                <a:spcPct val="0"/>
+              </a:spcBef>
+              <a:buNone/>
+              <a:defRPr sz="3200" b="1" kern="1200" spc="-150">
+                <a:solidFill>
+                  <a:schemeClr val="tx1">
+                    <a:lumMod val="75000"/>
+                    <a:lumOff val="25000"/>
+                  </a:schemeClr>
+                </a:solidFill>
+                <a:latin typeface="+mj-lt"/>
+                <a:ea typeface="+mj-ea"/>
+                <a:cs typeface="+mj-cs"/>
+              </a:defRPr>
+            </a:lvl1pPr>
+          </a:lstStyle>
+          <a:p>
+            <a:pPr algn="r">
+              <a:spcBef>
+                <a:spcPts val="0"/>
+              </a:spcBef>
+            </a:pPr>
+            <a:r>
+              <a:rPr lang="es" sz="4000" dirty="0"/>
+              <a:t>1</a:t>
+            </a:r>
+          </a:p>
+        </p:txBody>
+      </p:sp>
+      <p:sp>
+        <p:nvSpPr>
+          <p:cNvPr id="15" name="Google Shape;157;p19">
+            <a:extLst>
+              <a:ext uri="{FF2B5EF4-FFF2-40B4-BE49-F238E27FC236}">
+                <a16:creationId xmlns:a16="http://schemas.microsoft.com/office/drawing/2014/main" id="{AC03434D-D207-4B3F-BE0B-5A22B1A77236}"/>
+              </a:ext>
+            </a:extLst>
+          </p:cNvPr>
+          <p:cNvSpPr txBox="1">
+            <a:spLocks/>
+          </p:cNvSpPr>
+          <p:nvPr/>
+        </p:nvSpPr>
+        <p:spPr>
+          <a:xfrm flipH="1">
+            <a:off x="5226813" y="233778"/>
+            <a:ext cx="4455699" cy="485537"/>
+          </a:xfrm>
+          <a:prstGeom prst="rect">
+            <a:avLst/>
+          </a:prstGeom>
+        </p:spPr>
+        <p:txBody>
+          <a:bodyPr spcFirstLastPara="1" vert="horz" wrap="square" lIns="91425" tIns="91425" rIns="91425" bIns="91425" rtlCol="0" anchor="b" anchorCtr="0">
+            <a:noAutofit/>
+          </a:bodyPr>
+          <a:lstStyle>
+            <a:lvl1pPr marL="228600" indent="-228600" algn="l" defTabSz="914400" rtl="0" eaLnBrk="1" latinLnBrk="0" hangingPunct="1">
+              <a:lnSpc>
+                <a:spcPct val="90000"/>
+              </a:lnSpc>
+              <a:spcBef>
+                <a:spcPts val="1000"/>
+              </a:spcBef>
+              <a:buFont typeface="Arial" panose="020B0604020202020204" pitchFamily="34" charset="0"/>
+              <a:buChar char="•"/>
+              <a:defRPr sz="2800" kern="1200">
+                <a:solidFill>
+                  <a:schemeClr val="tx1"/>
+                </a:solidFill>
+                <a:latin typeface="+mn-lt"/>
+                <a:ea typeface="+mn-ea"/>
+                <a:cs typeface="+mn-cs"/>
+              </a:defRPr>
+            </a:lvl1pPr>
+            <a:lvl2pPr marL="685800" indent="-228600" algn="l" defTabSz="914400" rtl="0" eaLnBrk="1" latinLnBrk="0" hangingPunct="1">
+              <a:lnSpc>
+                <a:spcPct val="90000"/>
+              </a:lnSpc>
+              <a:spcBef>
+                <a:spcPts val="500"/>
+              </a:spcBef>
+              <a:buFont typeface="Arial" panose="020B0604020202020204" pitchFamily="34" charset="0"/>
+              <a:buChar char="•"/>
+              <a:defRPr sz="2400" kern="1200">
+                <a:solidFill>
+                  <a:schemeClr val="tx1"/>
+                </a:solidFill>
+                <a:latin typeface="+mn-lt"/>
+                <a:ea typeface="+mn-ea"/>
+                <a:cs typeface="+mn-cs"/>
+              </a:defRPr>
+            </a:lvl2pPr>
+            <a:lvl3pPr marL="1143000" indent="-228600" algn="l" defTabSz="914400" rtl="0" eaLnBrk="1" latinLnBrk="0" hangingPunct="1">
+              <a:lnSpc>
+                <a:spcPct val="90000"/>
+              </a:lnSpc>
+              <a:spcBef>
+                <a:spcPts val="500"/>
+              </a:spcBef>
+              <a:buFont typeface="Arial" panose="020B0604020202020204" pitchFamily="34" charset="0"/>
+              <a:buChar char="•"/>
+              <a:defRPr sz="2000" kern="1200">
+                <a:solidFill>
+                  <a:schemeClr val="tx1"/>
+                </a:solidFill>
+                <a:latin typeface="+mn-lt"/>
+                <a:ea typeface="+mn-ea"/>
+                <a:cs typeface="+mn-cs"/>
+              </a:defRPr>
+            </a:lvl3pPr>
+            <a:lvl4pPr marL="1600200" indent="-228600" algn="l" defTabSz="914400" rtl="0" eaLnBrk="1" latinLnBrk="0" hangingPunct="1">
+              <a:lnSpc>
+                <a:spcPct val="90000"/>
+              </a:lnSpc>
+              <a:spcBef>
+                <a:spcPts val="500"/>
+              </a:spcBef>
+              <a:buFont typeface="Arial" panose="020B0604020202020204" pitchFamily="34" charset="0"/>
+              <a:buChar char="•"/>
+              <a:defRPr sz="1800" kern="1200">
+                <a:solidFill>
+                  <a:schemeClr val="tx1"/>
+                </a:solidFill>
+                <a:latin typeface="+mn-lt"/>
+                <a:ea typeface="+mn-ea"/>
+                <a:cs typeface="+mn-cs"/>
+              </a:defRPr>
+            </a:lvl4pPr>
+            <a:lvl5pPr marL="2057400" indent="-228600" algn="l" defTabSz="914400" rtl="0" eaLnBrk="1" latinLnBrk="0" hangingPunct="1">
+              <a:lnSpc>
+                <a:spcPct val="90000"/>
+              </a:lnSpc>
+              <a:spcBef>
+                <a:spcPts val="500"/>
+              </a:spcBef>
+              <a:buFont typeface="Arial" panose="020B0604020202020204" pitchFamily="34" charset="0"/>
+              <a:buChar char="•"/>
+              <a:defRPr sz="1800" kern="1200">
+                <a:solidFill>
+                  <a:schemeClr val="tx1"/>
+                </a:solidFill>
+                <a:latin typeface="+mn-lt"/>
+                <a:ea typeface="+mn-ea"/>
+                <a:cs typeface="+mn-cs"/>
+              </a:defRPr>
+            </a:lvl5pPr>
+            <a:lvl6pPr marL="2514600" indent="-228600" algn="l" defTabSz="914400" rtl="0" eaLnBrk="1" latinLnBrk="0" hangingPunct="1">
+              <a:lnSpc>
+                <a:spcPct val="90000"/>
+              </a:lnSpc>
+              <a:spcBef>
+                <a:spcPts val="500"/>
+              </a:spcBef>
+              <a:buFont typeface="Arial" panose="020B0604020202020204" pitchFamily="34" charset="0"/>
+              <a:buChar char="•"/>
+              <a:defRPr sz="1800" kern="1200">
+                <a:solidFill>
+                  <a:schemeClr val="tx1"/>
+                </a:solidFill>
+                <a:latin typeface="+mn-lt"/>
+                <a:ea typeface="+mn-ea"/>
+                <a:cs typeface="+mn-cs"/>
+              </a:defRPr>
+            </a:lvl6pPr>
+            <a:lvl7pPr marL="2971800" indent="-228600" algn="l" defTabSz="914400" rtl="0" eaLnBrk="1" latinLnBrk="0" hangingPunct="1">
+              <a:lnSpc>
+                <a:spcPct val="90000"/>
+              </a:lnSpc>
+              <a:spcBef>
+                <a:spcPts val="500"/>
+              </a:spcBef>
+              <a:buFont typeface="Arial" panose="020B0604020202020204" pitchFamily="34" charset="0"/>
+              <a:buChar char="•"/>
+              <a:defRPr sz="1800" kern="1200">
+                <a:solidFill>
+                  <a:schemeClr val="tx1"/>
+                </a:solidFill>
+                <a:latin typeface="+mn-lt"/>
+                <a:ea typeface="+mn-ea"/>
+                <a:cs typeface="+mn-cs"/>
+              </a:defRPr>
+            </a:lvl7pPr>
+            <a:lvl8pPr marL="3429000" indent="-228600" algn="l" defTabSz="914400" rtl="0" eaLnBrk="1" latinLnBrk="0" hangingPunct="1">
+              <a:lnSpc>
+                <a:spcPct val="90000"/>
+              </a:lnSpc>
+              <a:spcBef>
+                <a:spcPts val="500"/>
+              </a:spcBef>
+              <a:buFont typeface="Arial" panose="020B0604020202020204" pitchFamily="34" charset="0"/>
+              <a:buChar char="•"/>
+              <a:defRPr sz="1800" kern="1200">
+                <a:solidFill>
+                  <a:schemeClr val="tx1"/>
+                </a:solidFill>
+                <a:latin typeface="+mn-lt"/>
+                <a:ea typeface="+mn-ea"/>
+                <a:cs typeface="+mn-cs"/>
+              </a:defRPr>
+            </a:lvl8pPr>
+            <a:lvl9pPr marL="3886200" indent="-228600" algn="l" defTabSz="914400" rtl="0" eaLnBrk="1" latinLnBrk="0" hangingPunct="1">
+              <a:lnSpc>
+                <a:spcPct val="90000"/>
+              </a:lnSpc>
+              <a:spcBef>
+                <a:spcPts val="500"/>
+              </a:spcBef>
+              <a:buFont typeface="Arial" panose="020B0604020202020204" pitchFamily="34" charset="0"/>
+              <a:buChar char="•"/>
+              <a:defRPr sz="1800" kern="1200">
+                <a:solidFill>
+                  <a:schemeClr val="tx1"/>
+                </a:solidFill>
+                <a:latin typeface="+mn-lt"/>
+                <a:ea typeface="+mn-ea"/>
+                <a:cs typeface="+mn-cs"/>
+              </a:defRPr>
+            </a:lvl9pPr>
+          </a:lstStyle>
+          <a:p>
+            <a:pPr marL="0" indent="0">
+              <a:spcBef>
+                <a:spcPts val="0"/>
+              </a:spcBef>
+              <a:buFont typeface="Arial" panose="020B0604020202020204" pitchFamily="34" charset="0"/>
+              <a:buNone/>
+            </a:pPr>
+            <a:r>
+              <a:rPr lang="en-CA" sz="2000" dirty="0">
+                <a:latin typeface="Arial" panose="020B0604020202020204" pitchFamily="34" charset="0"/>
+                <a:cs typeface="Arial" panose="020B0604020202020204" pitchFamily="34" charset="0"/>
+              </a:rPr>
+              <a:t>ARCHITECTURAL OVERVIEW</a:t>
+            </a:r>
+          </a:p>
+        </p:txBody>
+      </p:sp>
+      <p:sp>
+        <p:nvSpPr>
+          <p:cNvPr id="16" name="Google Shape;160;p19">
+            <a:extLst>
+              <a:ext uri="{FF2B5EF4-FFF2-40B4-BE49-F238E27FC236}">
+                <a16:creationId xmlns:a16="http://schemas.microsoft.com/office/drawing/2014/main" id="{1F918B4B-95F3-4F31-BA77-58B810603AE3}"/>
+              </a:ext>
+            </a:extLst>
+          </p:cNvPr>
+          <p:cNvSpPr txBox="1">
+            <a:spLocks/>
+          </p:cNvSpPr>
+          <p:nvPr/>
+        </p:nvSpPr>
+        <p:spPr>
+          <a:xfrm>
+            <a:off x="5313906" y="966518"/>
+            <a:ext cx="450350" cy="582030"/>
+          </a:xfrm>
+          <a:prstGeom prst="rect">
+            <a:avLst/>
+          </a:prstGeom>
+        </p:spPr>
+        <p:txBody>
+          <a:bodyPr spcFirstLastPara="1" vert="horz" wrap="square" lIns="91425" tIns="91425" rIns="91425" bIns="91425" rtlCol="0" anchor="b" anchorCtr="0">
+            <a:noAutofit/>
+          </a:bodyPr>
+          <a:lstStyle>
+            <a:lvl1pPr algn="l" defTabSz="914400" rtl="0" eaLnBrk="1" latinLnBrk="0" hangingPunct="1">
+              <a:lnSpc>
+                <a:spcPct val="90000"/>
+              </a:lnSpc>
+              <a:spcBef>
+                <a:spcPct val="0"/>
+              </a:spcBef>
+              <a:buNone/>
+              <a:defRPr sz="4400" kern="1200">
+                <a:solidFill>
+                  <a:schemeClr val="tx1"/>
+                </a:solidFill>
+                <a:latin typeface="+mj-lt"/>
+                <a:ea typeface="+mj-ea"/>
+                <a:cs typeface="+mj-cs"/>
+              </a:defRPr>
+            </a:lvl1pPr>
+          </a:lstStyle>
+          <a:p>
+            <a:pPr algn="r">
+              <a:spcBef>
+                <a:spcPts val="0"/>
+              </a:spcBef>
+            </a:pPr>
+            <a:r>
+              <a:rPr lang="es" sz="4000" dirty="0"/>
+              <a:t>2</a:t>
+            </a:r>
+            <a:endParaRPr lang="es" dirty="0"/>
+          </a:p>
+        </p:txBody>
+      </p:sp>
+      <p:sp>
+        <p:nvSpPr>
+          <p:cNvPr id="17" name="Google Shape;160;p19">
+            <a:extLst>
+              <a:ext uri="{FF2B5EF4-FFF2-40B4-BE49-F238E27FC236}">
+                <a16:creationId xmlns:a16="http://schemas.microsoft.com/office/drawing/2014/main" id="{3F65B0F2-A340-4389-ADE9-493D1471A937}"/>
+              </a:ext>
+            </a:extLst>
+          </p:cNvPr>
+          <p:cNvSpPr txBox="1">
+            <a:spLocks/>
+          </p:cNvSpPr>
+          <p:nvPr/>
+        </p:nvSpPr>
+        <p:spPr>
+          <a:xfrm>
+            <a:off x="6008181" y="1624295"/>
+            <a:ext cx="431839" cy="601146"/>
+          </a:xfrm>
+          <a:prstGeom prst="rect">
+            <a:avLst/>
+          </a:prstGeom>
+        </p:spPr>
+        <p:txBody>
+          <a:bodyPr spcFirstLastPara="1" vert="horz" wrap="square" lIns="91425" tIns="91425" rIns="91425" bIns="91425" rtlCol="0" anchor="b" anchorCtr="0">
+            <a:noAutofit/>
+          </a:bodyPr>
+          <a:lstStyle>
+            <a:lvl1pPr algn="l" defTabSz="914400" rtl="0" eaLnBrk="1" latinLnBrk="0" hangingPunct="1">
+              <a:lnSpc>
+                <a:spcPct val="90000"/>
+              </a:lnSpc>
+              <a:spcBef>
+                <a:spcPct val="0"/>
+              </a:spcBef>
+              <a:buNone/>
+              <a:defRPr sz="4400" kern="1200">
+                <a:solidFill>
+                  <a:schemeClr val="tx1"/>
+                </a:solidFill>
+                <a:latin typeface="+mj-lt"/>
+                <a:ea typeface="+mj-ea"/>
+                <a:cs typeface="+mj-cs"/>
+              </a:defRPr>
+            </a:lvl1pPr>
+          </a:lstStyle>
+          <a:p>
+            <a:pPr algn="r">
+              <a:spcBef>
+                <a:spcPts val="0"/>
+              </a:spcBef>
+            </a:pPr>
+            <a:r>
+              <a:rPr lang="es" sz="4000" dirty="0"/>
+              <a:t>3</a:t>
+            </a:r>
+            <a:endParaRPr lang="es" dirty="0"/>
+          </a:p>
+        </p:txBody>
+      </p:sp>
+      <p:sp>
+        <p:nvSpPr>
+          <p:cNvPr id="18" name="Google Shape;160;p19">
+            <a:extLst>
+              <a:ext uri="{FF2B5EF4-FFF2-40B4-BE49-F238E27FC236}">
+                <a16:creationId xmlns:a16="http://schemas.microsoft.com/office/drawing/2014/main" id="{56350983-9591-4690-8787-F6F9CD764D8B}"/>
+              </a:ext>
+            </a:extLst>
+          </p:cNvPr>
+          <p:cNvSpPr txBox="1">
+            <a:spLocks/>
+          </p:cNvSpPr>
+          <p:nvPr/>
+        </p:nvSpPr>
+        <p:spPr>
+          <a:xfrm>
+            <a:off x="6742270" y="2434543"/>
+            <a:ext cx="456490" cy="549658"/>
+          </a:xfrm>
+          <a:prstGeom prst="rect">
+            <a:avLst/>
+          </a:prstGeom>
+        </p:spPr>
+        <p:txBody>
+          <a:bodyPr spcFirstLastPara="1" vert="horz" wrap="square" lIns="91425" tIns="91425" rIns="91425" bIns="91425" rtlCol="0" anchor="b" anchorCtr="0">
+            <a:noAutofit/>
+          </a:bodyPr>
+          <a:lstStyle>
+            <a:lvl1pPr algn="l" defTabSz="914400" rtl="0" eaLnBrk="1" latinLnBrk="0" hangingPunct="1">
+              <a:lnSpc>
+                <a:spcPct val="90000"/>
+              </a:lnSpc>
+              <a:spcBef>
+                <a:spcPct val="0"/>
+              </a:spcBef>
+              <a:buNone/>
+              <a:defRPr sz="4400" kern="1200">
+                <a:solidFill>
+                  <a:schemeClr val="tx1"/>
+                </a:solidFill>
+                <a:latin typeface="+mj-lt"/>
+                <a:ea typeface="+mj-ea"/>
+                <a:cs typeface="+mj-cs"/>
+              </a:defRPr>
+            </a:lvl1pPr>
+          </a:lstStyle>
+          <a:p>
+            <a:pPr algn="r">
+              <a:spcBef>
+                <a:spcPts val="0"/>
+              </a:spcBef>
+            </a:pPr>
+            <a:r>
+              <a:rPr lang="es" sz="4000" dirty="0"/>
+              <a:t>4</a:t>
+            </a:r>
+            <a:endParaRPr lang="es" dirty="0"/>
+          </a:p>
+        </p:txBody>
+      </p:sp>
+      <p:sp>
+        <p:nvSpPr>
+          <p:cNvPr id="19" name="Google Shape;157;p19">
+            <a:extLst>
+              <a:ext uri="{FF2B5EF4-FFF2-40B4-BE49-F238E27FC236}">
+                <a16:creationId xmlns:a16="http://schemas.microsoft.com/office/drawing/2014/main" id="{9BCB12AB-00B9-44FC-805B-4C89C114D2D2}"/>
+              </a:ext>
+            </a:extLst>
+          </p:cNvPr>
+          <p:cNvSpPr txBox="1">
+            <a:spLocks/>
+          </p:cNvSpPr>
+          <p:nvPr/>
+        </p:nvSpPr>
+        <p:spPr>
+          <a:xfrm flipH="1">
+            <a:off x="6591939" y="1422005"/>
+            <a:ext cx="4179503" cy="797100"/>
+          </a:xfrm>
+          <a:prstGeom prst="rect">
+            <a:avLst/>
+          </a:prstGeom>
+        </p:spPr>
+        <p:txBody>
+          <a:bodyPr spcFirstLastPara="1" vert="horz" wrap="square" lIns="91425" tIns="91425" rIns="91425" bIns="91425" rtlCol="0" anchor="b" anchorCtr="0">
+            <a:noAutofit/>
+          </a:bodyPr>
+          <a:lstStyle>
+            <a:lvl1pPr marL="228600" indent="-228600" algn="l" defTabSz="914400" rtl="0" eaLnBrk="1" latinLnBrk="0" hangingPunct="1">
+              <a:lnSpc>
+                <a:spcPct val="90000"/>
+              </a:lnSpc>
+              <a:spcBef>
+                <a:spcPts val="1000"/>
+              </a:spcBef>
+              <a:buFont typeface="Arial" panose="020B0604020202020204" pitchFamily="34" charset="0"/>
+              <a:buChar char="•"/>
+              <a:defRPr sz="2800" kern="1200">
+                <a:solidFill>
+                  <a:schemeClr val="tx1"/>
+                </a:solidFill>
+                <a:latin typeface="+mn-lt"/>
+                <a:ea typeface="+mn-ea"/>
+                <a:cs typeface="+mn-cs"/>
+              </a:defRPr>
+            </a:lvl1pPr>
+            <a:lvl2pPr marL="685800" indent="-228600" algn="l" defTabSz="914400" rtl="0" eaLnBrk="1" latinLnBrk="0" hangingPunct="1">
+              <a:lnSpc>
+                <a:spcPct val="90000"/>
+              </a:lnSpc>
+              <a:spcBef>
+                <a:spcPts val="500"/>
+              </a:spcBef>
+              <a:buFont typeface="Arial" panose="020B0604020202020204" pitchFamily="34" charset="0"/>
+              <a:buChar char="•"/>
+              <a:defRPr sz="2400" kern="1200">
+                <a:solidFill>
+                  <a:schemeClr val="tx1"/>
+                </a:solidFill>
+                <a:latin typeface="+mn-lt"/>
+                <a:ea typeface="+mn-ea"/>
+                <a:cs typeface="+mn-cs"/>
+              </a:defRPr>
+            </a:lvl2pPr>
+            <a:lvl3pPr marL="1143000" indent="-228600" algn="l" defTabSz="914400" rtl="0" eaLnBrk="1" latinLnBrk="0" hangingPunct="1">
+              <a:lnSpc>
+                <a:spcPct val="90000"/>
+              </a:lnSpc>
+              <a:spcBef>
+                <a:spcPts val="500"/>
+              </a:spcBef>
+              <a:buFont typeface="Arial" panose="020B0604020202020204" pitchFamily="34" charset="0"/>
+              <a:buChar char="•"/>
+              <a:defRPr sz="2000" kern="1200">
+                <a:solidFill>
+                  <a:schemeClr val="tx1"/>
+                </a:solidFill>
+                <a:latin typeface="+mn-lt"/>
+                <a:ea typeface="+mn-ea"/>
+                <a:cs typeface="+mn-cs"/>
+              </a:defRPr>
+            </a:lvl3pPr>
+            <a:lvl4pPr marL="1600200" indent="-228600" algn="l" defTabSz="914400" rtl="0" eaLnBrk="1" latinLnBrk="0" hangingPunct="1">
+              <a:lnSpc>
+                <a:spcPct val="90000"/>
+              </a:lnSpc>
+              <a:spcBef>
+                <a:spcPts val="500"/>
+              </a:spcBef>
+              <a:buFont typeface="Arial" panose="020B0604020202020204" pitchFamily="34" charset="0"/>
+              <a:buChar char="•"/>
+              <a:defRPr sz="1800" kern="1200">
+                <a:solidFill>
+                  <a:schemeClr val="tx1"/>
+                </a:solidFill>
+                <a:latin typeface="+mn-lt"/>
+                <a:ea typeface="+mn-ea"/>
+                <a:cs typeface="+mn-cs"/>
+              </a:defRPr>
+            </a:lvl4pPr>
+            <a:lvl5pPr marL="2057400" indent="-228600" algn="l" defTabSz="914400" rtl="0" eaLnBrk="1" latinLnBrk="0" hangingPunct="1">
+              <a:lnSpc>
+                <a:spcPct val="90000"/>
+              </a:lnSpc>
+              <a:spcBef>
+                <a:spcPts val="500"/>
+              </a:spcBef>
+              <a:buFont typeface="Arial" panose="020B0604020202020204" pitchFamily="34" charset="0"/>
+              <a:buChar char="•"/>
+              <a:defRPr sz="1800" kern="1200">
+                <a:solidFill>
+                  <a:schemeClr val="tx1"/>
+                </a:solidFill>
+                <a:latin typeface="+mn-lt"/>
+                <a:ea typeface="+mn-ea"/>
+                <a:cs typeface="+mn-cs"/>
+              </a:defRPr>
+            </a:lvl5pPr>
+            <a:lvl6pPr marL="2514600" indent="-228600" algn="l" defTabSz="914400" rtl="0" eaLnBrk="1" latinLnBrk="0" hangingPunct="1">
+              <a:lnSpc>
+                <a:spcPct val="90000"/>
+              </a:lnSpc>
+              <a:spcBef>
+                <a:spcPts val="500"/>
+              </a:spcBef>
+              <a:buFont typeface="Arial" panose="020B0604020202020204" pitchFamily="34" charset="0"/>
+              <a:buChar char="•"/>
+              <a:defRPr sz="1800" kern="1200">
+                <a:solidFill>
+                  <a:schemeClr val="tx1"/>
+                </a:solidFill>
+                <a:latin typeface="+mn-lt"/>
+                <a:ea typeface="+mn-ea"/>
+                <a:cs typeface="+mn-cs"/>
+              </a:defRPr>
+            </a:lvl6pPr>
+            <a:lvl7pPr marL="2971800" indent="-228600" algn="l" defTabSz="914400" rtl="0" eaLnBrk="1" latinLnBrk="0" hangingPunct="1">
+              <a:lnSpc>
+                <a:spcPct val="90000"/>
+              </a:lnSpc>
+              <a:spcBef>
+                <a:spcPts val="500"/>
+              </a:spcBef>
+              <a:buFont typeface="Arial" panose="020B0604020202020204" pitchFamily="34" charset="0"/>
+              <a:buChar char="•"/>
+              <a:defRPr sz="1800" kern="1200">
+                <a:solidFill>
+                  <a:schemeClr val="tx1"/>
+                </a:solidFill>
+                <a:latin typeface="+mn-lt"/>
+                <a:ea typeface="+mn-ea"/>
+                <a:cs typeface="+mn-cs"/>
+              </a:defRPr>
+            </a:lvl7pPr>
+            <a:lvl8pPr marL="3429000" indent="-228600" algn="l" defTabSz="914400" rtl="0" eaLnBrk="1" latinLnBrk="0" hangingPunct="1">
+              <a:lnSpc>
+                <a:spcPct val="90000"/>
+              </a:lnSpc>
+              <a:spcBef>
+                <a:spcPts val="500"/>
+              </a:spcBef>
+              <a:buFont typeface="Arial" panose="020B0604020202020204" pitchFamily="34" charset="0"/>
+              <a:buChar char="•"/>
+              <a:defRPr sz="1800" kern="1200">
+                <a:solidFill>
+                  <a:schemeClr val="tx1"/>
+                </a:solidFill>
+                <a:latin typeface="+mn-lt"/>
+                <a:ea typeface="+mn-ea"/>
+                <a:cs typeface="+mn-cs"/>
+              </a:defRPr>
+            </a:lvl8pPr>
+            <a:lvl9pPr marL="3886200" indent="-228600" algn="l" defTabSz="914400" rtl="0" eaLnBrk="1" latinLnBrk="0" hangingPunct="1">
+              <a:lnSpc>
+                <a:spcPct val="90000"/>
+              </a:lnSpc>
+              <a:spcBef>
+                <a:spcPts val="500"/>
+              </a:spcBef>
+              <a:buFont typeface="Arial" panose="020B0604020202020204" pitchFamily="34" charset="0"/>
+              <a:buChar char="•"/>
+              <a:defRPr sz="1800" kern="1200">
+                <a:solidFill>
+                  <a:schemeClr val="tx1"/>
+                </a:solidFill>
+                <a:latin typeface="+mn-lt"/>
+                <a:ea typeface="+mn-ea"/>
+                <a:cs typeface="+mn-cs"/>
+              </a:defRPr>
+            </a:lvl9pPr>
+          </a:lstStyle>
+          <a:p>
+            <a:pPr marL="0" indent="0">
+              <a:spcBef>
+                <a:spcPts val="0"/>
+              </a:spcBef>
+              <a:buFont typeface="Arial" panose="020B0604020202020204" pitchFamily="34" charset="0"/>
+              <a:buNone/>
+            </a:pPr>
+            <a:r>
+              <a:rPr lang="en-CA" sz="2000" dirty="0">
+                <a:latin typeface="Arial" panose="020B0604020202020204" pitchFamily="34" charset="0"/>
+                <a:cs typeface="Arial" panose="020B0604020202020204" pitchFamily="34" charset="0"/>
+              </a:rPr>
+              <a:t>TECHNOLOGY COMPONENT OVERVIEW</a:t>
+            </a:r>
+          </a:p>
+        </p:txBody>
+      </p:sp>
+      <p:sp>
+        <p:nvSpPr>
+          <p:cNvPr id="20" name="Google Shape;157;p19">
+            <a:extLst>
+              <a:ext uri="{FF2B5EF4-FFF2-40B4-BE49-F238E27FC236}">
+                <a16:creationId xmlns:a16="http://schemas.microsoft.com/office/drawing/2014/main" id="{5DDC7385-32D6-49D0-947C-7DF7EF4FC34D}"/>
+              </a:ext>
+            </a:extLst>
+          </p:cNvPr>
+          <p:cNvSpPr txBox="1">
+            <a:spLocks/>
+          </p:cNvSpPr>
+          <p:nvPr/>
+        </p:nvSpPr>
+        <p:spPr>
+          <a:xfrm flipH="1">
+            <a:off x="7386753" y="2218209"/>
+            <a:ext cx="2841230" cy="797100"/>
+          </a:xfrm>
+          <a:prstGeom prst="rect">
+            <a:avLst/>
+          </a:prstGeom>
+        </p:spPr>
+        <p:txBody>
+          <a:bodyPr spcFirstLastPara="1" vert="horz" wrap="square" lIns="91425" tIns="91425" rIns="91425" bIns="91425" rtlCol="0" anchor="b" anchorCtr="0">
+            <a:noAutofit/>
+          </a:bodyPr>
+          <a:lstStyle>
+            <a:lvl1pPr marL="228600" indent="-228600" algn="l" defTabSz="914400" rtl="0" eaLnBrk="1" latinLnBrk="0" hangingPunct="1">
+              <a:lnSpc>
+                <a:spcPct val="90000"/>
+              </a:lnSpc>
+              <a:spcBef>
+                <a:spcPts val="1000"/>
+              </a:spcBef>
+              <a:buFont typeface="Arial" panose="020B0604020202020204" pitchFamily="34" charset="0"/>
+              <a:buChar char="•"/>
+              <a:defRPr sz="2800" kern="1200">
+                <a:solidFill>
+                  <a:schemeClr val="tx1"/>
+                </a:solidFill>
+                <a:latin typeface="+mn-lt"/>
+                <a:ea typeface="+mn-ea"/>
+                <a:cs typeface="+mn-cs"/>
+              </a:defRPr>
+            </a:lvl1pPr>
+            <a:lvl2pPr marL="685800" indent="-228600" algn="l" defTabSz="914400" rtl="0" eaLnBrk="1" latinLnBrk="0" hangingPunct="1">
+              <a:lnSpc>
+                <a:spcPct val="90000"/>
+              </a:lnSpc>
+              <a:spcBef>
+                <a:spcPts val="500"/>
+              </a:spcBef>
+              <a:buFont typeface="Arial" panose="020B0604020202020204" pitchFamily="34" charset="0"/>
+              <a:buChar char="•"/>
+              <a:defRPr sz="2400" kern="1200">
+                <a:solidFill>
+                  <a:schemeClr val="tx1"/>
+                </a:solidFill>
+                <a:latin typeface="+mn-lt"/>
+                <a:ea typeface="+mn-ea"/>
+                <a:cs typeface="+mn-cs"/>
+              </a:defRPr>
+            </a:lvl2pPr>
+            <a:lvl3pPr marL="1143000" indent="-228600" algn="l" defTabSz="914400" rtl="0" eaLnBrk="1" latinLnBrk="0" hangingPunct="1">
+              <a:lnSpc>
+                <a:spcPct val="90000"/>
+              </a:lnSpc>
+              <a:spcBef>
+                <a:spcPts val="500"/>
+              </a:spcBef>
+              <a:buFont typeface="Arial" panose="020B0604020202020204" pitchFamily="34" charset="0"/>
+              <a:buChar char="•"/>
+              <a:defRPr sz="2000" kern="1200">
+                <a:solidFill>
+                  <a:schemeClr val="tx1"/>
+                </a:solidFill>
+                <a:latin typeface="+mn-lt"/>
+                <a:ea typeface="+mn-ea"/>
+                <a:cs typeface="+mn-cs"/>
+              </a:defRPr>
+            </a:lvl3pPr>
+            <a:lvl4pPr marL="1600200" indent="-228600" algn="l" defTabSz="914400" rtl="0" eaLnBrk="1" latinLnBrk="0" hangingPunct="1">
+              <a:lnSpc>
+                <a:spcPct val="90000"/>
+              </a:lnSpc>
+              <a:spcBef>
+                <a:spcPts val="500"/>
+              </a:spcBef>
+              <a:buFont typeface="Arial" panose="020B0604020202020204" pitchFamily="34" charset="0"/>
+              <a:buChar char="•"/>
+              <a:defRPr sz="1800" kern="1200">
+                <a:solidFill>
+                  <a:schemeClr val="tx1"/>
+                </a:solidFill>
+                <a:latin typeface="+mn-lt"/>
+                <a:ea typeface="+mn-ea"/>
+                <a:cs typeface="+mn-cs"/>
+              </a:defRPr>
+            </a:lvl4pPr>
+            <a:lvl5pPr marL="2057400" indent="-228600" algn="l" defTabSz="914400" rtl="0" eaLnBrk="1" latinLnBrk="0" hangingPunct="1">
+              <a:lnSpc>
+                <a:spcPct val="90000"/>
+              </a:lnSpc>
+              <a:spcBef>
+                <a:spcPts val="500"/>
+              </a:spcBef>
+              <a:buFont typeface="Arial" panose="020B0604020202020204" pitchFamily="34" charset="0"/>
+              <a:buChar char="•"/>
+              <a:defRPr sz="1800" kern="1200">
+                <a:solidFill>
+                  <a:schemeClr val="tx1"/>
+                </a:solidFill>
+                <a:latin typeface="+mn-lt"/>
+                <a:ea typeface="+mn-ea"/>
+                <a:cs typeface="+mn-cs"/>
+              </a:defRPr>
+            </a:lvl5pPr>
+            <a:lvl6pPr marL="2514600" indent="-228600" algn="l" defTabSz="914400" rtl="0" eaLnBrk="1" latinLnBrk="0" hangingPunct="1">
+              <a:lnSpc>
+                <a:spcPct val="90000"/>
+              </a:lnSpc>
+              <a:spcBef>
+                <a:spcPts val="500"/>
+              </a:spcBef>
+              <a:buFont typeface="Arial" panose="020B0604020202020204" pitchFamily="34" charset="0"/>
+              <a:buChar char="•"/>
+              <a:defRPr sz="1800" kern="1200">
+                <a:solidFill>
+                  <a:schemeClr val="tx1"/>
+                </a:solidFill>
+                <a:latin typeface="+mn-lt"/>
+                <a:ea typeface="+mn-ea"/>
+                <a:cs typeface="+mn-cs"/>
+              </a:defRPr>
+            </a:lvl6pPr>
+            <a:lvl7pPr marL="2971800" indent="-228600" algn="l" defTabSz="914400" rtl="0" eaLnBrk="1" latinLnBrk="0" hangingPunct="1">
+              <a:lnSpc>
+                <a:spcPct val="90000"/>
+              </a:lnSpc>
+              <a:spcBef>
+                <a:spcPts val="500"/>
+              </a:spcBef>
+              <a:buFont typeface="Arial" panose="020B0604020202020204" pitchFamily="34" charset="0"/>
+              <a:buChar char="•"/>
+              <a:defRPr sz="1800" kern="1200">
+                <a:solidFill>
+                  <a:schemeClr val="tx1"/>
+                </a:solidFill>
+                <a:latin typeface="+mn-lt"/>
+                <a:ea typeface="+mn-ea"/>
+                <a:cs typeface="+mn-cs"/>
+              </a:defRPr>
+            </a:lvl7pPr>
+            <a:lvl8pPr marL="3429000" indent="-228600" algn="l" defTabSz="914400" rtl="0" eaLnBrk="1" latinLnBrk="0" hangingPunct="1">
+              <a:lnSpc>
+                <a:spcPct val="90000"/>
+              </a:lnSpc>
+              <a:spcBef>
+                <a:spcPts val="500"/>
+              </a:spcBef>
+              <a:buFont typeface="Arial" panose="020B0604020202020204" pitchFamily="34" charset="0"/>
+              <a:buChar char="•"/>
+              <a:defRPr sz="1800" kern="1200">
+                <a:solidFill>
+                  <a:schemeClr val="tx1"/>
+                </a:solidFill>
+                <a:latin typeface="+mn-lt"/>
+                <a:ea typeface="+mn-ea"/>
+                <a:cs typeface="+mn-cs"/>
+              </a:defRPr>
+            </a:lvl8pPr>
+            <a:lvl9pPr marL="3886200" indent="-228600" algn="l" defTabSz="914400" rtl="0" eaLnBrk="1" latinLnBrk="0" hangingPunct="1">
+              <a:lnSpc>
+                <a:spcPct val="90000"/>
+              </a:lnSpc>
+              <a:spcBef>
+                <a:spcPts val="500"/>
+              </a:spcBef>
+              <a:buFont typeface="Arial" panose="020B0604020202020204" pitchFamily="34" charset="0"/>
+              <a:buChar char="•"/>
+              <a:defRPr sz="1800" kern="1200">
+                <a:solidFill>
+                  <a:schemeClr val="tx1"/>
+                </a:solidFill>
+                <a:latin typeface="+mn-lt"/>
+                <a:ea typeface="+mn-ea"/>
+                <a:cs typeface="+mn-cs"/>
+              </a:defRPr>
+            </a:lvl9pPr>
+          </a:lstStyle>
+          <a:p>
+            <a:pPr marL="0" indent="0">
+              <a:spcBef>
+                <a:spcPts val="0"/>
+              </a:spcBef>
+              <a:buFont typeface="Arial" panose="020B0604020202020204" pitchFamily="34" charset="0"/>
+              <a:buNone/>
+            </a:pPr>
+            <a:r>
+              <a:rPr lang="en-CA" sz="2000" dirty="0">
+                <a:latin typeface="Arial" panose="020B0604020202020204" pitchFamily="34" charset="0"/>
+                <a:cs typeface="Arial" panose="020B0604020202020204" pitchFamily="34" charset="0"/>
+              </a:rPr>
+              <a:t>INFRASTRUCTURE &amp; 3</a:t>
+            </a:r>
+            <a:r>
+              <a:rPr lang="en-CA" sz="2000" baseline="30000" dirty="0">
+                <a:latin typeface="Arial" panose="020B0604020202020204" pitchFamily="34" charset="0"/>
+                <a:cs typeface="Arial" panose="020B0604020202020204" pitchFamily="34" charset="0"/>
+              </a:rPr>
+              <a:t>RD</a:t>
+            </a:r>
+            <a:r>
+              <a:rPr lang="en-CA" sz="2000" dirty="0">
+                <a:latin typeface="Arial" panose="020B0604020202020204" pitchFamily="34" charset="0"/>
+                <a:cs typeface="Arial" panose="020B0604020202020204" pitchFamily="34" charset="0"/>
+              </a:rPr>
+              <a:t> PARTY TOOLS</a:t>
+            </a:r>
+          </a:p>
+        </p:txBody>
+      </p:sp>
+      <p:sp>
+        <p:nvSpPr>
+          <p:cNvPr id="21" name="Google Shape;160;p19">
+            <a:extLst>
+              <a:ext uri="{FF2B5EF4-FFF2-40B4-BE49-F238E27FC236}">
+                <a16:creationId xmlns:a16="http://schemas.microsoft.com/office/drawing/2014/main" id="{1E035458-2668-48FE-9098-F15312773852}"/>
+              </a:ext>
+            </a:extLst>
+          </p:cNvPr>
+          <p:cNvSpPr txBox="1">
+            <a:spLocks/>
+          </p:cNvSpPr>
+          <p:nvPr/>
+        </p:nvSpPr>
+        <p:spPr>
+          <a:xfrm>
+            <a:off x="7268954" y="3268231"/>
+            <a:ext cx="439966" cy="572188"/>
+          </a:xfrm>
+          <a:prstGeom prst="rect">
+            <a:avLst/>
+          </a:prstGeom>
+        </p:spPr>
+        <p:txBody>
+          <a:bodyPr spcFirstLastPara="1" vert="horz" wrap="square" lIns="91425" tIns="91425" rIns="91425" bIns="91425" rtlCol="0" anchor="b" anchorCtr="0">
+            <a:noAutofit/>
+          </a:bodyPr>
+          <a:lstStyle>
+            <a:lvl1pPr algn="l" defTabSz="914400" rtl="0" eaLnBrk="1" latinLnBrk="0" hangingPunct="1">
+              <a:lnSpc>
+                <a:spcPct val="90000"/>
+              </a:lnSpc>
+              <a:spcBef>
+                <a:spcPct val="0"/>
+              </a:spcBef>
+              <a:buNone/>
+              <a:defRPr sz="4400" kern="1200">
+                <a:solidFill>
+                  <a:schemeClr val="tx1"/>
+                </a:solidFill>
+                <a:latin typeface="+mj-lt"/>
+                <a:ea typeface="+mj-ea"/>
+                <a:cs typeface="+mj-cs"/>
+              </a:defRPr>
+            </a:lvl1pPr>
+          </a:lstStyle>
+          <a:p>
+            <a:pPr algn="r">
+              <a:spcBef>
+                <a:spcPts val="0"/>
+              </a:spcBef>
+            </a:pPr>
+            <a:r>
+              <a:rPr lang="es" sz="4000" dirty="0"/>
+              <a:t>5</a:t>
+            </a:r>
+            <a:endParaRPr lang="es" dirty="0"/>
+          </a:p>
+        </p:txBody>
+      </p:sp>
+      <p:sp>
+        <p:nvSpPr>
+          <p:cNvPr id="22" name="Google Shape;157;p19">
+            <a:extLst>
+              <a:ext uri="{FF2B5EF4-FFF2-40B4-BE49-F238E27FC236}">
+                <a16:creationId xmlns:a16="http://schemas.microsoft.com/office/drawing/2014/main" id="{6FC2E0EE-4026-4712-9EE9-8AC7F948FD33}"/>
+              </a:ext>
+            </a:extLst>
+          </p:cNvPr>
+          <p:cNvSpPr txBox="1">
+            <a:spLocks/>
+          </p:cNvSpPr>
+          <p:nvPr/>
+        </p:nvSpPr>
+        <p:spPr>
+          <a:xfrm flipH="1">
+            <a:off x="7871867" y="3231655"/>
+            <a:ext cx="3768244" cy="491259"/>
+          </a:xfrm>
+          <a:prstGeom prst="rect">
+            <a:avLst/>
+          </a:prstGeom>
+        </p:spPr>
+        <p:txBody>
+          <a:bodyPr spcFirstLastPara="1" vert="horz" wrap="square" lIns="91425" tIns="91425" rIns="91425" bIns="91425" rtlCol="0" anchor="b" anchorCtr="0">
+            <a:noAutofit/>
+          </a:bodyPr>
+          <a:lstStyle>
+            <a:lvl1pPr marL="228600" indent="-228600" algn="l" defTabSz="914400" rtl="0" eaLnBrk="1" latinLnBrk="0" hangingPunct="1">
+              <a:lnSpc>
+                <a:spcPct val="90000"/>
+              </a:lnSpc>
+              <a:spcBef>
+                <a:spcPts val="1000"/>
+              </a:spcBef>
+              <a:buFont typeface="Arial" panose="020B0604020202020204" pitchFamily="34" charset="0"/>
+              <a:buChar char="•"/>
+              <a:defRPr sz="2800" kern="1200">
+                <a:solidFill>
+                  <a:schemeClr val="tx1"/>
+                </a:solidFill>
+                <a:latin typeface="+mn-lt"/>
+                <a:ea typeface="+mn-ea"/>
+                <a:cs typeface="+mn-cs"/>
+              </a:defRPr>
+            </a:lvl1pPr>
+            <a:lvl2pPr marL="685800" indent="-228600" algn="l" defTabSz="914400" rtl="0" eaLnBrk="1" latinLnBrk="0" hangingPunct="1">
+              <a:lnSpc>
+                <a:spcPct val="90000"/>
+              </a:lnSpc>
+              <a:spcBef>
+                <a:spcPts val="500"/>
+              </a:spcBef>
+              <a:buFont typeface="Arial" panose="020B0604020202020204" pitchFamily="34" charset="0"/>
+              <a:buChar char="•"/>
+              <a:defRPr sz="2400" kern="1200">
+                <a:solidFill>
+                  <a:schemeClr val="tx1"/>
+                </a:solidFill>
+                <a:latin typeface="+mn-lt"/>
+                <a:ea typeface="+mn-ea"/>
+                <a:cs typeface="+mn-cs"/>
+              </a:defRPr>
+            </a:lvl2pPr>
+            <a:lvl3pPr marL="1143000" indent="-228600" algn="l" defTabSz="914400" rtl="0" eaLnBrk="1" latinLnBrk="0" hangingPunct="1">
+              <a:lnSpc>
+                <a:spcPct val="90000"/>
+              </a:lnSpc>
+              <a:spcBef>
+                <a:spcPts val="500"/>
+              </a:spcBef>
+              <a:buFont typeface="Arial" panose="020B0604020202020204" pitchFamily="34" charset="0"/>
+              <a:buChar char="•"/>
+              <a:defRPr sz="2000" kern="1200">
+                <a:solidFill>
+                  <a:schemeClr val="tx1"/>
+                </a:solidFill>
+                <a:latin typeface="+mn-lt"/>
+                <a:ea typeface="+mn-ea"/>
+                <a:cs typeface="+mn-cs"/>
+              </a:defRPr>
+            </a:lvl3pPr>
+            <a:lvl4pPr marL="1600200" indent="-228600" algn="l" defTabSz="914400" rtl="0" eaLnBrk="1" latinLnBrk="0" hangingPunct="1">
+              <a:lnSpc>
+                <a:spcPct val="90000"/>
+              </a:lnSpc>
+              <a:spcBef>
+                <a:spcPts val="500"/>
+              </a:spcBef>
+              <a:buFont typeface="Arial" panose="020B0604020202020204" pitchFamily="34" charset="0"/>
+              <a:buChar char="•"/>
+              <a:defRPr sz="1800" kern="1200">
+                <a:solidFill>
+                  <a:schemeClr val="tx1"/>
+                </a:solidFill>
+                <a:latin typeface="+mn-lt"/>
+                <a:ea typeface="+mn-ea"/>
+                <a:cs typeface="+mn-cs"/>
+              </a:defRPr>
+            </a:lvl4pPr>
+            <a:lvl5pPr marL="2057400" indent="-228600" algn="l" defTabSz="914400" rtl="0" eaLnBrk="1" latinLnBrk="0" hangingPunct="1">
+              <a:lnSpc>
+                <a:spcPct val="90000"/>
+              </a:lnSpc>
+              <a:spcBef>
+                <a:spcPts val="500"/>
+              </a:spcBef>
+              <a:buFont typeface="Arial" panose="020B0604020202020204" pitchFamily="34" charset="0"/>
+              <a:buChar char="•"/>
+              <a:defRPr sz="1800" kern="1200">
+                <a:solidFill>
+                  <a:schemeClr val="tx1"/>
+                </a:solidFill>
+                <a:latin typeface="+mn-lt"/>
+                <a:ea typeface="+mn-ea"/>
+                <a:cs typeface="+mn-cs"/>
+              </a:defRPr>
+            </a:lvl5pPr>
+            <a:lvl6pPr marL="2514600" indent="-228600" algn="l" defTabSz="914400" rtl="0" eaLnBrk="1" latinLnBrk="0" hangingPunct="1">
+              <a:lnSpc>
+                <a:spcPct val="90000"/>
+              </a:lnSpc>
+              <a:spcBef>
+                <a:spcPts val="500"/>
+              </a:spcBef>
+              <a:buFont typeface="Arial" panose="020B0604020202020204" pitchFamily="34" charset="0"/>
+              <a:buChar char="•"/>
+              <a:defRPr sz="1800" kern="1200">
+                <a:solidFill>
+                  <a:schemeClr val="tx1"/>
+                </a:solidFill>
+                <a:latin typeface="+mn-lt"/>
+                <a:ea typeface="+mn-ea"/>
+                <a:cs typeface="+mn-cs"/>
+              </a:defRPr>
+            </a:lvl6pPr>
+            <a:lvl7pPr marL="2971800" indent="-228600" algn="l" defTabSz="914400" rtl="0" eaLnBrk="1" latinLnBrk="0" hangingPunct="1">
+              <a:lnSpc>
+                <a:spcPct val="90000"/>
+              </a:lnSpc>
+              <a:spcBef>
+                <a:spcPts val="500"/>
+              </a:spcBef>
+              <a:buFont typeface="Arial" panose="020B0604020202020204" pitchFamily="34" charset="0"/>
+              <a:buChar char="•"/>
+              <a:defRPr sz="1800" kern="1200">
+                <a:solidFill>
+                  <a:schemeClr val="tx1"/>
+                </a:solidFill>
+                <a:latin typeface="+mn-lt"/>
+                <a:ea typeface="+mn-ea"/>
+                <a:cs typeface="+mn-cs"/>
+              </a:defRPr>
+            </a:lvl7pPr>
+            <a:lvl8pPr marL="3429000" indent="-228600" algn="l" defTabSz="914400" rtl="0" eaLnBrk="1" latinLnBrk="0" hangingPunct="1">
+              <a:lnSpc>
+                <a:spcPct val="90000"/>
+              </a:lnSpc>
+              <a:spcBef>
+                <a:spcPts val="500"/>
+              </a:spcBef>
+              <a:buFont typeface="Arial" panose="020B0604020202020204" pitchFamily="34" charset="0"/>
+              <a:buChar char="•"/>
+              <a:defRPr sz="1800" kern="1200">
+                <a:solidFill>
+                  <a:schemeClr val="tx1"/>
+                </a:solidFill>
+                <a:latin typeface="+mn-lt"/>
+                <a:ea typeface="+mn-ea"/>
+                <a:cs typeface="+mn-cs"/>
+              </a:defRPr>
+            </a:lvl8pPr>
+            <a:lvl9pPr marL="3886200" indent="-228600" algn="l" defTabSz="914400" rtl="0" eaLnBrk="1" latinLnBrk="0" hangingPunct="1">
+              <a:lnSpc>
+                <a:spcPct val="90000"/>
+              </a:lnSpc>
+              <a:spcBef>
+                <a:spcPts val="500"/>
+              </a:spcBef>
+              <a:buFont typeface="Arial" panose="020B0604020202020204" pitchFamily="34" charset="0"/>
+              <a:buChar char="•"/>
+              <a:defRPr sz="1800" kern="1200">
+                <a:solidFill>
+                  <a:schemeClr val="tx1"/>
+                </a:solidFill>
+                <a:latin typeface="+mn-lt"/>
+                <a:ea typeface="+mn-ea"/>
+                <a:cs typeface="+mn-cs"/>
+              </a:defRPr>
+            </a:lvl9pPr>
+          </a:lstStyle>
+          <a:p>
+            <a:pPr marL="0" indent="0">
+              <a:spcBef>
+                <a:spcPts val="0"/>
+              </a:spcBef>
+              <a:buFont typeface="Arial" panose="020B0604020202020204" pitchFamily="34" charset="0"/>
+              <a:buNone/>
+            </a:pPr>
+            <a:r>
+              <a:rPr lang="en-CA" sz="2000" dirty="0">
+                <a:latin typeface="Arial" panose="020B0604020202020204" pitchFamily="34" charset="0"/>
+                <a:cs typeface="Arial" panose="020B0604020202020204" pitchFamily="34" charset="0"/>
+              </a:rPr>
+              <a:t>CLUSTERING &amp; SCALABILITY</a:t>
+            </a:r>
+          </a:p>
+        </p:txBody>
+      </p:sp>
+      <p:sp>
+        <p:nvSpPr>
+          <p:cNvPr id="23" name="Rectangle 22">
+            <a:extLst>
+              <a:ext uri="{FF2B5EF4-FFF2-40B4-BE49-F238E27FC236}">
+                <a16:creationId xmlns:a16="http://schemas.microsoft.com/office/drawing/2014/main" id="{91DE3746-9D5E-47F1-9BE9-6C064E51E1A9}"/>
+              </a:ext>
+              <a:ext uri="{C183D7F6-B498-43B3-948B-1728B52AA6E4}">
+                <adec:decorative xmlns:adec="http://schemas.microsoft.com/office/drawing/2017/decorative" val="1"/>
+              </a:ext>
+            </a:extLst>
+          </p:cNvPr>
+          <p:cNvSpPr/>
+          <p:nvPr/>
+        </p:nvSpPr>
+        <p:spPr>
+          <a:xfrm>
+            <a:off x="5318855" y="1415390"/>
+            <a:ext cx="450350" cy="36576"/>
+          </a:xfrm>
+          <a:prstGeom prst="rect">
+            <a:avLst/>
+          </a:prstGeom>
+          <a:solidFill>
+            <a:schemeClr val="accent1"/>
+          </a:solidFill>
+          <a:ln>
+            <a:noFill/>
+          </a:ln>
+        </p:spPr>
+        <p:style>
+          <a:lnRef idx="2">
+            <a:schemeClr val="accent1">
+              <a:shade val="50000"/>
+            </a:schemeClr>
+          </a:lnRef>
+          <a:fillRef idx="1">
+            <a:schemeClr val="accent1"/>
+          </a:fillRef>
+          <a:effectRef idx="0">
+            <a:schemeClr val="accent1"/>
+          </a:effectRef>
+          <a:fontRef idx="minor">
+            <a:schemeClr val="lt1"/>
+          </a:fontRef>
+        </p:style>
+        <p:txBody>
+          <a:bodyPr rtlCol="0" anchor="ctr"/>
+          <a:lstStyle/>
+          <a:p>
+            <a:pPr algn="l"/>
+            <a:endParaRPr lang="en-US" dirty="0"/>
+          </a:p>
+        </p:txBody>
+      </p:sp>
+      <p:sp>
+        <p:nvSpPr>
+          <p:cNvPr id="24" name="Google Shape;157;p19">
+            <a:extLst>
+              <a:ext uri="{FF2B5EF4-FFF2-40B4-BE49-F238E27FC236}">
+                <a16:creationId xmlns:a16="http://schemas.microsoft.com/office/drawing/2014/main" id="{E8292A04-CFCB-47FC-B9F1-152A06E737B0}"/>
+              </a:ext>
+            </a:extLst>
+          </p:cNvPr>
+          <p:cNvSpPr txBox="1">
+            <a:spLocks/>
+          </p:cNvSpPr>
+          <p:nvPr/>
+        </p:nvSpPr>
+        <p:spPr>
+          <a:xfrm flipH="1">
+            <a:off x="5904598" y="927255"/>
+            <a:ext cx="3609474" cy="448962"/>
+          </a:xfrm>
+          <a:prstGeom prst="rect">
+            <a:avLst/>
+          </a:prstGeom>
+        </p:spPr>
+        <p:txBody>
+          <a:bodyPr spcFirstLastPara="1" vert="horz" wrap="square" lIns="91425" tIns="91425" rIns="91425" bIns="91425" rtlCol="0" anchor="b" anchorCtr="0">
+            <a:noAutofit/>
+          </a:bodyPr>
+          <a:lstStyle>
+            <a:lvl1pPr marL="228600" indent="-228600" algn="l" defTabSz="914400" rtl="0" eaLnBrk="1" latinLnBrk="0" hangingPunct="1">
+              <a:lnSpc>
+                <a:spcPct val="90000"/>
+              </a:lnSpc>
+              <a:spcBef>
+                <a:spcPts val="1000"/>
+              </a:spcBef>
+              <a:buFont typeface="Arial" panose="020B0604020202020204" pitchFamily="34" charset="0"/>
+              <a:buChar char="•"/>
+              <a:defRPr sz="2800" kern="1200">
+                <a:solidFill>
+                  <a:schemeClr val="tx1"/>
+                </a:solidFill>
+                <a:latin typeface="+mn-lt"/>
+                <a:ea typeface="+mn-ea"/>
+                <a:cs typeface="+mn-cs"/>
+              </a:defRPr>
+            </a:lvl1pPr>
+            <a:lvl2pPr marL="685800" indent="-228600" algn="l" defTabSz="914400" rtl="0" eaLnBrk="1" latinLnBrk="0" hangingPunct="1">
+              <a:lnSpc>
+                <a:spcPct val="90000"/>
+              </a:lnSpc>
+              <a:spcBef>
+                <a:spcPts val="500"/>
+              </a:spcBef>
+              <a:buFont typeface="Arial" panose="020B0604020202020204" pitchFamily="34" charset="0"/>
+              <a:buChar char="•"/>
+              <a:defRPr sz="2400" kern="1200">
+                <a:solidFill>
+                  <a:schemeClr val="tx1"/>
+                </a:solidFill>
+                <a:latin typeface="+mn-lt"/>
+                <a:ea typeface="+mn-ea"/>
+                <a:cs typeface="+mn-cs"/>
+              </a:defRPr>
+            </a:lvl2pPr>
+            <a:lvl3pPr marL="1143000" indent="-228600" algn="l" defTabSz="914400" rtl="0" eaLnBrk="1" latinLnBrk="0" hangingPunct="1">
+              <a:lnSpc>
+                <a:spcPct val="90000"/>
+              </a:lnSpc>
+              <a:spcBef>
+                <a:spcPts val="500"/>
+              </a:spcBef>
+              <a:buFont typeface="Arial" panose="020B0604020202020204" pitchFamily="34" charset="0"/>
+              <a:buChar char="•"/>
+              <a:defRPr sz="2000" kern="1200">
+                <a:solidFill>
+                  <a:schemeClr val="tx1"/>
+                </a:solidFill>
+                <a:latin typeface="+mn-lt"/>
+                <a:ea typeface="+mn-ea"/>
+                <a:cs typeface="+mn-cs"/>
+              </a:defRPr>
+            </a:lvl3pPr>
+            <a:lvl4pPr marL="1600200" indent="-228600" algn="l" defTabSz="914400" rtl="0" eaLnBrk="1" latinLnBrk="0" hangingPunct="1">
+              <a:lnSpc>
+                <a:spcPct val="90000"/>
+              </a:lnSpc>
+              <a:spcBef>
+                <a:spcPts val="500"/>
+              </a:spcBef>
+              <a:buFont typeface="Arial" panose="020B0604020202020204" pitchFamily="34" charset="0"/>
+              <a:buChar char="•"/>
+              <a:defRPr sz="1800" kern="1200">
+                <a:solidFill>
+                  <a:schemeClr val="tx1"/>
+                </a:solidFill>
+                <a:latin typeface="+mn-lt"/>
+                <a:ea typeface="+mn-ea"/>
+                <a:cs typeface="+mn-cs"/>
+              </a:defRPr>
+            </a:lvl4pPr>
+            <a:lvl5pPr marL="2057400" indent="-228600" algn="l" defTabSz="914400" rtl="0" eaLnBrk="1" latinLnBrk="0" hangingPunct="1">
+              <a:lnSpc>
+                <a:spcPct val="90000"/>
+              </a:lnSpc>
+              <a:spcBef>
+                <a:spcPts val="500"/>
+              </a:spcBef>
+              <a:buFont typeface="Arial" panose="020B0604020202020204" pitchFamily="34" charset="0"/>
+              <a:buChar char="•"/>
+              <a:defRPr sz="1800" kern="1200">
+                <a:solidFill>
+                  <a:schemeClr val="tx1"/>
+                </a:solidFill>
+                <a:latin typeface="+mn-lt"/>
+                <a:ea typeface="+mn-ea"/>
+                <a:cs typeface="+mn-cs"/>
+              </a:defRPr>
+            </a:lvl5pPr>
+            <a:lvl6pPr marL="2514600" indent="-228600" algn="l" defTabSz="914400" rtl="0" eaLnBrk="1" latinLnBrk="0" hangingPunct="1">
+              <a:lnSpc>
+                <a:spcPct val="90000"/>
+              </a:lnSpc>
+              <a:spcBef>
+                <a:spcPts val="500"/>
+              </a:spcBef>
+              <a:buFont typeface="Arial" panose="020B0604020202020204" pitchFamily="34" charset="0"/>
+              <a:buChar char="•"/>
+              <a:defRPr sz="1800" kern="1200">
+                <a:solidFill>
+                  <a:schemeClr val="tx1"/>
+                </a:solidFill>
+                <a:latin typeface="+mn-lt"/>
+                <a:ea typeface="+mn-ea"/>
+                <a:cs typeface="+mn-cs"/>
+              </a:defRPr>
+            </a:lvl6pPr>
+            <a:lvl7pPr marL="2971800" indent="-228600" algn="l" defTabSz="914400" rtl="0" eaLnBrk="1" latinLnBrk="0" hangingPunct="1">
+              <a:lnSpc>
+                <a:spcPct val="90000"/>
+              </a:lnSpc>
+              <a:spcBef>
+                <a:spcPts val="500"/>
+              </a:spcBef>
+              <a:buFont typeface="Arial" panose="020B0604020202020204" pitchFamily="34" charset="0"/>
+              <a:buChar char="•"/>
+              <a:defRPr sz="1800" kern="1200">
+                <a:solidFill>
+                  <a:schemeClr val="tx1"/>
+                </a:solidFill>
+                <a:latin typeface="+mn-lt"/>
+                <a:ea typeface="+mn-ea"/>
+                <a:cs typeface="+mn-cs"/>
+              </a:defRPr>
+            </a:lvl7pPr>
+            <a:lvl8pPr marL="3429000" indent="-228600" algn="l" defTabSz="914400" rtl="0" eaLnBrk="1" latinLnBrk="0" hangingPunct="1">
+              <a:lnSpc>
+                <a:spcPct val="90000"/>
+              </a:lnSpc>
+              <a:spcBef>
+                <a:spcPts val="500"/>
+              </a:spcBef>
+              <a:buFont typeface="Arial" panose="020B0604020202020204" pitchFamily="34" charset="0"/>
+              <a:buChar char="•"/>
+              <a:defRPr sz="1800" kern="1200">
+                <a:solidFill>
+                  <a:schemeClr val="tx1"/>
+                </a:solidFill>
+                <a:latin typeface="+mn-lt"/>
+                <a:ea typeface="+mn-ea"/>
+                <a:cs typeface="+mn-cs"/>
+              </a:defRPr>
+            </a:lvl8pPr>
+            <a:lvl9pPr marL="3886200" indent="-228600" algn="l" defTabSz="914400" rtl="0" eaLnBrk="1" latinLnBrk="0" hangingPunct="1">
+              <a:lnSpc>
+                <a:spcPct val="90000"/>
+              </a:lnSpc>
+              <a:spcBef>
+                <a:spcPts val="500"/>
+              </a:spcBef>
+              <a:buFont typeface="Arial" panose="020B0604020202020204" pitchFamily="34" charset="0"/>
+              <a:buChar char="•"/>
+              <a:defRPr sz="1800" kern="1200">
+                <a:solidFill>
+                  <a:schemeClr val="tx1"/>
+                </a:solidFill>
+                <a:latin typeface="+mn-lt"/>
+                <a:ea typeface="+mn-ea"/>
+                <a:cs typeface="+mn-cs"/>
+              </a:defRPr>
+            </a:lvl9pPr>
+          </a:lstStyle>
+          <a:p>
+            <a:pPr marL="0" indent="0">
+              <a:spcBef>
+                <a:spcPts val="0"/>
+              </a:spcBef>
+              <a:buFont typeface="Arial" panose="020B0604020202020204" pitchFamily="34" charset="0"/>
+              <a:buNone/>
+            </a:pPr>
+            <a:r>
+              <a:rPr lang="en-CA" sz="2000" dirty="0">
+                <a:latin typeface="Arial" panose="020B0604020202020204" pitchFamily="34" charset="0"/>
+                <a:cs typeface="Arial" panose="020B0604020202020204" pitchFamily="34" charset="0"/>
+              </a:rPr>
+              <a:t>DATA FLOW DIAGRAM</a:t>
+            </a:r>
+          </a:p>
+        </p:txBody>
+      </p:sp>
+      <p:sp>
+        <p:nvSpPr>
+          <p:cNvPr id="25" name="Rectangle 24">
+            <a:extLst>
+              <a:ext uri="{FF2B5EF4-FFF2-40B4-BE49-F238E27FC236}">
+                <a16:creationId xmlns:a16="http://schemas.microsoft.com/office/drawing/2014/main" id="{530AC22B-FCAE-4E47-9524-500A489B5D32}"/>
+              </a:ext>
+              <a:ext uri="{C183D7F6-B498-43B3-948B-1728B52AA6E4}">
+                <adec:decorative xmlns:adec="http://schemas.microsoft.com/office/drawing/2017/decorative" val="1"/>
+              </a:ext>
+            </a:extLst>
+          </p:cNvPr>
+          <p:cNvSpPr/>
+          <p:nvPr/>
+        </p:nvSpPr>
+        <p:spPr>
+          <a:xfrm>
+            <a:off x="6012426" y="2202281"/>
+            <a:ext cx="450350" cy="36576"/>
+          </a:xfrm>
+          <a:prstGeom prst="rect">
+            <a:avLst/>
+          </a:prstGeom>
+          <a:solidFill>
+            <a:schemeClr val="accent1"/>
+          </a:solidFill>
+          <a:ln>
+            <a:noFill/>
+          </a:ln>
+        </p:spPr>
+        <p:style>
+          <a:lnRef idx="2">
+            <a:schemeClr val="accent1">
+              <a:shade val="50000"/>
+            </a:schemeClr>
+          </a:lnRef>
+          <a:fillRef idx="1">
+            <a:schemeClr val="accent1"/>
+          </a:fillRef>
+          <a:effectRef idx="0">
+            <a:schemeClr val="accent1"/>
+          </a:effectRef>
+          <a:fontRef idx="minor">
+            <a:schemeClr val="lt1"/>
+          </a:fontRef>
+        </p:style>
+        <p:txBody>
+          <a:bodyPr rtlCol="0" anchor="ctr"/>
+          <a:lstStyle/>
+          <a:p>
+            <a:pPr algn="l"/>
+            <a:endParaRPr lang="en-US" dirty="0"/>
+          </a:p>
+        </p:txBody>
+      </p:sp>
+      <p:sp>
+        <p:nvSpPr>
+          <p:cNvPr id="26" name="Rectangle 25">
+            <a:extLst>
+              <a:ext uri="{FF2B5EF4-FFF2-40B4-BE49-F238E27FC236}">
+                <a16:creationId xmlns:a16="http://schemas.microsoft.com/office/drawing/2014/main" id="{1322C6EA-2C0D-4B91-8C81-F408A8CAC34A}"/>
+              </a:ext>
+              <a:ext uri="{C183D7F6-B498-43B3-948B-1728B52AA6E4}">
+                <adec:decorative xmlns:adec="http://schemas.microsoft.com/office/drawing/2017/decorative" val="1"/>
+              </a:ext>
+            </a:extLst>
+          </p:cNvPr>
+          <p:cNvSpPr/>
+          <p:nvPr/>
+        </p:nvSpPr>
+        <p:spPr>
+          <a:xfrm>
+            <a:off x="6752654" y="2951844"/>
+            <a:ext cx="450350" cy="36576"/>
+          </a:xfrm>
+          <a:prstGeom prst="rect">
+            <a:avLst/>
+          </a:prstGeom>
+          <a:solidFill>
+            <a:schemeClr val="accent1"/>
+          </a:solidFill>
+          <a:ln>
+            <a:noFill/>
+          </a:ln>
+        </p:spPr>
+        <p:style>
+          <a:lnRef idx="2">
+            <a:schemeClr val="accent1">
+              <a:shade val="50000"/>
+            </a:schemeClr>
+          </a:lnRef>
+          <a:fillRef idx="1">
+            <a:schemeClr val="accent1"/>
+          </a:fillRef>
+          <a:effectRef idx="0">
+            <a:schemeClr val="accent1"/>
+          </a:effectRef>
+          <a:fontRef idx="minor">
+            <a:schemeClr val="lt1"/>
+          </a:fontRef>
+        </p:style>
+        <p:txBody>
+          <a:bodyPr rtlCol="0" anchor="ctr"/>
+          <a:lstStyle/>
+          <a:p>
+            <a:pPr algn="l"/>
+            <a:endParaRPr lang="en-US" dirty="0"/>
+          </a:p>
+        </p:txBody>
+      </p:sp>
+      <p:sp>
+        <p:nvSpPr>
+          <p:cNvPr id="27" name="Rectangle 26">
+            <a:extLst>
+              <a:ext uri="{FF2B5EF4-FFF2-40B4-BE49-F238E27FC236}">
+                <a16:creationId xmlns:a16="http://schemas.microsoft.com/office/drawing/2014/main" id="{565C945B-B75E-462F-9C78-A46A83EFE251}"/>
+              </a:ext>
+              <a:ext uri="{C183D7F6-B498-43B3-948B-1728B52AA6E4}">
+                <adec:decorative xmlns:adec="http://schemas.microsoft.com/office/drawing/2017/decorative" val="1"/>
+              </a:ext>
+            </a:extLst>
+          </p:cNvPr>
+          <p:cNvSpPr/>
+          <p:nvPr/>
+        </p:nvSpPr>
+        <p:spPr>
+          <a:xfrm>
+            <a:off x="7268954" y="3813367"/>
+            <a:ext cx="450350" cy="36576"/>
+          </a:xfrm>
+          <a:prstGeom prst="rect">
+            <a:avLst/>
+          </a:prstGeom>
+          <a:solidFill>
+            <a:schemeClr val="accent1"/>
+          </a:solidFill>
+          <a:ln>
+            <a:noFill/>
+          </a:ln>
+        </p:spPr>
+        <p:style>
+          <a:lnRef idx="2">
+            <a:schemeClr val="accent1">
+              <a:shade val="50000"/>
+            </a:schemeClr>
+          </a:lnRef>
+          <a:fillRef idx="1">
+            <a:schemeClr val="accent1"/>
+          </a:fillRef>
+          <a:effectRef idx="0">
+            <a:schemeClr val="accent1"/>
+          </a:effectRef>
+          <a:fontRef idx="minor">
+            <a:schemeClr val="lt1"/>
+          </a:fontRef>
+        </p:style>
+        <p:txBody>
+          <a:bodyPr rtlCol="0" anchor="ctr"/>
+          <a:lstStyle/>
+          <a:p>
+            <a:pPr algn="l"/>
+            <a:endParaRPr lang="en-US" dirty="0"/>
+          </a:p>
+        </p:txBody>
+      </p:sp>
+    </p:spTree>
+    <p:extLst>
+      <p:ext uri="{BB962C8B-B14F-4D97-AF65-F5344CB8AC3E}">
+        <p14:creationId xmlns:p14="http://schemas.microsoft.com/office/powerpoint/2010/main" val="1521689782"/>
+      </p:ext>
+    </p:extLst>
+  </p:cSld>
+  <p:clrMapOvr>
+    <a:masterClrMapping/>
+  </p:clrMapOvr>
+</p:sld>
+</file>
+
+<file path=ppt/slides/slide4.xml><?xml version="1.0" encoding="utf-8"?>
+<p:sld xmlns:a="http://schemas.openxmlformats.org/drawingml/2006/main" xmlns:r="http://schemas.openxmlformats.org/officeDocument/2006/relationships" xmlns:p="http://schemas.openxmlformats.org/presentationml/2006/main">
+  <p:cSld>
+    <p:spTree>
+      <p:nvGrpSpPr>
+        <p:cNvPr id="1" name=""/>
+        <p:cNvGrpSpPr/>
+        <p:nvPr/>
+      </p:nvGrpSpPr>
+      <p:grpSpPr>
+        <a:xfrm>
+          <a:off x="0" y="0"/>
+          <a:ext cx="0" cy="0"/>
+          <a:chOff x="0" y="0"/>
+          <a:chExt cx="0" cy="0"/>
+        </a:xfrm>
+      </p:grpSpPr>
+      <p:pic>
+        <p:nvPicPr>
           <p:cNvPr id="14" name="Picture Placeholder 13" descr="Hand writing on post-it note">
             <a:extLst>
               <a:ext uri="{FF2B5EF4-FFF2-40B4-BE49-F238E27FC236}">
@@ -13735,7 +15698,7 @@
             <a:fld id="{19B51A1E-902D-48AF-9020-955120F399B6}" type="slidenum">
               <a:rPr lang="en-US" smtClean="0"/>
               <a:pPr/>
-              <a:t>3</a:t>
+              <a:t>4</a:t>
             </a:fld>
             <a:endParaRPr lang="en-US" dirty="0"/>
           </a:p>
@@ -13754,7 +15717,7 @@
 </p:sld>
 </file>
 
-<file path=ppt/slides/slide4.xml><?xml version="1.0" encoding="utf-8"?>
+<file path=ppt/slides/slide5.xml><?xml version="1.0" encoding="utf-8"?>
 <p:sld xmlns:a="http://schemas.openxmlformats.org/drawingml/2006/main" xmlns:r="http://schemas.openxmlformats.org/officeDocument/2006/relationships" xmlns:p="http://schemas.openxmlformats.org/presentationml/2006/main">
   <p:cSld>
     <p:spTree>
@@ -13889,7 +15852,7 @@
             <a:fld id="{19B51A1E-902D-48AF-9020-955120F399B6}" type="slidenum">
               <a:rPr lang="en-US" smtClean="0"/>
               <a:pPr/>
-              <a:t>4</a:t>
+              <a:t>5</a:t>
             </a:fld>
             <a:endParaRPr lang="en-US" dirty="0"/>
           </a:p>
@@ -13908,7 +15871,7 @@
 </p:sld>
 </file>
 
-<file path=ppt/slides/slide5.xml><?xml version="1.0" encoding="utf-8"?>
+<file path=ppt/slides/slide6.xml><?xml version="1.0" encoding="utf-8"?>
 <p:sld xmlns:a="http://schemas.openxmlformats.org/drawingml/2006/main" xmlns:r="http://schemas.openxmlformats.org/officeDocument/2006/relationships" xmlns:p="http://schemas.openxmlformats.org/presentationml/2006/main">
   <p:cSld>
     <p:spTree>
@@ -14332,7 +16295,7 @@
             <a:fld id="{19B51A1E-902D-48AF-9020-955120F399B6}" type="slidenum">
               <a:rPr lang="en-US" smtClean="0"/>
               <a:pPr/>
-              <a:t>5</a:t>
+              <a:t>6</a:t>
             </a:fld>
             <a:endParaRPr lang="en-US" dirty="0"/>
           </a:p>
@@ -14351,7 +16314,7 @@
 </p:sld>
 </file>
 
-<file path=ppt/slides/slide6.xml><?xml version="1.0" encoding="utf-8"?>
+<file path=ppt/slides/slide7.xml><?xml version="1.0" encoding="utf-8"?>
 <p:sld xmlns:a="http://schemas.openxmlformats.org/drawingml/2006/main" xmlns:r="http://schemas.openxmlformats.org/officeDocument/2006/relationships" xmlns:p="http://schemas.openxmlformats.org/presentationml/2006/main">
   <p:cSld>
     <p:bg>
@@ -14510,7 +16473,7 @@
             <a:fld id="{19B51A1E-902D-48AF-9020-955120F399B6}" type="slidenum">
               <a:rPr lang="en-US" smtClean="0"/>
               <a:pPr/>
-              <a:t>6</a:t>
+              <a:t>7</a:t>
             </a:fld>
             <a:endParaRPr lang="en-US" dirty="0"/>
           </a:p>
@@ -14529,7 +16492,7 @@
 </p:sld>
 </file>
 
-<file path=ppt/slides/slide7.xml><?xml version="1.0" encoding="utf-8"?>
+<file path=ppt/slides/slide8.xml><?xml version="1.0" encoding="utf-8"?>
 <p:sld xmlns:a="http://schemas.openxmlformats.org/drawingml/2006/main" xmlns:r="http://schemas.openxmlformats.org/officeDocument/2006/relationships" xmlns:p="http://schemas.openxmlformats.org/presentationml/2006/main">
   <p:cSld>
     <p:spTree>
@@ -14726,7 +16689,7 @@
             <a:fld id="{19B51A1E-902D-48AF-9020-955120F399B6}" type="slidenum">
               <a:rPr lang="en-US" smtClean="0"/>
               <a:pPr/>
-              <a:t>7</a:t>
+              <a:t>8</a:t>
             </a:fld>
             <a:endParaRPr lang="en-US" dirty="0"/>
           </a:p>
@@ -14745,7 +16708,7 @@
 </p:sld>
 </file>
 
-<file path=ppt/slides/slide8.xml><?xml version="1.0" encoding="utf-8"?>
+<file path=ppt/slides/slide9.xml><?xml version="1.0" encoding="utf-8"?>
 <p:sld xmlns:a="http://schemas.openxmlformats.org/drawingml/2006/main" xmlns:r="http://schemas.openxmlformats.org/officeDocument/2006/relationships" xmlns:p="http://schemas.openxmlformats.org/presentationml/2006/main">
   <p:cSld>
     <p:spTree>
@@ -18041,7 +20004,7 @@
             <a:fld id="{19B51A1E-902D-48AF-9020-955120F399B6}" type="slidenum">
               <a:rPr lang="en-US" smtClean="0"/>
               <a:pPr/>
-              <a:t>8</a:t>
+              <a:t>9</a:t>
             </a:fld>
             <a:endParaRPr lang="en-US" dirty="0"/>
           </a:p>
@@ -18051,164 +20014,6 @@
     <p:extLst>
       <p:ext uri="{BB962C8B-B14F-4D97-AF65-F5344CB8AC3E}">
         <p14:creationId xmlns:p14="http://schemas.microsoft.com/office/powerpoint/2010/main" val="2575421478"/>
-      </p:ext>
-    </p:extLst>
-  </p:cSld>
-  <p:clrMapOvr>
-    <a:masterClrMapping/>
-  </p:clrMapOvr>
-</p:sld>
-</file>
-
-<file path=ppt/slides/slide9.xml><?xml version="1.0" encoding="utf-8"?>
-<p:sld xmlns:a="http://schemas.openxmlformats.org/drawingml/2006/main" xmlns:r="http://schemas.openxmlformats.org/officeDocument/2006/relationships" xmlns:p="http://schemas.openxmlformats.org/presentationml/2006/main">
-  <p:cSld>
-    <p:spTree>
-      <p:nvGrpSpPr>
-        <p:cNvPr id="1" name=""/>
-        <p:cNvGrpSpPr/>
-        <p:nvPr/>
-      </p:nvGrpSpPr>
-      <p:grpSpPr>
-        <a:xfrm>
-          <a:off x="0" y="0"/>
-          <a:ext cx="0" cy="0"/>
-          <a:chOff x="0" y="0"/>
-          <a:chExt cx="0" cy="0"/>
-        </a:xfrm>
-      </p:grpSpPr>
-      <p:pic>
-        <p:nvPicPr>
-          <p:cNvPr id="12" name="Picture Placeholder 11" descr="conference room">
-            <a:extLst>
-              <a:ext uri="{FF2B5EF4-FFF2-40B4-BE49-F238E27FC236}">
-                <a16:creationId xmlns:a16="http://schemas.microsoft.com/office/drawing/2014/main" id="{8F5AE0D5-C196-A947-8AFE-449A48B26153}"/>
-              </a:ext>
-            </a:extLst>
-          </p:cNvPr>
-          <p:cNvPicPr>
-            <a:picLocks noGrp="1" noChangeAspect="1"/>
-          </p:cNvPicPr>
-          <p:nvPr>
-            <p:ph type="pic" sz="quarter" idx="14"/>
-          </p:nvPr>
-        </p:nvPicPr>
-        <p:blipFill>
-          <a:blip r:embed="rId2" cstate="screen">
-            <a:extLst>
-              <a:ext uri="{28A0092B-C50C-407E-A947-70E740481C1C}">
-                <a14:useLocalDpi xmlns:a14="http://schemas.microsoft.com/office/drawing/2010/main"/>
-              </a:ext>
-            </a:extLst>
-          </a:blip>
-          <a:srcRect t="45" b="45"/>
-          <a:stretch>
-            <a:fillRect/>
-          </a:stretch>
-        </p:blipFill>
-        <p:spPr/>
-      </p:pic>
-      <p:sp>
-        <p:nvSpPr>
-          <p:cNvPr id="4" name="Content Placeholder 3">
-            <a:extLst>
-              <a:ext uri="{FF2B5EF4-FFF2-40B4-BE49-F238E27FC236}">
-                <a16:creationId xmlns:a16="http://schemas.microsoft.com/office/drawing/2014/main" id="{3B86E961-B76E-423F-995E-11B31E921437}"/>
-              </a:ext>
-            </a:extLst>
-          </p:cNvPr>
-          <p:cNvSpPr>
-            <a:spLocks noGrp="1"/>
-          </p:cNvSpPr>
-          <p:nvPr>
-            <p:ph sz="half" idx="1"/>
-          </p:nvPr>
-        </p:nvSpPr>
-        <p:spPr>
-          <a:xfrm>
-            <a:off x="8071104" y="5359400"/>
-            <a:ext cx="3688896" cy="565899"/>
-          </a:xfrm>
-          <a:solidFill>
-            <a:schemeClr val="tx1">
-              <a:lumMod val="95000"/>
-              <a:lumOff val="5000"/>
-            </a:schemeClr>
-          </a:solidFill>
-        </p:spPr>
-        <p:txBody>
-          <a:bodyPr/>
-          <a:lstStyle/>
-          <a:p>
-            <a:r>
-              <a:rPr lang="en-US" dirty="0"/>
-              <a:t>Full screen image with caption lorem ipsum dolor sit amet </a:t>
-            </a:r>
-          </a:p>
-        </p:txBody>
-      </p:sp>
-      <p:sp>
-        <p:nvSpPr>
-          <p:cNvPr id="6" name="Slide Number Placeholder 5">
-            <a:extLst>
-              <a:ext uri="{FF2B5EF4-FFF2-40B4-BE49-F238E27FC236}">
-                <a16:creationId xmlns:a16="http://schemas.microsoft.com/office/drawing/2014/main" id="{70202D98-AA1E-41BB-B94E-180311759C13}"/>
-              </a:ext>
-            </a:extLst>
-          </p:cNvPr>
-          <p:cNvSpPr>
-            <a:spLocks noGrp="1"/>
-          </p:cNvSpPr>
-          <p:nvPr>
-            <p:ph type="sldNum" sz="quarter" idx="15"/>
-          </p:nvPr>
-        </p:nvSpPr>
-        <p:spPr/>
-        <p:txBody>
-          <a:bodyPr/>
-          <a:lstStyle/>
-          <a:p>
-            <a:fld id="{19B51A1E-902D-48AF-9020-955120F399B6}" type="slidenum">
-              <a:rPr lang="en-US" smtClean="0"/>
-              <a:pPr/>
-              <a:t>9</a:t>
-            </a:fld>
-            <a:endParaRPr lang="en-US" dirty="0"/>
-          </a:p>
-        </p:txBody>
-      </p:sp>
-      <p:sp>
-        <p:nvSpPr>
-          <p:cNvPr id="11" name="Title 10" hidden="1">
-            <a:extLst>
-              <a:ext uri="{FF2B5EF4-FFF2-40B4-BE49-F238E27FC236}">
-                <a16:creationId xmlns:a16="http://schemas.microsoft.com/office/drawing/2014/main" id="{C5462610-1D7E-437B-B516-F30D9A789B9B}"/>
-              </a:ext>
-            </a:extLst>
-          </p:cNvPr>
-          <p:cNvSpPr>
-            <a:spLocks noGrp="1"/>
-          </p:cNvSpPr>
-          <p:nvPr>
-            <p:ph type="title"/>
-          </p:nvPr>
-        </p:nvSpPr>
-        <p:spPr/>
-        <p:txBody>
-          <a:bodyPr/>
-          <a:lstStyle/>
-          <a:p>
-            <a:r>
-              <a:rPr lang="en-US" dirty="0"/>
-              <a:t>Large image</a:t>
-            </a:r>
-          </a:p>
-        </p:txBody>
-      </p:sp>
-    </p:spTree>
-    <p:extLst>
-      <p:ext uri="{BB962C8B-B14F-4D97-AF65-F5344CB8AC3E}">
-        <p14:creationId xmlns:p14="http://schemas.microsoft.com/office/powerpoint/2010/main" val="665219316"/>
       </p:ext>
     </p:extLst>
   </p:cSld>

--- a/How to build a team.pptx
+++ b/How to build a team.pptx
@@ -12,8 +12,8 @@
   </p:handoutMasterIdLst>
   <p:sldIdLst>
     <p:sldId id="298" r:id="rId5"/>
-    <p:sldId id="283" r:id="rId6"/>
-    <p:sldId id="300" r:id="rId7"/>
+    <p:sldId id="300" r:id="rId6"/>
+    <p:sldId id="283" r:id="rId7"/>
     <p:sldId id="297" r:id="rId8"/>
     <p:sldId id="292" r:id="rId9"/>
     <p:sldId id="284" r:id="rId10"/>
@@ -13406,264 +13406,6 @@
           <a:chExt cx="0" cy="0"/>
         </a:xfrm>
       </p:grpSpPr>
-      <p:sp>
-        <p:nvSpPr>
-          <p:cNvPr id="4" name="Content Placeholder 3">
-            <a:extLst>
-              <a:ext uri="{FF2B5EF4-FFF2-40B4-BE49-F238E27FC236}">
-                <a16:creationId xmlns:a16="http://schemas.microsoft.com/office/drawing/2014/main" id="{D355C61F-C8F1-4977-8E1F-F16C0D9EA88C}"/>
-              </a:ext>
-            </a:extLst>
-          </p:cNvPr>
-          <p:cNvSpPr>
-            <a:spLocks noGrp="1"/>
-          </p:cNvSpPr>
-          <p:nvPr>
-            <p:ph sz="half" idx="1"/>
-          </p:nvPr>
-        </p:nvSpPr>
-        <p:spPr/>
-        <p:txBody>
-          <a:bodyPr/>
-          <a:lstStyle/>
-          <a:p>
-            <a:pPr marL="0" indent="0">
-              <a:buNone/>
-            </a:pPr>
-            <a:r>
-              <a:rPr lang="en-US" sz="2800" dirty="0"/>
-              <a:t>Lorem ipsum dolor sit amet, consectetur adipiscing elit. </a:t>
-            </a:r>
-          </a:p>
-          <a:p>
-            <a:r>
-              <a:rPr lang="en-US" dirty="0"/>
-              <a:t>Ut fermentum a magna ut eleifend. Integer convallis suscipit ante eu varius. </a:t>
-            </a:r>
-          </a:p>
-          <a:p>
-            <a:r>
-              <a:rPr lang="en-US" dirty="0"/>
-              <a:t>Morbi a purus dolor. Suspendisse sit amet ipsum finibus justo viverra blandit. </a:t>
-            </a:r>
-          </a:p>
-          <a:p>
-            <a:r>
-              <a:rPr lang="en-US" dirty="0"/>
-              <a:t>Ut congue quis tortor eget sodales. </a:t>
-            </a:r>
-          </a:p>
-        </p:txBody>
-      </p:sp>
-      <p:pic>
-        <p:nvPicPr>
-          <p:cNvPr id="9" name="Picture Placeholder 8" descr="Handing touching mobile phone">
-            <a:extLst>
-              <a:ext uri="{FF2B5EF4-FFF2-40B4-BE49-F238E27FC236}">
-                <a16:creationId xmlns:a16="http://schemas.microsoft.com/office/drawing/2014/main" id="{A9A75888-22E3-1D43-9112-DA02186070B5}"/>
-              </a:ext>
-            </a:extLst>
-          </p:cNvPr>
-          <p:cNvPicPr>
-            <a:picLocks noGrp="1" noChangeAspect="1"/>
-          </p:cNvPicPr>
-          <p:nvPr>
-            <p:ph type="pic" sz="quarter" idx="14"/>
-          </p:nvPr>
-        </p:nvPicPr>
-        <p:blipFill>
-          <a:blip r:embed="rId2" cstate="screen">
-            <a:extLst>
-              <a:ext uri="{28A0092B-C50C-407E-A947-70E740481C1C}">
-                <a14:useLocalDpi xmlns:a14="http://schemas.microsoft.com/office/drawing/2010/main"/>
-              </a:ext>
-            </a:extLst>
-          </a:blip>
-          <a:srcRect/>
-          <a:stretch>
-            <a:fillRect/>
-          </a:stretch>
-        </p:blipFill>
-        <p:spPr/>
-      </p:pic>
-      <p:sp>
-        <p:nvSpPr>
-          <p:cNvPr id="20" name="Rectangle 19">
-            <a:extLst>
-              <a:ext uri="{FF2B5EF4-FFF2-40B4-BE49-F238E27FC236}">
-                <a16:creationId xmlns:a16="http://schemas.microsoft.com/office/drawing/2014/main" id="{EFA08948-2B6F-46B1-9D2D-8D7B2B3FBD56}"/>
-              </a:ext>
-              <a:ext uri="{C183D7F6-B498-43B3-948B-1728B52AA6E4}">
-                <adec:decorative xmlns:adec="http://schemas.microsoft.com/office/drawing/2017/decorative" val="1"/>
-              </a:ext>
-            </a:extLst>
-          </p:cNvPr>
-          <p:cNvSpPr/>
-          <p:nvPr/>
-        </p:nvSpPr>
-        <p:spPr>
-          <a:xfrm>
-            <a:off x="9348588" y="3688075"/>
-            <a:ext cx="2411412" cy="114824"/>
-          </a:xfrm>
-          <a:prstGeom prst="rect">
-            <a:avLst/>
-          </a:prstGeom>
-          <a:solidFill>
-            <a:schemeClr val="accent1"/>
-          </a:solidFill>
-          <a:ln>
-            <a:noFill/>
-          </a:ln>
-        </p:spPr>
-        <p:style>
-          <a:lnRef idx="2">
-            <a:schemeClr val="accent1">
-              <a:shade val="50000"/>
-            </a:schemeClr>
-          </a:lnRef>
-          <a:fillRef idx="1">
-            <a:schemeClr val="accent1"/>
-          </a:fillRef>
-          <a:effectRef idx="0">
-            <a:schemeClr val="accent1"/>
-          </a:effectRef>
-          <a:fontRef idx="minor">
-            <a:schemeClr val="lt1"/>
-          </a:fontRef>
-        </p:style>
-        <p:txBody>
-          <a:bodyPr rtlCol="0" anchor="ctr"/>
-          <a:lstStyle/>
-          <a:p>
-            <a:pPr algn="l"/>
-            <a:endParaRPr lang="en-US" dirty="0"/>
-          </a:p>
-        </p:txBody>
-      </p:sp>
-      <p:sp>
-        <p:nvSpPr>
-          <p:cNvPr id="2" name="Title 1">
-            <a:extLst>
-              <a:ext uri="{FF2B5EF4-FFF2-40B4-BE49-F238E27FC236}">
-                <a16:creationId xmlns:a16="http://schemas.microsoft.com/office/drawing/2014/main" id="{3560F281-4FF6-4617-A809-AC9C15ECF18A}"/>
-              </a:ext>
-            </a:extLst>
-          </p:cNvPr>
-          <p:cNvSpPr>
-            <a:spLocks noGrp="1"/>
-          </p:cNvSpPr>
-          <p:nvPr>
-            <p:ph type="title"/>
-          </p:nvPr>
-        </p:nvSpPr>
-        <p:spPr/>
-        <p:txBody>
-          <a:bodyPr/>
-          <a:lstStyle/>
-          <a:p>
-            <a:r>
-              <a:rPr lang="en-US" dirty="0"/>
-              <a:t>About Us</a:t>
-            </a:r>
-          </a:p>
-        </p:txBody>
-      </p:sp>
-      <p:sp>
-        <p:nvSpPr>
-          <p:cNvPr id="3" name="Text Placeholder 2">
-            <a:extLst>
-              <a:ext uri="{FF2B5EF4-FFF2-40B4-BE49-F238E27FC236}">
-                <a16:creationId xmlns:a16="http://schemas.microsoft.com/office/drawing/2014/main" id="{611DC577-0A95-47D0-95D9-5F8DA763D46B}"/>
-              </a:ext>
-            </a:extLst>
-          </p:cNvPr>
-          <p:cNvSpPr>
-            <a:spLocks noGrp="1"/>
-          </p:cNvSpPr>
-          <p:nvPr>
-            <p:ph type="body" sz="quarter" idx="32"/>
-          </p:nvPr>
-        </p:nvSpPr>
-        <p:spPr/>
-        <p:txBody>
-          <a:bodyPr/>
-          <a:lstStyle/>
-          <a:p>
-            <a:r>
-              <a:rPr lang="en-US" dirty="0"/>
-              <a:t>Lorem ipsum dolor sit amet, consectetur adipiscing elit. Etiam aliquet eu mi quis lacinia. Ut fermentum a magna ut.</a:t>
-            </a:r>
-          </a:p>
-        </p:txBody>
-      </p:sp>
-      <p:sp>
-        <p:nvSpPr>
-          <p:cNvPr id="6" name="Slide Number Placeholder 5">
-            <a:extLst>
-              <a:ext uri="{FF2B5EF4-FFF2-40B4-BE49-F238E27FC236}">
-                <a16:creationId xmlns:a16="http://schemas.microsoft.com/office/drawing/2014/main" id="{1C554D9F-1895-486E-BFBA-905BB2D29E08}"/>
-              </a:ext>
-            </a:extLst>
-          </p:cNvPr>
-          <p:cNvSpPr>
-            <a:spLocks noGrp="1"/>
-          </p:cNvSpPr>
-          <p:nvPr>
-            <p:ph type="sldNum" sz="quarter" idx="33"/>
-          </p:nvPr>
-        </p:nvSpPr>
-        <p:spPr>
-          <a:solidFill>
-            <a:schemeClr val="tx1">
-              <a:lumMod val="95000"/>
-              <a:lumOff val="5000"/>
-            </a:schemeClr>
-          </a:solidFill>
-        </p:spPr>
-        <p:txBody>
-          <a:bodyPr/>
-          <a:lstStyle/>
-          <a:p>
-            <a:fld id="{19B51A1E-902D-48AF-9020-955120F399B6}" type="slidenum">
-              <a:rPr lang="en-US" smtClean="0"/>
-              <a:pPr/>
-              <a:t>2</a:t>
-            </a:fld>
-            <a:endParaRPr lang="en-US" dirty="0"/>
-          </a:p>
-        </p:txBody>
-      </p:sp>
-    </p:spTree>
-    <p:extLst>
-      <p:ext uri="{BB962C8B-B14F-4D97-AF65-F5344CB8AC3E}">
-        <p14:creationId xmlns:p14="http://schemas.microsoft.com/office/powerpoint/2010/main" val="1329746698"/>
-      </p:ext>
-    </p:extLst>
-  </p:cSld>
-  <p:clrMapOvr>
-    <a:masterClrMapping/>
-  </p:clrMapOvr>
-</p:sld>
-</file>
-
-<file path=ppt/slides/slide3.xml><?xml version="1.0" encoding="utf-8"?>
-<p:sld xmlns:a="http://schemas.openxmlformats.org/drawingml/2006/main" xmlns:r="http://schemas.openxmlformats.org/officeDocument/2006/relationships" xmlns:p="http://schemas.openxmlformats.org/presentationml/2006/main">
-  <p:cSld>
-    <p:spTree>
-      <p:nvGrpSpPr>
-        <p:cNvPr id="1" name=""/>
-        <p:cNvGrpSpPr/>
-        <p:nvPr/>
-      </p:nvGrpSpPr>
-      <p:grpSpPr>
-        <a:xfrm>
-          <a:off x="0" y="0"/>
-          <a:ext cx="0" cy="0"/>
-          <a:chOff x="0" y="0"/>
-          <a:chExt cx="0" cy="0"/>
-        </a:xfrm>
-      </p:grpSpPr>
       <p:pic>
         <p:nvPicPr>
           <p:cNvPr id="12" name="Picture Placeholder 11">
@@ -13716,7 +13458,7 @@
             <a:fld id="{19B51A1E-902D-48AF-9020-955120F399B6}" type="slidenum">
               <a:rPr lang="en-US" smtClean="0"/>
               <a:pPr/>
-              <a:t>3</a:t>
+              <a:t>2</a:t>
             </a:fld>
             <a:endParaRPr lang="en-US" dirty="0"/>
           </a:p>
@@ -15442,6 +15184,264 @@
     <p:extLst>
       <p:ext uri="{BB962C8B-B14F-4D97-AF65-F5344CB8AC3E}">
         <p14:creationId xmlns:p14="http://schemas.microsoft.com/office/powerpoint/2010/main" val="1521689782"/>
+      </p:ext>
+    </p:extLst>
+  </p:cSld>
+  <p:clrMapOvr>
+    <a:masterClrMapping/>
+  </p:clrMapOvr>
+</p:sld>
+</file>
+
+<file path=ppt/slides/slide3.xml><?xml version="1.0" encoding="utf-8"?>
+<p:sld xmlns:a="http://schemas.openxmlformats.org/drawingml/2006/main" xmlns:r="http://schemas.openxmlformats.org/officeDocument/2006/relationships" xmlns:p="http://schemas.openxmlformats.org/presentationml/2006/main">
+  <p:cSld>
+    <p:spTree>
+      <p:nvGrpSpPr>
+        <p:cNvPr id="1" name=""/>
+        <p:cNvGrpSpPr/>
+        <p:nvPr/>
+      </p:nvGrpSpPr>
+      <p:grpSpPr>
+        <a:xfrm>
+          <a:off x="0" y="0"/>
+          <a:ext cx="0" cy="0"/>
+          <a:chOff x="0" y="0"/>
+          <a:chExt cx="0" cy="0"/>
+        </a:xfrm>
+      </p:grpSpPr>
+      <p:sp>
+        <p:nvSpPr>
+          <p:cNvPr id="4" name="Content Placeholder 3">
+            <a:extLst>
+              <a:ext uri="{FF2B5EF4-FFF2-40B4-BE49-F238E27FC236}">
+                <a16:creationId xmlns:a16="http://schemas.microsoft.com/office/drawing/2014/main" id="{D355C61F-C8F1-4977-8E1F-F16C0D9EA88C}"/>
+              </a:ext>
+            </a:extLst>
+          </p:cNvPr>
+          <p:cNvSpPr>
+            <a:spLocks noGrp="1"/>
+          </p:cNvSpPr>
+          <p:nvPr>
+            <p:ph sz="half" idx="1"/>
+          </p:nvPr>
+        </p:nvSpPr>
+        <p:spPr/>
+        <p:txBody>
+          <a:bodyPr/>
+          <a:lstStyle/>
+          <a:p>
+            <a:pPr marL="0" indent="0">
+              <a:buNone/>
+            </a:pPr>
+            <a:r>
+              <a:rPr lang="en-US" sz="2800" dirty="0"/>
+              <a:t>Lorem ipsum dolor sit amet, consectetur adipiscing elit. </a:t>
+            </a:r>
+          </a:p>
+          <a:p>
+            <a:r>
+              <a:rPr lang="en-US" dirty="0"/>
+              <a:t>Ut fermentum a magna ut eleifend. Integer convallis suscipit ante eu varius. </a:t>
+            </a:r>
+          </a:p>
+          <a:p>
+            <a:r>
+              <a:rPr lang="en-US" dirty="0"/>
+              <a:t>Morbi a purus dolor. Suspendisse sit amet ipsum finibus justo viverra blandit. </a:t>
+            </a:r>
+          </a:p>
+          <a:p>
+            <a:r>
+              <a:rPr lang="en-US" dirty="0"/>
+              <a:t>Ut congue quis tortor eget sodales. </a:t>
+            </a:r>
+          </a:p>
+        </p:txBody>
+      </p:sp>
+      <p:pic>
+        <p:nvPicPr>
+          <p:cNvPr id="9" name="Picture Placeholder 8" descr="Handing touching mobile phone">
+            <a:extLst>
+              <a:ext uri="{FF2B5EF4-FFF2-40B4-BE49-F238E27FC236}">
+                <a16:creationId xmlns:a16="http://schemas.microsoft.com/office/drawing/2014/main" id="{A9A75888-22E3-1D43-9112-DA02186070B5}"/>
+              </a:ext>
+            </a:extLst>
+          </p:cNvPr>
+          <p:cNvPicPr>
+            <a:picLocks noGrp="1" noChangeAspect="1"/>
+          </p:cNvPicPr>
+          <p:nvPr>
+            <p:ph type="pic" sz="quarter" idx="14"/>
+          </p:nvPr>
+        </p:nvPicPr>
+        <p:blipFill>
+          <a:blip r:embed="rId2" cstate="screen">
+            <a:extLst>
+              <a:ext uri="{28A0092B-C50C-407E-A947-70E740481C1C}">
+                <a14:useLocalDpi xmlns:a14="http://schemas.microsoft.com/office/drawing/2010/main"/>
+              </a:ext>
+            </a:extLst>
+          </a:blip>
+          <a:srcRect/>
+          <a:stretch>
+            <a:fillRect/>
+          </a:stretch>
+        </p:blipFill>
+        <p:spPr/>
+      </p:pic>
+      <p:sp>
+        <p:nvSpPr>
+          <p:cNvPr id="20" name="Rectangle 19">
+            <a:extLst>
+              <a:ext uri="{FF2B5EF4-FFF2-40B4-BE49-F238E27FC236}">
+                <a16:creationId xmlns:a16="http://schemas.microsoft.com/office/drawing/2014/main" id="{EFA08948-2B6F-46B1-9D2D-8D7B2B3FBD56}"/>
+              </a:ext>
+              <a:ext uri="{C183D7F6-B498-43B3-948B-1728B52AA6E4}">
+                <adec:decorative xmlns:adec="http://schemas.microsoft.com/office/drawing/2017/decorative" val="1"/>
+              </a:ext>
+            </a:extLst>
+          </p:cNvPr>
+          <p:cNvSpPr/>
+          <p:nvPr/>
+        </p:nvSpPr>
+        <p:spPr>
+          <a:xfrm>
+            <a:off x="9348588" y="3688075"/>
+            <a:ext cx="2411412" cy="114824"/>
+          </a:xfrm>
+          <a:prstGeom prst="rect">
+            <a:avLst/>
+          </a:prstGeom>
+          <a:solidFill>
+            <a:schemeClr val="accent1"/>
+          </a:solidFill>
+          <a:ln>
+            <a:noFill/>
+          </a:ln>
+        </p:spPr>
+        <p:style>
+          <a:lnRef idx="2">
+            <a:schemeClr val="accent1">
+              <a:shade val="50000"/>
+            </a:schemeClr>
+          </a:lnRef>
+          <a:fillRef idx="1">
+            <a:schemeClr val="accent1"/>
+          </a:fillRef>
+          <a:effectRef idx="0">
+            <a:schemeClr val="accent1"/>
+          </a:effectRef>
+          <a:fontRef idx="minor">
+            <a:schemeClr val="lt1"/>
+          </a:fontRef>
+        </p:style>
+        <p:txBody>
+          <a:bodyPr rtlCol="0" anchor="ctr"/>
+          <a:lstStyle/>
+          <a:p>
+            <a:pPr algn="l"/>
+            <a:endParaRPr lang="en-US" dirty="0"/>
+          </a:p>
+        </p:txBody>
+      </p:sp>
+      <p:sp>
+        <p:nvSpPr>
+          <p:cNvPr id="2" name="Title 1">
+            <a:extLst>
+              <a:ext uri="{FF2B5EF4-FFF2-40B4-BE49-F238E27FC236}">
+                <a16:creationId xmlns:a16="http://schemas.microsoft.com/office/drawing/2014/main" id="{3560F281-4FF6-4617-A809-AC9C15ECF18A}"/>
+              </a:ext>
+            </a:extLst>
+          </p:cNvPr>
+          <p:cNvSpPr>
+            <a:spLocks noGrp="1"/>
+          </p:cNvSpPr>
+          <p:nvPr>
+            <p:ph type="title"/>
+          </p:nvPr>
+        </p:nvSpPr>
+        <p:spPr/>
+        <p:txBody>
+          <a:bodyPr/>
+          <a:lstStyle/>
+          <a:p>
+            <a:r>
+              <a:rPr lang="en-US" dirty="0"/>
+              <a:t>About Us</a:t>
+            </a:r>
+          </a:p>
+        </p:txBody>
+      </p:sp>
+      <p:sp>
+        <p:nvSpPr>
+          <p:cNvPr id="3" name="Text Placeholder 2">
+            <a:extLst>
+              <a:ext uri="{FF2B5EF4-FFF2-40B4-BE49-F238E27FC236}">
+                <a16:creationId xmlns:a16="http://schemas.microsoft.com/office/drawing/2014/main" id="{611DC577-0A95-47D0-95D9-5F8DA763D46B}"/>
+              </a:ext>
+            </a:extLst>
+          </p:cNvPr>
+          <p:cNvSpPr>
+            <a:spLocks noGrp="1"/>
+          </p:cNvSpPr>
+          <p:nvPr>
+            <p:ph type="body" sz="quarter" idx="32"/>
+          </p:nvPr>
+        </p:nvSpPr>
+        <p:spPr/>
+        <p:txBody>
+          <a:bodyPr/>
+          <a:lstStyle/>
+          <a:p>
+            <a:r>
+              <a:rPr lang="en-US" dirty="0"/>
+              <a:t>Lorem ipsum dolor sit amet, consectetur adipiscing elit. Etiam aliquet eu mi quis lacinia. Ut fermentum a magna ut.</a:t>
+            </a:r>
+          </a:p>
+        </p:txBody>
+      </p:sp>
+      <p:sp>
+        <p:nvSpPr>
+          <p:cNvPr id="6" name="Slide Number Placeholder 5">
+            <a:extLst>
+              <a:ext uri="{FF2B5EF4-FFF2-40B4-BE49-F238E27FC236}">
+                <a16:creationId xmlns:a16="http://schemas.microsoft.com/office/drawing/2014/main" id="{1C554D9F-1895-486E-BFBA-905BB2D29E08}"/>
+              </a:ext>
+            </a:extLst>
+          </p:cNvPr>
+          <p:cNvSpPr>
+            <a:spLocks noGrp="1"/>
+          </p:cNvSpPr>
+          <p:nvPr>
+            <p:ph type="sldNum" sz="quarter" idx="33"/>
+          </p:nvPr>
+        </p:nvSpPr>
+        <p:spPr>
+          <a:solidFill>
+            <a:schemeClr val="tx1">
+              <a:lumMod val="95000"/>
+              <a:lumOff val="5000"/>
+            </a:schemeClr>
+          </a:solidFill>
+        </p:spPr>
+        <p:txBody>
+          <a:bodyPr/>
+          <a:lstStyle/>
+          <a:p>
+            <a:fld id="{19B51A1E-902D-48AF-9020-955120F399B6}" type="slidenum">
+              <a:rPr lang="en-US" smtClean="0"/>
+              <a:pPr/>
+              <a:t>3</a:t>
+            </a:fld>
+            <a:endParaRPr lang="en-US" dirty="0"/>
+          </a:p>
+        </p:txBody>
+      </p:sp>
+    </p:spTree>
+    <p:extLst>
+      <p:ext uri="{BB962C8B-B14F-4D97-AF65-F5344CB8AC3E}">
+        <p14:creationId xmlns:p14="http://schemas.microsoft.com/office/powerpoint/2010/main" val="1329746698"/>
       </p:ext>
     </p:extLst>
   </p:cSld>

--- a/How to build a team.pptx
+++ b/How to build a team.pptx
@@ -5,10 +5,10 @@
     <p:sldMasterId id="2147483648" r:id="rId4"/>
   </p:sldMasterIdLst>
   <p:notesMasterIdLst>
-    <p:notesMasterId r:id="rId16"/>
+    <p:notesMasterId r:id="rId18"/>
   </p:notesMasterIdLst>
   <p:handoutMasterIdLst>
-    <p:handoutMasterId r:id="rId17"/>
+    <p:handoutMasterId r:id="rId19"/>
   </p:handoutMasterIdLst>
   <p:sldIdLst>
     <p:sldId id="298" r:id="rId5"/>
@@ -22,6 +22,8 @@
     <p:sldId id="295" r:id="rId13"/>
     <p:sldId id="285" r:id="rId14"/>
     <p:sldId id="296" r:id="rId15"/>
+    <p:sldId id="302" r:id="rId16"/>
+    <p:sldId id="301" r:id="rId17"/>
   </p:sldIdLst>
   <p:sldSz cx="12192000" cy="6858000"/>
   <p:notesSz cx="6858000" cy="9144000"/>
@@ -13134,7 +13136,7 @@
       </p:grpSpPr>
       <p:pic>
         <p:nvPicPr>
-          <p:cNvPr id="32" name="Picture Placeholder 31" descr="hand clapping">
+          <p:cNvPr id="32" name="Picture Placeholder 31">
             <a:extLst>
               <a:ext uri="{FF2B5EF4-FFF2-40B4-BE49-F238E27FC236}">
                 <a16:creationId xmlns:a16="http://schemas.microsoft.com/office/drawing/2014/main" id="{AAB6EE12-FEF8-FB41-A909-0DA61D7725C7}"/>
@@ -13149,19 +13151,16 @@
           </p:nvPr>
         </p:nvPicPr>
         <p:blipFill>
-          <a:blip r:embed="rId2" cstate="screen">
-            <a:extLst>
-              <a:ext uri="{28A0092B-C50C-407E-A947-70E740481C1C}">
-                <a14:useLocalDpi xmlns:a14="http://schemas.microsoft.com/office/drawing/2010/main"/>
-              </a:ext>
-            </a:extLst>
-          </a:blip>
+          <a:blip r:embed="rId2"/>
           <a:srcRect/>
-          <a:stretch>
-            <a:fillRect/>
-          </a:stretch>
+          <a:stretch/>
         </p:blipFill>
-        <p:spPr/>
+        <p:spPr>
+          <a:xfrm>
+            <a:off x="523118" y="0"/>
+            <a:ext cx="8733866" cy="6804025"/>
+          </a:xfrm>
+        </p:spPr>
       </p:pic>
       <p:sp>
         <p:nvSpPr>
@@ -13220,7 +13219,7 @@
           <a:lstStyle/>
           <a:p>
             <a:r>
-              <a:rPr lang="en-US" dirty="0"/>
+              <a:rPr lang="en-US" sz="1400" dirty="0"/>
               <a:t>Yaser Shadmehr</a:t>
             </a:r>
           </a:p>
@@ -13294,7 +13293,7 @@
           <a:lstStyle/>
           <a:p>
             <a:r>
-              <a:rPr lang="en-US" dirty="0"/>
+              <a:rPr lang="en-US" sz="1400" dirty="0"/>
               <a:t>y.Shadmehr@gmail.com</a:t>
             </a:r>
           </a:p>
@@ -13380,6 +13379,892 @@
     <p:extLst>
       <p:ext uri="{BB962C8B-B14F-4D97-AF65-F5344CB8AC3E}">
         <p14:creationId xmlns:p14="http://schemas.microsoft.com/office/powerpoint/2010/main" val="4153678306"/>
+      </p:ext>
+    </p:extLst>
+  </p:cSld>
+  <p:clrMapOvr>
+    <a:masterClrMapping/>
+  </p:clrMapOvr>
+</p:sld>
+</file>
+
+<file path=ppt/slides/slide12.xml><?xml version="1.0" encoding="utf-8"?>
+<p:sld xmlns:a="http://schemas.openxmlformats.org/drawingml/2006/main" xmlns:r="http://schemas.openxmlformats.org/officeDocument/2006/relationships" xmlns:p="http://schemas.openxmlformats.org/presentationml/2006/main">
+  <p:cSld>
+    <p:spTree>
+      <p:nvGrpSpPr>
+        <p:cNvPr id="1" name=""/>
+        <p:cNvGrpSpPr/>
+        <p:nvPr/>
+      </p:nvGrpSpPr>
+      <p:grpSpPr>
+        <a:xfrm>
+          <a:off x="0" y="0"/>
+          <a:ext cx="0" cy="0"/>
+          <a:chOff x="0" y="0"/>
+          <a:chExt cx="0" cy="0"/>
+        </a:xfrm>
+      </p:grpSpPr>
+      <p:sp>
+        <p:nvSpPr>
+          <p:cNvPr id="3" name="Title 2">
+            <a:extLst>
+              <a:ext uri="{FF2B5EF4-FFF2-40B4-BE49-F238E27FC236}">
+                <a16:creationId xmlns:a16="http://schemas.microsoft.com/office/drawing/2014/main" id="{200B3D2B-613A-41BE-987D-E6A1324B456D}"/>
+              </a:ext>
+            </a:extLst>
+          </p:cNvPr>
+          <p:cNvSpPr>
+            <a:spLocks noGrp="1"/>
+          </p:cNvSpPr>
+          <p:nvPr>
+            <p:ph type="title"/>
+          </p:nvPr>
+        </p:nvSpPr>
+        <p:spPr>
+          <a:xfrm>
+            <a:off x="-1700" y="2156226"/>
+            <a:ext cx="4903599" cy="1958400"/>
+          </a:xfrm>
+        </p:spPr>
+        <p:txBody>
+          <a:bodyPr/>
+          <a:lstStyle/>
+          <a:p>
+            <a:r>
+              <a:rPr lang="en-US" dirty="0"/>
+              <a:t>Section Divider Option 2</a:t>
+            </a:r>
+          </a:p>
+        </p:txBody>
+      </p:sp>
+      <p:sp>
+        <p:nvSpPr>
+          <p:cNvPr id="10" name="Text Placeholder 9">
+            <a:extLst>
+              <a:ext uri="{FF2B5EF4-FFF2-40B4-BE49-F238E27FC236}">
+                <a16:creationId xmlns:a16="http://schemas.microsoft.com/office/drawing/2014/main" id="{2972F17A-D965-40B9-8ABB-C634072DBCC0}"/>
+              </a:ext>
+            </a:extLst>
+          </p:cNvPr>
+          <p:cNvSpPr>
+            <a:spLocks noGrp="1"/>
+          </p:cNvSpPr>
+          <p:nvPr>
+            <p:ph type="body" sz="quarter" idx="13"/>
+          </p:nvPr>
+        </p:nvSpPr>
+        <p:spPr>
+          <a:xfrm>
+            <a:off x="0" y="4110760"/>
+            <a:ext cx="4902200" cy="1100565"/>
+          </a:xfrm>
+        </p:spPr>
+        <p:txBody>
+          <a:bodyPr/>
+          <a:lstStyle/>
+          <a:p>
+            <a:r>
+              <a:rPr lang="en-US" dirty="0"/>
+              <a:t>Lorem ipsum dolor sit amet, consectetur adipiscing elit</a:t>
+            </a:r>
+          </a:p>
+          <a:p>
+            <a:endParaRPr lang="en-US" dirty="0"/>
+          </a:p>
+        </p:txBody>
+      </p:sp>
+      <p:sp>
+        <p:nvSpPr>
+          <p:cNvPr id="5" name="Slide Number Placeholder 4">
+            <a:extLst>
+              <a:ext uri="{FF2B5EF4-FFF2-40B4-BE49-F238E27FC236}">
+                <a16:creationId xmlns:a16="http://schemas.microsoft.com/office/drawing/2014/main" id="{F6964141-6F81-4947-A236-746D94ED3F6F}"/>
+              </a:ext>
+            </a:extLst>
+          </p:cNvPr>
+          <p:cNvSpPr>
+            <a:spLocks noGrp="1"/>
+          </p:cNvSpPr>
+          <p:nvPr>
+            <p:ph type="sldNum" sz="quarter" idx="12"/>
+          </p:nvPr>
+        </p:nvSpPr>
+        <p:spPr>
+          <a:solidFill>
+            <a:schemeClr val="tx1">
+              <a:lumMod val="95000"/>
+              <a:lumOff val="5000"/>
+            </a:schemeClr>
+          </a:solidFill>
+        </p:spPr>
+        <p:txBody>
+          <a:bodyPr/>
+          <a:lstStyle/>
+          <a:p>
+            <a:fld id="{19B51A1E-902D-48AF-9020-955120F399B6}" type="slidenum">
+              <a:rPr lang="en-US" smtClean="0"/>
+              <a:pPr/>
+              <a:t>12</a:t>
+            </a:fld>
+            <a:endParaRPr lang="en-US" dirty="0"/>
+          </a:p>
+        </p:txBody>
+      </p:sp>
+    </p:spTree>
+    <p:extLst>
+      <p:ext uri="{BB962C8B-B14F-4D97-AF65-F5344CB8AC3E}">
+        <p14:creationId xmlns:p14="http://schemas.microsoft.com/office/powerpoint/2010/main" val="2008286533"/>
+      </p:ext>
+    </p:extLst>
+  </p:cSld>
+  <p:clrMapOvr>
+    <a:masterClrMapping/>
+  </p:clrMapOvr>
+</p:sld>
+</file>
+
+<file path=ppt/slides/slide13.xml><?xml version="1.0" encoding="utf-8"?>
+<p:sld xmlns:a="http://schemas.openxmlformats.org/drawingml/2006/main" xmlns:r="http://schemas.openxmlformats.org/officeDocument/2006/relationships" xmlns:p="http://schemas.openxmlformats.org/presentationml/2006/main">
+  <p:cSld>
+    <p:spTree>
+      <p:nvGrpSpPr>
+        <p:cNvPr id="1" name=""/>
+        <p:cNvGrpSpPr/>
+        <p:nvPr/>
+      </p:nvGrpSpPr>
+      <p:grpSpPr>
+        <a:xfrm>
+          <a:off x="0" y="0"/>
+          <a:ext cx="0" cy="0"/>
+          <a:chOff x="0" y="0"/>
+          <a:chExt cx="0" cy="0"/>
+        </a:xfrm>
+      </p:grpSpPr>
+      <p:sp>
+        <p:nvSpPr>
+          <p:cNvPr id="14" name="Title 13">
+            <a:extLst>
+              <a:ext uri="{FF2B5EF4-FFF2-40B4-BE49-F238E27FC236}">
+                <a16:creationId xmlns:a16="http://schemas.microsoft.com/office/drawing/2014/main" id="{6C38D7A9-9299-4108-BB08-026F4B9CAE7B}"/>
+              </a:ext>
+            </a:extLst>
+          </p:cNvPr>
+          <p:cNvSpPr>
+            <a:spLocks noGrp="1"/>
+          </p:cNvSpPr>
+          <p:nvPr>
+            <p:ph type="ctrTitle"/>
+          </p:nvPr>
+        </p:nvSpPr>
+        <p:spPr/>
+        <p:txBody>
+          <a:bodyPr/>
+          <a:lstStyle/>
+          <a:p>
+            <a:r>
+              <a:rPr lang="en-US" dirty="0"/>
+              <a:t>Thank You</a:t>
+            </a:r>
+          </a:p>
+        </p:txBody>
+      </p:sp>
+      <p:sp>
+        <p:nvSpPr>
+          <p:cNvPr id="4" name="Text Placeholder 3">
+            <a:extLst>
+              <a:ext uri="{FF2B5EF4-FFF2-40B4-BE49-F238E27FC236}">
+                <a16:creationId xmlns:a16="http://schemas.microsoft.com/office/drawing/2014/main" id="{60828E04-9C2A-4859-8050-C2DF67A249CB}"/>
+              </a:ext>
+            </a:extLst>
+          </p:cNvPr>
+          <p:cNvSpPr>
+            <a:spLocks noGrp="1"/>
+          </p:cNvSpPr>
+          <p:nvPr>
+            <p:ph type="body" sz="quarter" idx="15"/>
+          </p:nvPr>
+        </p:nvSpPr>
+        <p:spPr>
+          <a:solidFill>
+            <a:schemeClr val="tx1">
+              <a:lumMod val="75000"/>
+              <a:lumOff val="25000"/>
+            </a:schemeClr>
+          </a:solidFill>
+        </p:spPr>
+        <p:txBody>
+          <a:bodyPr/>
+          <a:lstStyle/>
+          <a:p>
+            <a:r>
+              <a:rPr lang="en-US" dirty="0"/>
+              <a:t>Yaser Shadmehr</a:t>
+            </a:r>
+          </a:p>
+        </p:txBody>
+      </p:sp>
+      <p:pic>
+        <p:nvPicPr>
+          <p:cNvPr id="8" name="Graphic 7" descr="User" title="Icon - Presenter Name">
+            <a:extLst>
+              <a:ext uri="{FF2B5EF4-FFF2-40B4-BE49-F238E27FC236}">
+                <a16:creationId xmlns:a16="http://schemas.microsoft.com/office/drawing/2014/main" id="{111541C4-DB03-4E53-994D-499C7D73C4DF}"/>
+              </a:ext>
+            </a:extLst>
+          </p:cNvPr>
+          <p:cNvPicPr>
+            <a:picLocks noChangeAspect="1"/>
+          </p:cNvPicPr>
+          <p:nvPr/>
+        </p:nvPicPr>
+        <p:blipFill>
+          <a:blip r:embed="rId2" cstate="screen">
+            <a:extLst>
+              <a:ext uri="{28A0092B-C50C-407E-A947-70E740481C1C}">
+                <a14:useLocalDpi xmlns:a14="http://schemas.microsoft.com/office/drawing/2010/main"/>
+              </a:ext>
+              <a:ext uri="{96DAC541-7B7A-43D3-8B79-37D633B846F1}">
+                <asvg:svgBlip xmlns:asvg="http://schemas.microsoft.com/office/drawing/2016/SVG/main" r:embed="rId3"/>
+              </a:ext>
+            </a:extLst>
+          </a:blip>
+          <a:stretch>
+            <a:fillRect/>
+          </a:stretch>
+        </p:blipFill>
+        <p:spPr>
+          <a:xfrm>
+            <a:off x="11485495" y="4006655"/>
+            <a:ext cx="218900" cy="218900"/>
+          </a:xfrm>
+          <a:prstGeom prst="rect">
+            <a:avLst/>
+          </a:prstGeom>
+        </p:spPr>
+      </p:pic>
+      <p:sp>
+        <p:nvSpPr>
+          <p:cNvPr id="5" name="Text Placeholder 4">
+            <a:extLst>
+              <a:ext uri="{FF2B5EF4-FFF2-40B4-BE49-F238E27FC236}">
+                <a16:creationId xmlns:a16="http://schemas.microsoft.com/office/drawing/2014/main" id="{11265965-2271-4C1C-BD0A-6F85F80FF9A6}"/>
+              </a:ext>
+            </a:extLst>
+          </p:cNvPr>
+          <p:cNvSpPr>
+            <a:spLocks noGrp="1"/>
+          </p:cNvSpPr>
+          <p:nvPr>
+            <p:ph type="body" sz="quarter" idx="16"/>
+          </p:nvPr>
+        </p:nvSpPr>
+        <p:spPr>
+          <a:solidFill>
+            <a:schemeClr val="tx1">
+              <a:lumMod val="75000"/>
+              <a:lumOff val="25000"/>
+            </a:schemeClr>
+          </a:solidFill>
+        </p:spPr>
+        <p:txBody>
+          <a:bodyPr/>
+          <a:lstStyle/>
+          <a:p>
+            <a:r>
+              <a:rPr lang="en-US" dirty="0"/>
+              <a:t>y.Shadmehr@gmail.com</a:t>
+            </a:r>
+          </a:p>
+        </p:txBody>
+      </p:sp>
+      <p:sp>
+        <p:nvSpPr>
+          <p:cNvPr id="12" name="Slide Number Placeholder 11">
+            <a:extLst>
+              <a:ext uri="{FF2B5EF4-FFF2-40B4-BE49-F238E27FC236}">
+                <a16:creationId xmlns:a16="http://schemas.microsoft.com/office/drawing/2014/main" id="{91814EC9-246A-4C6E-941E-5774FE72F08E}"/>
+              </a:ext>
+            </a:extLst>
+          </p:cNvPr>
+          <p:cNvSpPr>
+            <a:spLocks noGrp="1"/>
+          </p:cNvSpPr>
+          <p:nvPr>
+            <p:ph type="sldNum" sz="quarter" idx="20"/>
+          </p:nvPr>
+        </p:nvSpPr>
+        <p:spPr>
+          <a:solidFill>
+            <a:schemeClr val="tx1">
+              <a:lumMod val="95000"/>
+              <a:lumOff val="5000"/>
+            </a:schemeClr>
+          </a:solidFill>
+        </p:spPr>
+        <p:txBody>
+          <a:bodyPr/>
+          <a:lstStyle/>
+          <a:p>
+            <a:fld id="{19B51A1E-902D-48AF-9020-955120F399B6}" type="slidenum">
+              <a:rPr lang="en-US" smtClean="0"/>
+              <a:pPr/>
+              <a:t>13</a:t>
+            </a:fld>
+            <a:endParaRPr lang="en-US" dirty="0"/>
+          </a:p>
+        </p:txBody>
+      </p:sp>
+      <p:pic>
+        <p:nvPicPr>
+          <p:cNvPr id="15" name="Graphic 14" descr="Envelope" title="Icon Presenter Email">
+            <a:extLst>
+              <a:ext uri="{FF2B5EF4-FFF2-40B4-BE49-F238E27FC236}">
+                <a16:creationId xmlns:a16="http://schemas.microsoft.com/office/drawing/2014/main" id="{DEDD26CF-32BC-4B44-8F02-EA834076E06A}"/>
+              </a:ext>
+            </a:extLst>
+          </p:cNvPr>
+          <p:cNvPicPr>
+            <a:picLocks noChangeAspect="1"/>
+          </p:cNvPicPr>
+          <p:nvPr/>
+        </p:nvPicPr>
+        <p:blipFill>
+          <a:blip r:embed="rId4" cstate="screen">
+            <a:extLst>
+              <a:ext uri="{28A0092B-C50C-407E-A947-70E740481C1C}">
+                <a14:useLocalDpi xmlns:a14="http://schemas.microsoft.com/office/drawing/2010/main"/>
+              </a:ext>
+              <a:ext uri="{96DAC541-7B7A-43D3-8B79-37D633B846F1}">
+                <asvg:svgBlip xmlns:asvg="http://schemas.microsoft.com/office/drawing/2016/SVG/main" r:embed="rId5"/>
+              </a:ext>
+            </a:extLst>
+          </a:blip>
+          <a:stretch>
+            <a:fillRect/>
+          </a:stretch>
+        </p:blipFill>
+        <p:spPr>
+          <a:xfrm>
+            <a:off x="11486893" y="4369389"/>
+            <a:ext cx="218900" cy="218900"/>
+          </a:xfrm>
+          <a:prstGeom prst="rect">
+            <a:avLst/>
+          </a:prstGeom>
+        </p:spPr>
+      </p:pic>
+      <p:sp>
+        <p:nvSpPr>
+          <p:cNvPr id="13" name="Rectangle 12">
+            <a:extLst>
+              <a:ext uri="{FF2B5EF4-FFF2-40B4-BE49-F238E27FC236}">
+                <a16:creationId xmlns:a16="http://schemas.microsoft.com/office/drawing/2014/main" id="{14C8789D-7C73-469A-BD3B-F33145B4CD00}"/>
+              </a:ext>
+              <a:ext uri="{C183D7F6-B498-43B3-948B-1728B52AA6E4}">
+                <adec:decorative xmlns:adec="http://schemas.microsoft.com/office/drawing/2017/decorative" val="1"/>
+              </a:ext>
+            </a:extLst>
+          </p:cNvPr>
+          <p:cNvSpPr/>
+          <p:nvPr/>
+        </p:nvSpPr>
+        <p:spPr>
+          <a:xfrm>
+            <a:off x="431800" y="2100317"/>
+            <a:ext cx="1984175" cy="114824"/>
+          </a:xfrm>
+          <a:prstGeom prst="rect">
+            <a:avLst/>
+          </a:prstGeom>
+          <a:solidFill>
+            <a:schemeClr val="accent1"/>
+          </a:solidFill>
+          <a:ln>
+            <a:noFill/>
+          </a:ln>
+        </p:spPr>
+        <p:style>
+          <a:lnRef idx="2">
+            <a:schemeClr val="accent1">
+              <a:shade val="50000"/>
+            </a:schemeClr>
+          </a:lnRef>
+          <a:fillRef idx="1">
+            <a:schemeClr val="accent1"/>
+          </a:fillRef>
+          <a:effectRef idx="0">
+            <a:schemeClr val="accent1"/>
+          </a:effectRef>
+          <a:fontRef idx="minor">
+            <a:schemeClr val="lt1"/>
+          </a:fontRef>
+        </p:style>
+        <p:txBody>
+          <a:bodyPr rtlCol="0" anchor="ctr"/>
+          <a:lstStyle/>
+          <a:p>
+            <a:pPr algn="l"/>
+            <a:endParaRPr lang="en-US" dirty="0"/>
+          </a:p>
+        </p:txBody>
+      </p:sp>
+      <p:sp>
+        <p:nvSpPr>
+          <p:cNvPr id="16" name="Text Placeholder 3">
+            <a:extLst>
+              <a:ext uri="{FF2B5EF4-FFF2-40B4-BE49-F238E27FC236}">
+                <a16:creationId xmlns:a16="http://schemas.microsoft.com/office/drawing/2014/main" id="{5EC672CC-DAA6-4D6D-86D0-FBBD4580DC1E}"/>
+              </a:ext>
+            </a:extLst>
+          </p:cNvPr>
+          <p:cNvSpPr txBox="1">
+            <a:spLocks/>
+          </p:cNvSpPr>
+          <p:nvPr/>
+        </p:nvSpPr>
+        <p:spPr>
+          <a:xfrm>
+            <a:off x="432000" y="2442934"/>
+            <a:ext cx="5472000" cy="360000"/>
+          </a:xfrm>
+          <a:prstGeom prst="rect">
+            <a:avLst/>
+          </a:prstGeom>
+        </p:spPr>
+        <p:txBody>
+          <a:bodyPr/>
+          <a:lstStyle>
+            <a:lvl1pPr marL="266700" indent="-266700" algn="l" defTabSz="914400" rtl="0" eaLnBrk="1" latinLnBrk="0" hangingPunct="1">
+              <a:lnSpc>
+                <a:spcPct val="90000"/>
+              </a:lnSpc>
+              <a:spcBef>
+                <a:spcPts val="1000"/>
+              </a:spcBef>
+              <a:buFont typeface="Arial" panose="020B0604020202020204" pitchFamily="34" charset="0"/>
+              <a:buChar char="•"/>
+              <a:defRPr sz="1800" kern="1200">
+                <a:solidFill>
+                  <a:schemeClr val="tx1">
+                    <a:lumMod val="75000"/>
+                    <a:lumOff val="25000"/>
+                  </a:schemeClr>
+                </a:solidFill>
+                <a:latin typeface="+mn-lt"/>
+                <a:ea typeface="+mn-ea"/>
+                <a:cs typeface="+mn-cs"/>
+              </a:defRPr>
+            </a:lvl1pPr>
+            <a:lvl2pPr marL="542925" indent="-276225" algn="l" defTabSz="914400" rtl="0" eaLnBrk="1" latinLnBrk="0" hangingPunct="1">
+              <a:lnSpc>
+                <a:spcPct val="90000"/>
+              </a:lnSpc>
+              <a:spcBef>
+                <a:spcPts val="500"/>
+              </a:spcBef>
+              <a:buFont typeface="Arial" panose="020B0604020202020204" pitchFamily="34" charset="0"/>
+              <a:buChar char="•"/>
+              <a:defRPr sz="1600" kern="1200">
+                <a:solidFill>
+                  <a:schemeClr val="tx1">
+                    <a:lumMod val="75000"/>
+                    <a:lumOff val="25000"/>
+                  </a:schemeClr>
+                </a:solidFill>
+                <a:latin typeface="+mn-lt"/>
+                <a:ea typeface="+mn-ea"/>
+                <a:cs typeface="+mn-cs"/>
+              </a:defRPr>
+            </a:lvl2pPr>
+            <a:lvl3pPr marL="809625" indent="-266700" algn="l" defTabSz="914400" rtl="0" eaLnBrk="1" latinLnBrk="0" hangingPunct="1">
+              <a:lnSpc>
+                <a:spcPct val="90000"/>
+              </a:lnSpc>
+              <a:spcBef>
+                <a:spcPts val="500"/>
+              </a:spcBef>
+              <a:buFont typeface="Arial" panose="020B0604020202020204" pitchFamily="34" charset="0"/>
+              <a:buChar char="•"/>
+              <a:defRPr sz="1400" kern="1200">
+                <a:solidFill>
+                  <a:schemeClr val="tx1">
+                    <a:lumMod val="75000"/>
+                    <a:lumOff val="25000"/>
+                  </a:schemeClr>
+                </a:solidFill>
+                <a:latin typeface="+mn-lt"/>
+                <a:ea typeface="+mn-ea"/>
+                <a:cs typeface="+mn-cs"/>
+              </a:defRPr>
+            </a:lvl3pPr>
+            <a:lvl4pPr marL="1076325" indent="-266700" algn="l" defTabSz="914400" rtl="0" eaLnBrk="1" latinLnBrk="0" hangingPunct="1">
+              <a:lnSpc>
+                <a:spcPct val="90000"/>
+              </a:lnSpc>
+              <a:spcBef>
+                <a:spcPts val="500"/>
+              </a:spcBef>
+              <a:buFont typeface="Arial" panose="020B0604020202020204" pitchFamily="34" charset="0"/>
+              <a:buChar char="•"/>
+              <a:defRPr sz="1400" kern="1200">
+                <a:solidFill>
+                  <a:schemeClr val="tx1">
+                    <a:lumMod val="75000"/>
+                    <a:lumOff val="25000"/>
+                  </a:schemeClr>
+                </a:solidFill>
+                <a:latin typeface="+mn-lt"/>
+                <a:ea typeface="+mn-ea"/>
+                <a:cs typeface="+mn-cs"/>
+              </a:defRPr>
+            </a:lvl4pPr>
+            <a:lvl5pPr marL="1343025" indent="-266700" algn="l" defTabSz="914400" rtl="0" eaLnBrk="1" latinLnBrk="0" hangingPunct="1">
+              <a:lnSpc>
+                <a:spcPct val="90000"/>
+              </a:lnSpc>
+              <a:spcBef>
+                <a:spcPts val="500"/>
+              </a:spcBef>
+              <a:buFont typeface="Arial" panose="020B0604020202020204" pitchFamily="34" charset="0"/>
+              <a:buChar char="•"/>
+              <a:defRPr sz="1400" kern="1200">
+                <a:solidFill>
+                  <a:schemeClr val="tx1">
+                    <a:lumMod val="75000"/>
+                    <a:lumOff val="25000"/>
+                  </a:schemeClr>
+                </a:solidFill>
+                <a:latin typeface="+mn-lt"/>
+                <a:ea typeface="+mn-ea"/>
+                <a:cs typeface="+mn-cs"/>
+              </a:defRPr>
+            </a:lvl5pPr>
+            <a:lvl6pPr marL="2514600" indent="-228600" algn="l" defTabSz="914400" rtl="0" eaLnBrk="1" latinLnBrk="0" hangingPunct="1">
+              <a:lnSpc>
+                <a:spcPct val="90000"/>
+              </a:lnSpc>
+              <a:spcBef>
+                <a:spcPts val="500"/>
+              </a:spcBef>
+              <a:buFont typeface="Arial" panose="020B0604020202020204" pitchFamily="34" charset="0"/>
+              <a:buChar char="•"/>
+              <a:defRPr sz="1800" kern="1200">
+                <a:solidFill>
+                  <a:schemeClr val="tx1"/>
+                </a:solidFill>
+                <a:latin typeface="+mn-lt"/>
+                <a:ea typeface="+mn-ea"/>
+                <a:cs typeface="+mn-cs"/>
+              </a:defRPr>
+            </a:lvl6pPr>
+            <a:lvl7pPr marL="2971800" indent="-228600" algn="l" defTabSz="914400" rtl="0" eaLnBrk="1" latinLnBrk="0" hangingPunct="1">
+              <a:lnSpc>
+                <a:spcPct val="90000"/>
+              </a:lnSpc>
+              <a:spcBef>
+                <a:spcPts val="500"/>
+              </a:spcBef>
+              <a:buFont typeface="Arial" panose="020B0604020202020204" pitchFamily="34" charset="0"/>
+              <a:buChar char="•"/>
+              <a:defRPr sz="1800" kern="1200">
+                <a:solidFill>
+                  <a:schemeClr val="tx1"/>
+                </a:solidFill>
+                <a:latin typeface="+mn-lt"/>
+                <a:ea typeface="+mn-ea"/>
+                <a:cs typeface="+mn-cs"/>
+              </a:defRPr>
+            </a:lvl7pPr>
+            <a:lvl8pPr marL="3429000" indent="-228600" algn="l" defTabSz="914400" rtl="0" eaLnBrk="1" latinLnBrk="0" hangingPunct="1">
+              <a:lnSpc>
+                <a:spcPct val="90000"/>
+              </a:lnSpc>
+              <a:spcBef>
+                <a:spcPts val="500"/>
+              </a:spcBef>
+              <a:buFont typeface="Arial" panose="020B0604020202020204" pitchFamily="34" charset="0"/>
+              <a:buChar char="•"/>
+              <a:defRPr sz="1800" kern="1200">
+                <a:solidFill>
+                  <a:schemeClr val="tx1"/>
+                </a:solidFill>
+                <a:latin typeface="+mn-lt"/>
+                <a:ea typeface="+mn-ea"/>
+                <a:cs typeface="+mn-cs"/>
+              </a:defRPr>
+            </a:lvl8pPr>
+            <a:lvl9pPr marL="3886200" indent="-228600" algn="l" defTabSz="914400" rtl="0" eaLnBrk="1" latinLnBrk="0" hangingPunct="1">
+              <a:lnSpc>
+                <a:spcPct val="90000"/>
+              </a:lnSpc>
+              <a:spcBef>
+                <a:spcPts val="500"/>
+              </a:spcBef>
+              <a:buFont typeface="Arial" panose="020B0604020202020204" pitchFamily="34" charset="0"/>
+              <a:buChar char="•"/>
+              <a:defRPr sz="1800" kern="1200">
+                <a:solidFill>
+                  <a:schemeClr val="tx1"/>
+                </a:solidFill>
+                <a:latin typeface="+mn-lt"/>
+                <a:ea typeface="+mn-ea"/>
+                <a:cs typeface="+mn-cs"/>
+              </a:defRPr>
+            </a:lvl9pPr>
+          </a:lstStyle>
+          <a:p>
+            <a:r>
+              <a:rPr lang="en-US" dirty="0"/>
+              <a:t>Trey Research</a:t>
+            </a:r>
+          </a:p>
+        </p:txBody>
+      </p:sp>
+      <p:sp>
+        <p:nvSpPr>
+          <p:cNvPr id="17" name="Content Placeholder 4">
+            <a:extLst>
+              <a:ext uri="{FF2B5EF4-FFF2-40B4-BE49-F238E27FC236}">
+                <a16:creationId xmlns:a16="http://schemas.microsoft.com/office/drawing/2014/main" id="{BE7CD3E7-68E5-4629-B28C-1F3B224EDCE2}"/>
+              </a:ext>
+            </a:extLst>
+          </p:cNvPr>
+          <p:cNvSpPr txBox="1">
+            <a:spLocks/>
+          </p:cNvSpPr>
+          <p:nvPr/>
+        </p:nvSpPr>
+        <p:spPr>
+          <a:xfrm>
+            <a:off x="431999" y="2950768"/>
+            <a:ext cx="12159875" cy="2194694"/>
+          </a:xfrm>
+          <a:prstGeom prst="rect">
+            <a:avLst/>
+          </a:prstGeom>
+        </p:spPr>
+        <p:txBody>
+          <a:bodyPr/>
+          <a:lstStyle>
+            <a:lvl1pPr marL="266700" indent="-266700" algn="l" defTabSz="914400" rtl="0" eaLnBrk="1" latinLnBrk="0" hangingPunct="1">
+              <a:lnSpc>
+                <a:spcPct val="90000"/>
+              </a:lnSpc>
+              <a:spcBef>
+                <a:spcPts val="1000"/>
+              </a:spcBef>
+              <a:buFont typeface="Arial" panose="020B0604020202020204" pitchFamily="34" charset="0"/>
+              <a:buChar char="•"/>
+              <a:defRPr sz="1800" kern="1200">
+                <a:solidFill>
+                  <a:schemeClr val="tx1">
+                    <a:lumMod val="75000"/>
+                    <a:lumOff val="25000"/>
+                  </a:schemeClr>
+                </a:solidFill>
+                <a:latin typeface="+mn-lt"/>
+                <a:ea typeface="+mn-ea"/>
+                <a:cs typeface="+mn-cs"/>
+              </a:defRPr>
+            </a:lvl1pPr>
+            <a:lvl2pPr marL="542925" indent="-276225" algn="l" defTabSz="914400" rtl="0" eaLnBrk="1" latinLnBrk="0" hangingPunct="1">
+              <a:lnSpc>
+                <a:spcPct val="90000"/>
+              </a:lnSpc>
+              <a:spcBef>
+                <a:spcPts val="500"/>
+              </a:spcBef>
+              <a:buFont typeface="Arial" panose="020B0604020202020204" pitchFamily="34" charset="0"/>
+              <a:buChar char="•"/>
+              <a:defRPr sz="1600" kern="1200">
+                <a:solidFill>
+                  <a:schemeClr val="tx1">
+                    <a:lumMod val="75000"/>
+                    <a:lumOff val="25000"/>
+                  </a:schemeClr>
+                </a:solidFill>
+                <a:latin typeface="+mn-lt"/>
+                <a:ea typeface="+mn-ea"/>
+                <a:cs typeface="+mn-cs"/>
+              </a:defRPr>
+            </a:lvl2pPr>
+            <a:lvl3pPr marL="809625" indent="-266700" algn="l" defTabSz="914400" rtl="0" eaLnBrk="1" latinLnBrk="0" hangingPunct="1">
+              <a:lnSpc>
+                <a:spcPct val="90000"/>
+              </a:lnSpc>
+              <a:spcBef>
+                <a:spcPts val="500"/>
+              </a:spcBef>
+              <a:buFont typeface="Arial" panose="020B0604020202020204" pitchFamily="34" charset="0"/>
+              <a:buChar char="•"/>
+              <a:defRPr sz="1400" kern="1200">
+                <a:solidFill>
+                  <a:schemeClr val="tx1">
+                    <a:lumMod val="75000"/>
+                    <a:lumOff val="25000"/>
+                  </a:schemeClr>
+                </a:solidFill>
+                <a:latin typeface="+mn-lt"/>
+                <a:ea typeface="+mn-ea"/>
+                <a:cs typeface="+mn-cs"/>
+              </a:defRPr>
+            </a:lvl3pPr>
+            <a:lvl4pPr marL="1076325" indent="-266700" algn="l" defTabSz="914400" rtl="0" eaLnBrk="1" latinLnBrk="0" hangingPunct="1">
+              <a:lnSpc>
+                <a:spcPct val="90000"/>
+              </a:lnSpc>
+              <a:spcBef>
+                <a:spcPts val="500"/>
+              </a:spcBef>
+              <a:buFont typeface="Arial" panose="020B0604020202020204" pitchFamily="34" charset="0"/>
+              <a:buChar char="•"/>
+              <a:defRPr sz="1400" kern="1200">
+                <a:solidFill>
+                  <a:schemeClr val="tx1">
+                    <a:lumMod val="75000"/>
+                    <a:lumOff val="25000"/>
+                  </a:schemeClr>
+                </a:solidFill>
+                <a:latin typeface="+mn-lt"/>
+                <a:ea typeface="+mn-ea"/>
+                <a:cs typeface="+mn-cs"/>
+              </a:defRPr>
+            </a:lvl4pPr>
+            <a:lvl5pPr marL="1343025" indent="-266700" algn="l" defTabSz="914400" rtl="0" eaLnBrk="1" latinLnBrk="0" hangingPunct="1">
+              <a:lnSpc>
+                <a:spcPct val="90000"/>
+              </a:lnSpc>
+              <a:spcBef>
+                <a:spcPts val="500"/>
+              </a:spcBef>
+              <a:buFont typeface="Arial" panose="020B0604020202020204" pitchFamily="34" charset="0"/>
+              <a:buChar char="•"/>
+              <a:defRPr sz="1400" kern="1200">
+                <a:solidFill>
+                  <a:schemeClr val="tx1">
+                    <a:lumMod val="75000"/>
+                    <a:lumOff val="25000"/>
+                  </a:schemeClr>
+                </a:solidFill>
+                <a:latin typeface="+mn-lt"/>
+                <a:ea typeface="+mn-ea"/>
+                <a:cs typeface="+mn-cs"/>
+              </a:defRPr>
+            </a:lvl5pPr>
+            <a:lvl6pPr marL="2514600" indent="-228600" algn="l" defTabSz="914400" rtl="0" eaLnBrk="1" latinLnBrk="0" hangingPunct="1">
+              <a:lnSpc>
+                <a:spcPct val="90000"/>
+              </a:lnSpc>
+              <a:spcBef>
+                <a:spcPts val="500"/>
+              </a:spcBef>
+              <a:buFont typeface="Arial" panose="020B0604020202020204" pitchFamily="34" charset="0"/>
+              <a:buChar char="•"/>
+              <a:defRPr sz="1800" kern="1200">
+                <a:solidFill>
+                  <a:schemeClr val="tx1"/>
+                </a:solidFill>
+                <a:latin typeface="+mn-lt"/>
+                <a:ea typeface="+mn-ea"/>
+                <a:cs typeface="+mn-cs"/>
+              </a:defRPr>
+            </a:lvl6pPr>
+            <a:lvl7pPr marL="2971800" indent="-228600" algn="l" defTabSz="914400" rtl="0" eaLnBrk="1" latinLnBrk="0" hangingPunct="1">
+              <a:lnSpc>
+                <a:spcPct val="90000"/>
+              </a:lnSpc>
+              <a:spcBef>
+                <a:spcPts val="500"/>
+              </a:spcBef>
+              <a:buFont typeface="Arial" panose="020B0604020202020204" pitchFamily="34" charset="0"/>
+              <a:buChar char="•"/>
+              <a:defRPr sz="1800" kern="1200">
+                <a:solidFill>
+                  <a:schemeClr val="tx1"/>
+                </a:solidFill>
+                <a:latin typeface="+mn-lt"/>
+                <a:ea typeface="+mn-ea"/>
+                <a:cs typeface="+mn-cs"/>
+              </a:defRPr>
+            </a:lvl7pPr>
+            <a:lvl8pPr marL="3429000" indent="-228600" algn="l" defTabSz="914400" rtl="0" eaLnBrk="1" latinLnBrk="0" hangingPunct="1">
+              <a:lnSpc>
+                <a:spcPct val="90000"/>
+              </a:lnSpc>
+              <a:spcBef>
+                <a:spcPts val="500"/>
+              </a:spcBef>
+              <a:buFont typeface="Arial" panose="020B0604020202020204" pitchFamily="34" charset="0"/>
+              <a:buChar char="•"/>
+              <a:defRPr sz="1800" kern="1200">
+                <a:solidFill>
+                  <a:schemeClr val="tx1"/>
+                </a:solidFill>
+                <a:latin typeface="+mn-lt"/>
+                <a:ea typeface="+mn-ea"/>
+                <a:cs typeface="+mn-cs"/>
+              </a:defRPr>
+            </a:lvl8pPr>
+            <a:lvl9pPr marL="3886200" indent="-228600" algn="l" defTabSz="914400" rtl="0" eaLnBrk="1" latinLnBrk="0" hangingPunct="1">
+              <a:lnSpc>
+                <a:spcPct val="90000"/>
+              </a:lnSpc>
+              <a:spcBef>
+                <a:spcPts val="500"/>
+              </a:spcBef>
+              <a:buFont typeface="Arial" panose="020B0604020202020204" pitchFamily="34" charset="0"/>
+              <a:buChar char="•"/>
+              <a:defRPr sz="1800" kern="1200">
+                <a:solidFill>
+                  <a:schemeClr val="tx1"/>
+                </a:solidFill>
+                <a:latin typeface="+mn-lt"/>
+                <a:ea typeface="+mn-ea"/>
+                <a:cs typeface="+mn-cs"/>
+              </a:defRPr>
+            </a:lvl9pPr>
+          </a:lstStyle>
+          <a:p>
+            <a:pPr marL="0" indent="0">
+              <a:buNone/>
+            </a:pPr>
+            <a:r>
+              <a:rPr lang="en-US" sz="800" b="0" i="0" dirty="0">
+                <a:solidFill>
+                  <a:srgbClr val="0A0A0A"/>
+                </a:solidFill>
+                <a:effectLst/>
+                <a:latin typeface="Proxima Nova"/>
+              </a:rPr>
+              <a:t>This document and the information in it are inspired during my interview with </a:t>
+            </a:r>
+            <a:r>
+              <a:rPr lang="en-US" sz="800" dirty="0">
+                <a:solidFill>
+                  <a:srgbClr val="0A0A0A"/>
+                </a:solidFill>
+                <a:latin typeface="Proxima Nova"/>
+              </a:rPr>
+              <a:t>SecurityScorecard</a:t>
+            </a:r>
+            <a:r>
+              <a:rPr lang="en-US" sz="800" b="0" i="0" dirty="0">
+                <a:solidFill>
+                  <a:srgbClr val="0A0A0A"/>
+                </a:solidFill>
+                <a:effectLst/>
+                <a:latin typeface="Proxima Nova"/>
+              </a:rPr>
+              <a:t> and it may contain false assumption or confidential information.</a:t>
+            </a:r>
+          </a:p>
+        </p:txBody>
+      </p:sp>
+    </p:spTree>
+    <p:extLst>
+      <p:ext uri="{BB962C8B-B14F-4D97-AF65-F5344CB8AC3E}">
+        <p14:creationId xmlns:p14="http://schemas.microsoft.com/office/powerpoint/2010/main" val="3737052197"/>
       </p:ext>
     </p:extLst>
   </p:cSld>

--- a/How to build a team.pptx
+++ b/How to build a team.pptx
@@ -5,10 +5,10 @@
     <p:sldMasterId id="2147483648" r:id="rId4"/>
   </p:sldMasterIdLst>
   <p:notesMasterIdLst>
-    <p:notesMasterId r:id="rId18"/>
+    <p:notesMasterId r:id="rId16"/>
   </p:notesMasterIdLst>
   <p:handoutMasterIdLst>
-    <p:handoutMasterId r:id="rId19"/>
+    <p:handoutMasterId r:id="rId17"/>
   </p:handoutMasterIdLst>
   <p:sldIdLst>
     <p:sldId id="298" r:id="rId5"/>
@@ -22,8 +22,6 @@
     <p:sldId id="295" r:id="rId13"/>
     <p:sldId id="285" r:id="rId14"/>
     <p:sldId id="296" r:id="rId15"/>
-    <p:sldId id="302" r:id="rId16"/>
-    <p:sldId id="301" r:id="rId17"/>
   </p:sldIdLst>
   <p:sldSz cx="12192000" cy="6858000"/>
   <p:notesSz cx="6858000" cy="9144000"/>
@@ -13157,8 +13155,8 @@
         </p:blipFill>
         <p:spPr>
           <a:xfrm>
-            <a:off x="523118" y="0"/>
-            <a:ext cx="8733866" cy="6804025"/>
+            <a:off x="0" y="0"/>
+            <a:ext cx="9256984" cy="6804025"/>
           </a:xfrm>
         </p:spPr>
       </p:pic>
@@ -13375,446 +13373,12 @@
           </a:prstGeom>
         </p:spPr>
       </p:pic>
-    </p:spTree>
-    <p:extLst>
-      <p:ext uri="{BB962C8B-B14F-4D97-AF65-F5344CB8AC3E}">
-        <p14:creationId xmlns:p14="http://schemas.microsoft.com/office/powerpoint/2010/main" val="4153678306"/>
-      </p:ext>
-    </p:extLst>
-  </p:cSld>
-  <p:clrMapOvr>
-    <a:masterClrMapping/>
-  </p:clrMapOvr>
-</p:sld>
-</file>
-
-<file path=ppt/slides/slide12.xml><?xml version="1.0" encoding="utf-8"?>
-<p:sld xmlns:a="http://schemas.openxmlformats.org/drawingml/2006/main" xmlns:r="http://schemas.openxmlformats.org/officeDocument/2006/relationships" xmlns:p="http://schemas.openxmlformats.org/presentationml/2006/main">
-  <p:cSld>
-    <p:spTree>
-      <p:nvGrpSpPr>
-        <p:cNvPr id="1" name=""/>
-        <p:cNvGrpSpPr/>
-        <p:nvPr/>
-      </p:nvGrpSpPr>
-      <p:grpSpPr>
-        <a:xfrm>
-          <a:off x="0" y="0"/>
-          <a:ext cx="0" cy="0"/>
-          <a:chOff x="0" y="0"/>
-          <a:chExt cx="0" cy="0"/>
-        </a:xfrm>
-      </p:grpSpPr>
-      <p:sp>
-        <p:nvSpPr>
-          <p:cNvPr id="3" name="Title 2">
-            <a:extLst>
-              <a:ext uri="{FF2B5EF4-FFF2-40B4-BE49-F238E27FC236}">
-                <a16:creationId xmlns:a16="http://schemas.microsoft.com/office/drawing/2014/main" id="{200B3D2B-613A-41BE-987D-E6A1324B456D}"/>
-              </a:ext>
-            </a:extLst>
-          </p:cNvPr>
-          <p:cNvSpPr>
-            <a:spLocks noGrp="1"/>
-          </p:cNvSpPr>
-          <p:nvPr>
-            <p:ph type="title"/>
-          </p:nvPr>
-        </p:nvSpPr>
-        <p:spPr>
-          <a:xfrm>
-            <a:off x="-1700" y="2156226"/>
-            <a:ext cx="4903599" cy="1958400"/>
-          </a:xfrm>
-        </p:spPr>
-        <p:txBody>
-          <a:bodyPr/>
-          <a:lstStyle/>
-          <a:p>
-            <a:r>
-              <a:rPr lang="en-US" dirty="0"/>
-              <a:t>Section Divider Option 2</a:t>
-            </a:r>
-          </a:p>
-        </p:txBody>
-      </p:sp>
-      <p:sp>
-        <p:nvSpPr>
-          <p:cNvPr id="10" name="Text Placeholder 9">
-            <a:extLst>
-              <a:ext uri="{FF2B5EF4-FFF2-40B4-BE49-F238E27FC236}">
-                <a16:creationId xmlns:a16="http://schemas.microsoft.com/office/drawing/2014/main" id="{2972F17A-D965-40B9-8ABB-C634072DBCC0}"/>
-              </a:ext>
-            </a:extLst>
-          </p:cNvPr>
-          <p:cNvSpPr>
-            <a:spLocks noGrp="1"/>
-          </p:cNvSpPr>
-          <p:nvPr>
-            <p:ph type="body" sz="quarter" idx="13"/>
-          </p:nvPr>
-        </p:nvSpPr>
-        <p:spPr>
-          <a:xfrm>
-            <a:off x="0" y="4110760"/>
-            <a:ext cx="4902200" cy="1100565"/>
-          </a:xfrm>
-        </p:spPr>
-        <p:txBody>
-          <a:bodyPr/>
-          <a:lstStyle/>
-          <a:p>
-            <a:r>
-              <a:rPr lang="en-US" dirty="0"/>
-              <a:t>Lorem ipsum dolor sit amet, consectetur adipiscing elit</a:t>
-            </a:r>
-          </a:p>
-          <a:p>
-            <a:endParaRPr lang="en-US" dirty="0"/>
-          </a:p>
-        </p:txBody>
-      </p:sp>
-      <p:sp>
-        <p:nvSpPr>
-          <p:cNvPr id="5" name="Slide Number Placeholder 4">
-            <a:extLst>
-              <a:ext uri="{FF2B5EF4-FFF2-40B4-BE49-F238E27FC236}">
-                <a16:creationId xmlns:a16="http://schemas.microsoft.com/office/drawing/2014/main" id="{F6964141-6F81-4947-A236-746D94ED3F6F}"/>
-              </a:ext>
-            </a:extLst>
-          </p:cNvPr>
-          <p:cNvSpPr>
-            <a:spLocks noGrp="1"/>
-          </p:cNvSpPr>
-          <p:nvPr>
-            <p:ph type="sldNum" sz="quarter" idx="12"/>
-          </p:nvPr>
-        </p:nvSpPr>
-        <p:spPr>
-          <a:solidFill>
-            <a:schemeClr val="tx1">
-              <a:lumMod val="95000"/>
-              <a:lumOff val="5000"/>
-            </a:schemeClr>
-          </a:solidFill>
-        </p:spPr>
-        <p:txBody>
-          <a:bodyPr/>
-          <a:lstStyle/>
-          <a:p>
-            <a:fld id="{19B51A1E-902D-48AF-9020-955120F399B6}" type="slidenum">
-              <a:rPr lang="en-US" smtClean="0"/>
-              <a:pPr/>
-              <a:t>12</a:t>
-            </a:fld>
-            <a:endParaRPr lang="en-US" dirty="0"/>
-          </a:p>
-        </p:txBody>
-      </p:sp>
-    </p:spTree>
-    <p:extLst>
-      <p:ext uri="{BB962C8B-B14F-4D97-AF65-F5344CB8AC3E}">
-        <p14:creationId xmlns:p14="http://schemas.microsoft.com/office/powerpoint/2010/main" val="2008286533"/>
-      </p:ext>
-    </p:extLst>
-  </p:cSld>
-  <p:clrMapOvr>
-    <a:masterClrMapping/>
-  </p:clrMapOvr>
-</p:sld>
-</file>
-
-<file path=ppt/slides/slide13.xml><?xml version="1.0" encoding="utf-8"?>
-<p:sld xmlns:a="http://schemas.openxmlformats.org/drawingml/2006/main" xmlns:r="http://schemas.openxmlformats.org/officeDocument/2006/relationships" xmlns:p="http://schemas.openxmlformats.org/presentationml/2006/main">
-  <p:cSld>
-    <p:spTree>
-      <p:nvGrpSpPr>
-        <p:cNvPr id="1" name=""/>
-        <p:cNvGrpSpPr/>
-        <p:nvPr/>
-      </p:nvGrpSpPr>
-      <p:grpSpPr>
-        <a:xfrm>
-          <a:off x="0" y="0"/>
-          <a:ext cx="0" cy="0"/>
-          <a:chOff x="0" y="0"/>
-          <a:chExt cx="0" cy="0"/>
-        </a:xfrm>
-      </p:grpSpPr>
-      <p:sp>
-        <p:nvSpPr>
-          <p:cNvPr id="14" name="Title 13">
-            <a:extLst>
-              <a:ext uri="{FF2B5EF4-FFF2-40B4-BE49-F238E27FC236}">
-                <a16:creationId xmlns:a16="http://schemas.microsoft.com/office/drawing/2014/main" id="{6C38D7A9-9299-4108-BB08-026F4B9CAE7B}"/>
-              </a:ext>
-            </a:extLst>
-          </p:cNvPr>
-          <p:cNvSpPr>
-            <a:spLocks noGrp="1"/>
-          </p:cNvSpPr>
-          <p:nvPr>
-            <p:ph type="ctrTitle"/>
-          </p:nvPr>
-        </p:nvSpPr>
-        <p:spPr/>
-        <p:txBody>
-          <a:bodyPr/>
-          <a:lstStyle/>
-          <a:p>
-            <a:r>
-              <a:rPr lang="en-US" dirty="0"/>
-              <a:t>Thank You</a:t>
-            </a:r>
-          </a:p>
-        </p:txBody>
-      </p:sp>
-      <p:sp>
-        <p:nvSpPr>
-          <p:cNvPr id="4" name="Text Placeholder 3">
-            <a:extLst>
-              <a:ext uri="{FF2B5EF4-FFF2-40B4-BE49-F238E27FC236}">
-                <a16:creationId xmlns:a16="http://schemas.microsoft.com/office/drawing/2014/main" id="{60828E04-9C2A-4859-8050-C2DF67A249CB}"/>
-              </a:ext>
-            </a:extLst>
-          </p:cNvPr>
-          <p:cNvSpPr>
-            <a:spLocks noGrp="1"/>
-          </p:cNvSpPr>
-          <p:nvPr>
-            <p:ph type="body" sz="quarter" idx="15"/>
-          </p:nvPr>
-        </p:nvSpPr>
-        <p:spPr>
-          <a:solidFill>
-            <a:schemeClr val="tx1">
-              <a:lumMod val="75000"/>
-              <a:lumOff val="25000"/>
-            </a:schemeClr>
-          </a:solidFill>
-        </p:spPr>
-        <p:txBody>
-          <a:bodyPr/>
-          <a:lstStyle/>
-          <a:p>
-            <a:r>
-              <a:rPr lang="en-US" dirty="0"/>
-              <a:t>Yaser Shadmehr</a:t>
-            </a:r>
-          </a:p>
-        </p:txBody>
-      </p:sp>
-      <p:pic>
-        <p:nvPicPr>
-          <p:cNvPr id="8" name="Graphic 7" descr="User" title="Icon - Presenter Name">
-            <a:extLst>
-              <a:ext uri="{FF2B5EF4-FFF2-40B4-BE49-F238E27FC236}">
-                <a16:creationId xmlns:a16="http://schemas.microsoft.com/office/drawing/2014/main" id="{111541C4-DB03-4E53-994D-499C7D73C4DF}"/>
-              </a:ext>
-            </a:extLst>
-          </p:cNvPr>
-          <p:cNvPicPr>
-            <a:picLocks noChangeAspect="1"/>
-          </p:cNvPicPr>
-          <p:nvPr/>
-        </p:nvPicPr>
-        <p:blipFill>
-          <a:blip r:embed="rId2" cstate="screen">
-            <a:extLst>
-              <a:ext uri="{28A0092B-C50C-407E-A947-70E740481C1C}">
-                <a14:useLocalDpi xmlns:a14="http://schemas.microsoft.com/office/drawing/2010/main"/>
-              </a:ext>
-              <a:ext uri="{96DAC541-7B7A-43D3-8B79-37D633B846F1}">
-                <asvg:svgBlip xmlns:asvg="http://schemas.microsoft.com/office/drawing/2016/SVG/main" r:embed="rId3"/>
-              </a:ext>
-            </a:extLst>
-          </a:blip>
-          <a:stretch>
-            <a:fillRect/>
-          </a:stretch>
-        </p:blipFill>
-        <p:spPr>
-          <a:xfrm>
-            <a:off x="11485495" y="4006655"/>
-            <a:ext cx="218900" cy="218900"/>
-          </a:xfrm>
-          <a:prstGeom prst="rect">
-            <a:avLst/>
-          </a:prstGeom>
-        </p:spPr>
-      </p:pic>
-      <p:sp>
-        <p:nvSpPr>
-          <p:cNvPr id="5" name="Text Placeholder 4">
-            <a:extLst>
-              <a:ext uri="{FF2B5EF4-FFF2-40B4-BE49-F238E27FC236}">
-                <a16:creationId xmlns:a16="http://schemas.microsoft.com/office/drawing/2014/main" id="{11265965-2271-4C1C-BD0A-6F85F80FF9A6}"/>
-              </a:ext>
-            </a:extLst>
-          </p:cNvPr>
-          <p:cNvSpPr>
-            <a:spLocks noGrp="1"/>
-          </p:cNvSpPr>
-          <p:nvPr>
-            <p:ph type="body" sz="quarter" idx="16"/>
-          </p:nvPr>
-        </p:nvSpPr>
-        <p:spPr>
-          <a:solidFill>
-            <a:schemeClr val="tx1">
-              <a:lumMod val="75000"/>
-              <a:lumOff val="25000"/>
-            </a:schemeClr>
-          </a:solidFill>
-        </p:spPr>
-        <p:txBody>
-          <a:bodyPr/>
-          <a:lstStyle/>
-          <a:p>
-            <a:r>
-              <a:rPr lang="en-US" dirty="0"/>
-              <a:t>y.Shadmehr@gmail.com</a:t>
-            </a:r>
-          </a:p>
-        </p:txBody>
-      </p:sp>
-      <p:sp>
-        <p:nvSpPr>
-          <p:cNvPr id="12" name="Slide Number Placeholder 11">
-            <a:extLst>
-              <a:ext uri="{FF2B5EF4-FFF2-40B4-BE49-F238E27FC236}">
-                <a16:creationId xmlns:a16="http://schemas.microsoft.com/office/drawing/2014/main" id="{91814EC9-246A-4C6E-941E-5774FE72F08E}"/>
-              </a:ext>
-            </a:extLst>
-          </p:cNvPr>
-          <p:cNvSpPr>
-            <a:spLocks noGrp="1"/>
-          </p:cNvSpPr>
-          <p:nvPr>
-            <p:ph type="sldNum" sz="quarter" idx="20"/>
-          </p:nvPr>
-        </p:nvSpPr>
-        <p:spPr>
-          <a:solidFill>
-            <a:schemeClr val="tx1">
-              <a:lumMod val="95000"/>
-              <a:lumOff val="5000"/>
-            </a:schemeClr>
-          </a:solidFill>
-        </p:spPr>
-        <p:txBody>
-          <a:bodyPr/>
-          <a:lstStyle/>
-          <a:p>
-            <a:fld id="{19B51A1E-902D-48AF-9020-955120F399B6}" type="slidenum">
-              <a:rPr lang="en-US" smtClean="0"/>
-              <a:pPr/>
-              <a:t>13</a:t>
-            </a:fld>
-            <a:endParaRPr lang="en-US" dirty="0"/>
-          </a:p>
-        </p:txBody>
-      </p:sp>
-      <p:pic>
-        <p:nvPicPr>
-          <p:cNvPr id="15" name="Graphic 14" descr="Envelope" title="Icon Presenter Email">
-            <a:extLst>
-              <a:ext uri="{FF2B5EF4-FFF2-40B4-BE49-F238E27FC236}">
-                <a16:creationId xmlns:a16="http://schemas.microsoft.com/office/drawing/2014/main" id="{DEDD26CF-32BC-4B44-8F02-EA834076E06A}"/>
-              </a:ext>
-            </a:extLst>
-          </p:cNvPr>
-          <p:cNvPicPr>
-            <a:picLocks noChangeAspect="1"/>
-          </p:cNvPicPr>
-          <p:nvPr/>
-        </p:nvPicPr>
-        <p:blipFill>
-          <a:blip r:embed="rId4" cstate="screen">
-            <a:extLst>
-              <a:ext uri="{28A0092B-C50C-407E-A947-70E740481C1C}">
-                <a14:useLocalDpi xmlns:a14="http://schemas.microsoft.com/office/drawing/2010/main"/>
-              </a:ext>
-              <a:ext uri="{96DAC541-7B7A-43D3-8B79-37D633B846F1}">
-                <asvg:svgBlip xmlns:asvg="http://schemas.microsoft.com/office/drawing/2016/SVG/main" r:embed="rId5"/>
-              </a:ext>
-            </a:extLst>
-          </a:blip>
-          <a:stretch>
-            <a:fillRect/>
-          </a:stretch>
-        </p:blipFill>
-        <p:spPr>
-          <a:xfrm>
-            <a:off x="11486893" y="4369389"/>
-            <a:ext cx="218900" cy="218900"/>
-          </a:xfrm>
-          <a:prstGeom prst="rect">
-            <a:avLst/>
-          </a:prstGeom>
-        </p:spPr>
-      </p:pic>
-      <p:sp>
-        <p:nvSpPr>
-          <p:cNvPr id="13" name="Rectangle 12">
-            <a:extLst>
-              <a:ext uri="{FF2B5EF4-FFF2-40B4-BE49-F238E27FC236}">
-                <a16:creationId xmlns:a16="http://schemas.microsoft.com/office/drawing/2014/main" id="{14C8789D-7C73-469A-BD3B-F33145B4CD00}"/>
-              </a:ext>
-              <a:ext uri="{C183D7F6-B498-43B3-948B-1728B52AA6E4}">
-                <adec:decorative xmlns:adec="http://schemas.microsoft.com/office/drawing/2017/decorative" val="1"/>
-              </a:ext>
-            </a:extLst>
-          </p:cNvPr>
-          <p:cNvSpPr/>
-          <p:nvPr/>
-        </p:nvSpPr>
-        <p:spPr>
-          <a:xfrm>
-            <a:off x="431800" y="2100317"/>
-            <a:ext cx="1984175" cy="114824"/>
-          </a:xfrm>
-          <a:prstGeom prst="rect">
-            <a:avLst/>
-          </a:prstGeom>
-          <a:solidFill>
-            <a:schemeClr val="accent1"/>
-          </a:solidFill>
-          <a:ln>
-            <a:noFill/>
-          </a:ln>
-        </p:spPr>
-        <p:style>
-          <a:lnRef idx="2">
-            <a:schemeClr val="accent1">
-              <a:shade val="50000"/>
-            </a:schemeClr>
-          </a:lnRef>
-          <a:fillRef idx="1">
-            <a:schemeClr val="accent1"/>
-          </a:fillRef>
-          <a:effectRef idx="0">
-            <a:schemeClr val="accent1"/>
-          </a:effectRef>
-          <a:fontRef idx="minor">
-            <a:schemeClr val="lt1"/>
-          </a:fontRef>
-        </p:style>
-        <p:txBody>
-          <a:bodyPr rtlCol="0" anchor="ctr"/>
-          <a:lstStyle/>
-          <a:p>
-            <a:pPr algn="l"/>
-            <a:endParaRPr lang="en-US" dirty="0"/>
-          </a:p>
-        </p:txBody>
-      </p:sp>
-      <p:sp>
-        <p:nvSpPr>
-          <p:cNvPr id="16" name="Text Placeholder 3">
-            <a:extLst>
-              <a:ext uri="{FF2B5EF4-FFF2-40B4-BE49-F238E27FC236}">
-                <a16:creationId xmlns:a16="http://schemas.microsoft.com/office/drawing/2014/main" id="{5EC672CC-DAA6-4D6D-86D0-FBBD4580DC1E}"/>
+      <p:sp>
+        <p:nvSpPr>
+          <p:cNvPr id="9" name="Content Placeholder 4">
+            <a:extLst>
+              <a:ext uri="{FF2B5EF4-FFF2-40B4-BE49-F238E27FC236}">
+                <a16:creationId xmlns:a16="http://schemas.microsoft.com/office/drawing/2014/main" id="{5F15CAA7-E2CB-4CFD-8380-B08565C909A5}"/>
               </a:ext>
             </a:extLst>
           </p:cNvPr>
@@ -13825,8 +13389,8 @@
         </p:nvSpPr>
         <p:spPr>
           <a:xfrm>
-            <a:off x="432000" y="2442934"/>
-            <a:ext cx="5472000" cy="360000"/>
+            <a:off x="1285479" y="5788240"/>
+            <a:ext cx="6686025" cy="583111"/>
           </a:xfrm>
           <a:prstGeom prst="rect">
             <a:avLst/>
@@ -14014,244 +13578,38 @@
             </a:lvl9pPr>
           </a:lstStyle>
           <a:p>
-            <a:r>
-              <a:rPr lang="en-US" dirty="0"/>
-              <a:t>Trey Research</a:t>
-            </a:r>
-          </a:p>
-        </p:txBody>
-      </p:sp>
-      <p:sp>
-        <p:nvSpPr>
-          <p:cNvPr id="17" name="Content Placeholder 4">
-            <a:extLst>
-              <a:ext uri="{FF2B5EF4-FFF2-40B4-BE49-F238E27FC236}">
-                <a16:creationId xmlns:a16="http://schemas.microsoft.com/office/drawing/2014/main" id="{BE7CD3E7-68E5-4629-B28C-1F3B224EDCE2}"/>
-              </a:ext>
-            </a:extLst>
-          </p:cNvPr>
-          <p:cNvSpPr txBox="1">
-            <a:spLocks/>
-          </p:cNvSpPr>
-          <p:nvPr/>
-        </p:nvSpPr>
-        <p:spPr>
-          <a:xfrm>
-            <a:off x="431999" y="2950768"/>
-            <a:ext cx="12159875" cy="2194694"/>
-          </a:xfrm>
-          <a:prstGeom prst="rect">
-            <a:avLst/>
-          </a:prstGeom>
-        </p:spPr>
-        <p:txBody>
-          <a:bodyPr/>
-          <a:lstStyle>
-            <a:lvl1pPr marL="266700" indent="-266700" algn="l" defTabSz="914400" rtl="0" eaLnBrk="1" latinLnBrk="0" hangingPunct="1">
-              <a:lnSpc>
-                <a:spcPct val="90000"/>
-              </a:lnSpc>
-              <a:spcBef>
-                <a:spcPts val="1000"/>
-              </a:spcBef>
-              <a:buFont typeface="Arial" panose="020B0604020202020204" pitchFamily="34" charset="0"/>
-              <a:buChar char="•"/>
-              <a:defRPr sz="1800" kern="1200">
-                <a:solidFill>
-                  <a:schemeClr val="tx1">
-                    <a:lumMod val="75000"/>
-                    <a:lumOff val="25000"/>
-                  </a:schemeClr>
-                </a:solidFill>
-                <a:latin typeface="+mn-lt"/>
-                <a:ea typeface="+mn-ea"/>
-                <a:cs typeface="+mn-cs"/>
-              </a:defRPr>
-            </a:lvl1pPr>
-            <a:lvl2pPr marL="542925" indent="-276225" algn="l" defTabSz="914400" rtl="0" eaLnBrk="1" latinLnBrk="0" hangingPunct="1">
-              <a:lnSpc>
-                <a:spcPct val="90000"/>
-              </a:lnSpc>
-              <a:spcBef>
-                <a:spcPts val="500"/>
-              </a:spcBef>
-              <a:buFont typeface="Arial" panose="020B0604020202020204" pitchFamily="34" charset="0"/>
-              <a:buChar char="•"/>
-              <a:defRPr sz="1600" kern="1200">
-                <a:solidFill>
-                  <a:schemeClr val="tx1">
-                    <a:lumMod val="75000"/>
-                    <a:lumOff val="25000"/>
-                  </a:schemeClr>
-                </a:solidFill>
-                <a:latin typeface="+mn-lt"/>
-                <a:ea typeface="+mn-ea"/>
-                <a:cs typeface="+mn-cs"/>
-              </a:defRPr>
-            </a:lvl2pPr>
-            <a:lvl3pPr marL="809625" indent="-266700" algn="l" defTabSz="914400" rtl="0" eaLnBrk="1" latinLnBrk="0" hangingPunct="1">
-              <a:lnSpc>
-                <a:spcPct val="90000"/>
-              </a:lnSpc>
-              <a:spcBef>
-                <a:spcPts val="500"/>
-              </a:spcBef>
-              <a:buFont typeface="Arial" panose="020B0604020202020204" pitchFamily="34" charset="0"/>
-              <a:buChar char="•"/>
-              <a:defRPr sz="1400" kern="1200">
-                <a:solidFill>
-                  <a:schemeClr val="tx1">
-                    <a:lumMod val="75000"/>
-                    <a:lumOff val="25000"/>
-                  </a:schemeClr>
-                </a:solidFill>
-                <a:latin typeface="+mn-lt"/>
-                <a:ea typeface="+mn-ea"/>
-                <a:cs typeface="+mn-cs"/>
-              </a:defRPr>
-            </a:lvl3pPr>
-            <a:lvl4pPr marL="1076325" indent="-266700" algn="l" defTabSz="914400" rtl="0" eaLnBrk="1" latinLnBrk="0" hangingPunct="1">
-              <a:lnSpc>
-                <a:spcPct val="90000"/>
-              </a:lnSpc>
-              <a:spcBef>
-                <a:spcPts val="500"/>
-              </a:spcBef>
-              <a:buFont typeface="Arial" panose="020B0604020202020204" pitchFamily="34" charset="0"/>
-              <a:buChar char="•"/>
-              <a:defRPr sz="1400" kern="1200">
-                <a:solidFill>
-                  <a:schemeClr val="tx1">
-                    <a:lumMod val="75000"/>
-                    <a:lumOff val="25000"/>
-                  </a:schemeClr>
-                </a:solidFill>
-                <a:latin typeface="+mn-lt"/>
-                <a:ea typeface="+mn-ea"/>
-                <a:cs typeface="+mn-cs"/>
-              </a:defRPr>
-            </a:lvl4pPr>
-            <a:lvl5pPr marL="1343025" indent="-266700" algn="l" defTabSz="914400" rtl="0" eaLnBrk="1" latinLnBrk="0" hangingPunct="1">
-              <a:lnSpc>
-                <a:spcPct val="90000"/>
-              </a:lnSpc>
-              <a:spcBef>
-                <a:spcPts val="500"/>
-              </a:spcBef>
-              <a:buFont typeface="Arial" panose="020B0604020202020204" pitchFamily="34" charset="0"/>
-              <a:buChar char="•"/>
-              <a:defRPr sz="1400" kern="1200">
-                <a:solidFill>
-                  <a:schemeClr val="tx1">
-                    <a:lumMod val="75000"/>
-                    <a:lumOff val="25000"/>
-                  </a:schemeClr>
-                </a:solidFill>
-                <a:latin typeface="+mn-lt"/>
-                <a:ea typeface="+mn-ea"/>
-                <a:cs typeface="+mn-cs"/>
-              </a:defRPr>
-            </a:lvl5pPr>
-            <a:lvl6pPr marL="2514600" indent="-228600" algn="l" defTabSz="914400" rtl="0" eaLnBrk="1" latinLnBrk="0" hangingPunct="1">
-              <a:lnSpc>
-                <a:spcPct val="90000"/>
-              </a:lnSpc>
-              <a:spcBef>
-                <a:spcPts val="500"/>
-              </a:spcBef>
-              <a:buFont typeface="Arial" panose="020B0604020202020204" pitchFamily="34" charset="0"/>
-              <a:buChar char="•"/>
-              <a:defRPr sz="1800" kern="1200">
-                <a:solidFill>
-                  <a:schemeClr val="tx1"/>
-                </a:solidFill>
-                <a:latin typeface="+mn-lt"/>
-                <a:ea typeface="+mn-ea"/>
-                <a:cs typeface="+mn-cs"/>
-              </a:defRPr>
-            </a:lvl6pPr>
-            <a:lvl7pPr marL="2971800" indent="-228600" algn="l" defTabSz="914400" rtl="0" eaLnBrk="1" latinLnBrk="0" hangingPunct="1">
-              <a:lnSpc>
-                <a:spcPct val="90000"/>
-              </a:lnSpc>
-              <a:spcBef>
-                <a:spcPts val="500"/>
-              </a:spcBef>
-              <a:buFont typeface="Arial" panose="020B0604020202020204" pitchFamily="34" charset="0"/>
-              <a:buChar char="•"/>
-              <a:defRPr sz="1800" kern="1200">
-                <a:solidFill>
-                  <a:schemeClr val="tx1"/>
-                </a:solidFill>
-                <a:latin typeface="+mn-lt"/>
-                <a:ea typeface="+mn-ea"/>
-                <a:cs typeface="+mn-cs"/>
-              </a:defRPr>
-            </a:lvl7pPr>
-            <a:lvl8pPr marL="3429000" indent="-228600" algn="l" defTabSz="914400" rtl="0" eaLnBrk="1" latinLnBrk="0" hangingPunct="1">
-              <a:lnSpc>
-                <a:spcPct val="90000"/>
-              </a:lnSpc>
-              <a:spcBef>
-                <a:spcPts val="500"/>
-              </a:spcBef>
-              <a:buFont typeface="Arial" panose="020B0604020202020204" pitchFamily="34" charset="0"/>
-              <a:buChar char="•"/>
-              <a:defRPr sz="1800" kern="1200">
-                <a:solidFill>
-                  <a:schemeClr val="tx1"/>
-                </a:solidFill>
-                <a:latin typeface="+mn-lt"/>
-                <a:ea typeface="+mn-ea"/>
-                <a:cs typeface="+mn-cs"/>
-              </a:defRPr>
-            </a:lvl8pPr>
-            <a:lvl9pPr marL="3886200" indent="-228600" algn="l" defTabSz="914400" rtl="0" eaLnBrk="1" latinLnBrk="0" hangingPunct="1">
-              <a:lnSpc>
-                <a:spcPct val="90000"/>
-              </a:lnSpc>
-              <a:spcBef>
-                <a:spcPts val="500"/>
-              </a:spcBef>
-              <a:buFont typeface="Arial" panose="020B0604020202020204" pitchFamily="34" charset="0"/>
-              <a:buChar char="•"/>
-              <a:defRPr sz="1800" kern="1200">
-                <a:solidFill>
-                  <a:schemeClr val="tx1"/>
-                </a:solidFill>
-                <a:latin typeface="+mn-lt"/>
-                <a:ea typeface="+mn-ea"/>
-                <a:cs typeface="+mn-cs"/>
-              </a:defRPr>
-            </a:lvl9pPr>
-          </a:lstStyle>
-          <a:p>
-            <a:pPr marL="0" indent="0">
+            <a:pPr marL="0" indent="0" algn="just">
               <a:buNone/>
             </a:pPr>
             <a:r>
-              <a:rPr lang="en-US" sz="800" b="0" i="0" dirty="0">
+              <a:rPr lang="en-US" sz="1400" b="0" i="0" dirty="0">
                 <a:solidFill>
-                  <a:srgbClr val="0A0A0A"/>
+                  <a:schemeClr val="bg2">
+                    <a:lumMod val="75000"/>
+                  </a:schemeClr>
                 </a:solidFill>
                 <a:effectLst/>
                 <a:latin typeface="Proxima Nova"/>
               </a:rPr>
-              <a:t>This document and the information in it are inspired during my interview with </a:t>
-            </a:r>
-            <a:r>
-              <a:rPr lang="en-US" sz="800" dirty="0">
+              <a:t>This presentation and the information included are inspired during my interview with </a:t>
+            </a:r>
+            <a:r>
+              <a:rPr lang="en-US" sz="1400" dirty="0">
                 <a:solidFill>
-                  <a:srgbClr val="0A0A0A"/>
+                  <a:schemeClr val="bg2">
+                    <a:lumMod val="75000"/>
+                  </a:schemeClr>
                 </a:solidFill>
                 <a:latin typeface="Proxima Nova"/>
               </a:rPr>
               <a:t>SecurityScorecard</a:t>
             </a:r>
             <a:r>
-              <a:rPr lang="en-US" sz="800" b="0" i="0" dirty="0">
+              <a:rPr lang="en-US" sz="1400" b="0" i="0" dirty="0">
                 <a:solidFill>
-                  <a:srgbClr val="0A0A0A"/>
+                  <a:schemeClr val="bg2">
+                    <a:lumMod val="75000"/>
+                  </a:schemeClr>
                 </a:solidFill>
                 <a:effectLst/>
                 <a:latin typeface="Proxima Nova"/>
@@ -14264,7 +13622,7 @@
     </p:spTree>
     <p:extLst>
       <p:ext uri="{BB962C8B-B14F-4D97-AF65-F5344CB8AC3E}">
-        <p14:creationId xmlns:p14="http://schemas.microsoft.com/office/powerpoint/2010/main" val="3737052197"/>
+        <p14:creationId xmlns:p14="http://schemas.microsoft.com/office/powerpoint/2010/main" val="4153678306"/>
       </p:ext>
     </p:extLst>
   </p:cSld>
@@ -21730,6 +21088,15 @@
 </file>
 
 <file path=customXml/item1.xml><?xml version="1.0" encoding="utf-8"?>
+<?mso-contentType ?>
+<FormTemplates xmlns="http://schemas.microsoft.com/sharepoint/v3/contenttype/forms">
+  <Display>DocumentLibraryForm</Display>
+  <Edit>DocumentLibraryForm</Edit>
+  <New>DocumentLibraryForm</New>
+</FormTemplates>
+</file>
+
+<file path=customXml/item2.xml><?xml version="1.0" encoding="utf-8"?>
 <ct:contentTypeSchema xmlns:ct="http://schemas.microsoft.com/office/2006/metadata/contentType" xmlns:ma="http://schemas.microsoft.com/office/2006/metadata/properties/metaAttributes" ct:_="" ma:_="" ma:contentTypeName="Document" ma:contentTypeID="0x01010079F111ED35F8CC479449609E8A0923A6" ma:contentTypeVersion="11" ma:contentTypeDescription="Create a new document." ma:contentTypeScope="" ma:versionID="96291512c1ee715ab617f4c07df79fc1">
   <xsd:schema xmlns:xsd="http://www.w3.org/2001/XMLSchema" xmlns:xs="http://www.w3.org/2001/XMLSchema" xmlns:p="http://schemas.microsoft.com/office/2006/metadata/properties" xmlns:ns2="71af3243-3dd4-4a8d-8c0d-dd76da1f02a5" xmlns:ns3="16c05727-aa75-4e4a-9b5f-8a80a1165891" targetNamespace="http://schemas.microsoft.com/office/2006/metadata/properties" ma:root="true" ma:fieldsID="8256c27c40ca5c40ce1cf6c44f0205df" ns2:_="" ns3:_="">
     <xsd:import namespace="71af3243-3dd4-4a8d-8c0d-dd76da1f02a5"/>
@@ -21940,15 +21307,6 @@
 </ct:contentTypeSchema>
 </file>
 
-<file path=customXml/item2.xml><?xml version="1.0" encoding="utf-8"?>
-<?mso-contentType ?>
-<FormTemplates xmlns="http://schemas.microsoft.com/sharepoint/v3/contenttype/forms">
-  <Display>DocumentLibraryForm</Display>
-  <Edit>DocumentLibraryForm</Edit>
-  <New>DocumentLibraryForm</New>
-</FormTemplates>
-</file>
-
 <file path=customXml/item3.xml><?xml version="1.0" encoding="utf-8"?>
 <p:properties xmlns:p="http://schemas.microsoft.com/office/2006/metadata/properties" xmlns:xsi="http://www.w3.org/2001/XMLSchema-instance" xmlns:pc="http://schemas.microsoft.com/office/infopath/2007/PartnerControls">
   <documentManagement>
@@ -21958,6 +21316,14 @@
 </file>
 
 <file path=customXml/itemProps1.xml><?xml version="1.0" encoding="utf-8"?>
+<ds:datastoreItem xmlns:ds="http://schemas.openxmlformats.org/officeDocument/2006/customXml" ds:itemID="{B8E15EA0-2F38-456B-B156-038699A5D17F}">
+  <ds:schemaRefs>
+    <ds:schemaRef ds:uri="http://schemas.microsoft.com/sharepoint/v3/contenttype/forms"/>
+  </ds:schemaRefs>
+</ds:datastoreItem>
+</file>
+
+<file path=customXml/itemProps2.xml><?xml version="1.0" encoding="utf-8"?>
 <ds:datastoreItem xmlns:ds="http://schemas.openxmlformats.org/officeDocument/2006/customXml" ds:itemID="{2EDB5DD7-8DCC-4069-9EB3-5D098186652E}">
   <ds:schemaRefs>
     <ds:schemaRef ds:uri="http://schemas.microsoft.com/office/2006/metadata/contentType"/>
@@ -21976,14 +21342,6 @@
 </ds:datastoreItem>
 </file>
 
-<file path=customXml/itemProps2.xml><?xml version="1.0" encoding="utf-8"?>
-<ds:datastoreItem xmlns:ds="http://schemas.openxmlformats.org/officeDocument/2006/customXml" ds:itemID="{B8E15EA0-2F38-456B-B156-038699A5D17F}">
-  <ds:schemaRefs>
-    <ds:schemaRef ds:uri="http://schemas.microsoft.com/sharepoint/v3/contenttype/forms"/>
-  </ds:schemaRefs>
-</ds:datastoreItem>
-</file>
-
 <file path=customXml/itemProps3.xml><?xml version="1.0" encoding="utf-8"?>
 <ds:datastoreItem xmlns:ds="http://schemas.openxmlformats.org/officeDocument/2006/customXml" ds:itemID="{BF90D0D0-7C1D-47FF-A2F0-9937AA567A3D}">
   <ds:schemaRefs>

--- a/How to build a team.pptx
+++ b/How to build a team.pptx
@@ -12938,7 +12938,14 @@
           <a:lstStyle/>
           <a:p>
             <a:r>
-              <a:rPr lang="en-US" sz="1400" dirty="0"/>
+              <a:rPr lang="en-US" sz="1400" dirty="0">
+                <a:solidFill>
+                  <a:schemeClr val="tx1">
+                    <a:lumMod val="75000"/>
+                    <a:lumOff val="25000"/>
+                  </a:schemeClr>
+                </a:solidFill>
+              </a:rPr>
               <a:t>To  deliver a  highly  distributed  port    scanning  collector  solution</a:t>
             </a:r>
           </a:p>
@@ -13589,7 +13596,6 @@
                   </a:schemeClr>
                 </a:solidFill>
                 <a:effectLst/>
-                <a:latin typeface="Proxima Nova"/>
               </a:rPr>
               <a:t>This presentation and the information included are inspired during my interview with </a:t>
             </a:r>
@@ -13600,7 +13606,6 @@
                     <a:lumMod val="75000"/>
                   </a:schemeClr>
                 </a:solidFill>
-                <a:latin typeface="Proxima Nova"/>
               </a:rPr>
               <a:t>SecurityScorecard</a:t>
             </a:r>
@@ -13612,7 +13617,6 @@
                   </a:schemeClr>
                 </a:solidFill>
                 <a:effectLst/>
-                <a:latin typeface="Proxima Nova"/>
               </a:rPr>
               <a:t> and it may contain false assumption or confidential information.</a:t>
             </a:r>
@@ -14105,7 +14109,6 @@
             </a:pPr>
             <a:r>
               <a:rPr lang="en-CA" sz="2000" dirty="0">
-                <a:latin typeface="Arial" panose="020B0604020202020204" pitchFamily="34" charset="0"/>
                 <a:cs typeface="Arial" panose="020B0604020202020204" pitchFamily="34" charset="0"/>
               </a:rPr>
               <a:t>ARCHITECTURAL OVERVIEW</a:t>
@@ -14166,10 +14169,24 @@
               </a:spcBef>
             </a:pPr>
             <a:r>
-              <a:rPr lang="es" sz="4000" dirty="0"/>
+              <a:rPr lang="es" sz="4000" b="1" dirty="0">
+                <a:solidFill>
+                  <a:schemeClr val="tx1">
+                    <a:lumMod val="75000"/>
+                    <a:lumOff val="25000"/>
+                  </a:schemeClr>
+                </a:solidFill>
+              </a:rPr>
               <a:t>2</a:t>
             </a:r>
-            <a:endParaRPr lang="es" dirty="0"/>
+            <a:endParaRPr lang="es" b="1" dirty="0">
+              <a:solidFill>
+                <a:schemeClr val="tx1">
+                  <a:lumMod val="75000"/>
+                  <a:lumOff val="25000"/>
+                </a:schemeClr>
+              </a:solidFill>
+            </a:endParaRPr>
           </a:p>
         </p:txBody>
       </p:sp>
@@ -14226,10 +14243,24 @@
               </a:spcBef>
             </a:pPr>
             <a:r>
-              <a:rPr lang="es" sz="4000" dirty="0"/>
+              <a:rPr lang="es" sz="4000" b="1" dirty="0">
+                <a:solidFill>
+                  <a:schemeClr val="tx1">
+                    <a:lumMod val="75000"/>
+                    <a:lumOff val="25000"/>
+                  </a:schemeClr>
+                </a:solidFill>
+              </a:rPr>
               <a:t>3</a:t>
             </a:r>
-            <a:endParaRPr lang="es" dirty="0"/>
+            <a:endParaRPr lang="es" b="1" dirty="0">
+              <a:solidFill>
+                <a:schemeClr val="tx1">
+                  <a:lumMod val="75000"/>
+                  <a:lumOff val="25000"/>
+                </a:schemeClr>
+              </a:solidFill>
+            </a:endParaRPr>
           </a:p>
         </p:txBody>
       </p:sp>
@@ -14286,10 +14317,24 @@
               </a:spcBef>
             </a:pPr>
             <a:r>
-              <a:rPr lang="es" sz="4000" dirty="0"/>
+              <a:rPr lang="es" sz="4000" b="1" dirty="0">
+                <a:solidFill>
+                  <a:schemeClr val="tx1">
+                    <a:lumMod val="75000"/>
+                    <a:lumOff val="25000"/>
+                  </a:schemeClr>
+                </a:solidFill>
+              </a:rPr>
               <a:t>4</a:t>
             </a:r>
-            <a:endParaRPr lang="es" dirty="0"/>
+            <a:endParaRPr lang="es" b="1" dirty="0">
+              <a:solidFill>
+                <a:schemeClr val="tx1">
+                  <a:lumMod val="75000"/>
+                  <a:lumOff val="25000"/>
+                </a:schemeClr>
+              </a:solidFill>
+            </a:endParaRPr>
           </a:p>
         </p:txBody>
       </p:sp>
@@ -14489,12 +14534,10 @@
               <a:spcBef>
                 <a:spcPts val="0"/>
               </a:spcBef>
-              <a:buFont typeface="Arial" panose="020B0604020202020204" pitchFamily="34" charset="0"/>
               <a:buNone/>
             </a:pPr>
             <a:r>
               <a:rPr lang="en-CA" sz="2000" dirty="0">
-                <a:latin typeface="Arial" panose="020B0604020202020204" pitchFamily="34" charset="0"/>
                 <a:cs typeface="Arial" panose="020B0604020202020204" pitchFamily="34" charset="0"/>
               </a:rPr>
               <a:t>TECHNOLOGY COMPONENT OVERVIEW</a:t>
@@ -14703,25 +14746,14 @@
             </a:pPr>
             <a:r>
               <a:rPr lang="en-CA" sz="2000" dirty="0">
-                <a:latin typeface="Arial" panose="020B0604020202020204" pitchFamily="34" charset="0"/>
                 <a:cs typeface="Arial" panose="020B0604020202020204" pitchFamily="34" charset="0"/>
               </a:rPr>
-              <a:t>INFRASTRUCTURE &amp; 3</a:t>
-            </a:r>
-            <a:r>
-              <a:rPr lang="en-CA" sz="2000" baseline="30000" dirty="0">
-                <a:latin typeface="Arial" panose="020B0604020202020204" pitchFamily="34" charset="0"/>
-                <a:cs typeface="Arial" panose="020B0604020202020204" pitchFamily="34" charset="0"/>
-              </a:rPr>
-              <a:t>RD</a:t>
-            </a:r>
-            <a:r>
-              <a:rPr lang="en-CA" sz="2000" dirty="0">
-                <a:latin typeface="Arial" panose="020B0604020202020204" pitchFamily="34" charset="0"/>
-                <a:cs typeface="Arial" panose="020B0604020202020204" pitchFamily="34" charset="0"/>
-              </a:rPr>
-              <a:t> PARTY TOOLS</a:t>
-            </a:r>
+              <a:t>INFRASTRUCTURE &amp; 3RD PARTY</a:t>
+            </a:r>
+            <a:endParaRPr lang="en-CA" sz="2000" dirty="0">
+              <a:latin typeface="Arial" panose="020B0604020202020204" pitchFamily="34" charset="0"/>
+              <a:cs typeface="Arial" panose="020B0604020202020204" pitchFamily="34" charset="0"/>
+            </a:endParaRPr>
           </a:p>
         </p:txBody>
       </p:sp>
@@ -14778,10 +14810,24 @@
               </a:spcBef>
             </a:pPr>
             <a:r>
-              <a:rPr lang="es" sz="4000" dirty="0"/>
+              <a:rPr lang="es" sz="4000" b="1" dirty="0">
+                <a:solidFill>
+                  <a:schemeClr val="tx1">
+                    <a:lumMod val="75000"/>
+                    <a:lumOff val="25000"/>
+                  </a:schemeClr>
+                </a:solidFill>
+              </a:rPr>
               <a:t>5</a:t>
             </a:r>
-            <a:endParaRPr lang="es" dirty="0"/>
+            <a:endParaRPr lang="es" b="1" dirty="0">
+              <a:solidFill>
+                <a:schemeClr val="tx1">
+                  <a:lumMod val="75000"/>
+                  <a:lumOff val="25000"/>
+                </a:schemeClr>
+              </a:solidFill>
+            </a:endParaRPr>
           </a:p>
         </p:txBody>
       </p:sp>
@@ -14986,7 +15032,6 @@
             </a:pPr>
             <a:r>
               <a:rPr lang="en-CA" sz="2000" dirty="0">
-                <a:latin typeface="Arial" panose="020B0604020202020204" pitchFamily="34" charset="0"/>
                 <a:cs typeface="Arial" panose="020B0604020202020204" pitchFamily="34" charset="0"/>
               </a:rPr>
               <a:t>CLUSTERING &amp; SCALABILITY</a:t>
@@ -15245,12 +15290,10 @@
               <a:spcBef>
                 <a:spcPts val="0"/>
               </a:spcBef>
-              <a:buFont typeface="Arial" panose="020B0604020202020204" pitchFamily="34" charset="0"/>
               <a:buNone/>
             </a:pPr>
             <a:r>
               <a:rPr lang="en-CA" sz="2000" dirty="0">
-                <a:latin typeface="Arial" panose="020B0604020202020204" pitchFamily="34" charset="0"/>
                 <a:cs typeface="Arial" panose="020B0604020202020204" pitchFamily="34" charset="0"/>
               </a:rPr>
               <a:t>DATA FLOW DIAGRAM</a:t>
@@ -20307,14 +20350,14 @@
         <a:srgbClr val="52989E"/>
       </a:folHlink>
     </a:clrScheme>
-    <a:fontScheme name="Custom 149">
+    <a:fontScheme name="Custom 1">
       <a:majorFont>
-        <a:latin typeface="Corbel"/>
+        <a:latin typeface="Calibri Light"/>
         <a:ea typeface=""/>
         <a:cs typeface=""/>
       </a:majorFont>
       <a:minorFont>
-        <a:latin typeface="Candara"/>
+        <a:latin typeface="Calibri"/>
         <a:ea typeface=""/>
         <a:cs typeface=""/>
       </a:minorFont>
@@ -21088,12 +21131,11 @@
 </file>
 
 <file path=customXml/item1.xml><?xml version="1.0" encoding="utf-8"?>
-<?mso-contentType ?>
-<FormTemplates xmlns="http://schemas.microsoft.com/sharepoint/v3/contenttype/forms">
-  <Display>DocumentLibraryForm</Display>
-  <Edit>DocumentLibraryForm</Edit>
-  <New>DocumentLibraryForm</New>
-</FormTemplates>
+<p:properties xmlns:p="http://schemas.microsoft.com/office/2006/metadata/properties" xmlns:xsi="http://www.w3.org/2001/XMLSchema-instance" xmlns:pc="http://schemas.microsoft.com/office/infopath/2007/PartnerControls">
+  <documentManagement>
+    <MediaServiceKeyPoints xmlns="71af3243-3dd4-4a8d-8c0d-dd76da1f02a5" xsi:nil="true"/>
+  </documentManagement>
+</p:properties>
 </file>
 
 <file path=customXml/item2.xml><?xml version="1.0" encoding="utf-8"?>
@@ -21308,17 +21350,20 @@
 </file>
 
 <file path=customXml/item3.xml><?xml version="1.0" encoding="utf-8"?>
-<p:properties xmlns:p="http://schemas.microsoft.com/office/2006/metadata/properties" xmlns:xsi="http://www.w3.org/2001/XMLSchema-instance" xmlns:pc="http://schemas.microsoft.com/office/infopath/2007/PartnerControls">
-  <documentManagement>
-    <MediaServiceKeyPoints xmlns="71af3243-3dd4-4a8d-8c0d-dd76da1f02a5" xsi:nil="true"/>
-  </documentManagement>
-</p:properties>
+<?mso-contentType ?>
+<FormTemplates xmlns="http://schemas.microsoft.com/sharepoint/v3/contenttype/forms">
+  <Display>DocumentLibraryForm</Display>
+  <Edit>DocumentLibraryForm</Edit>
+  <New>DocumentLibraryForm</New>
+</FormTemplates>
 </file>
 
 <file path=customXml/itemProps1.xml><?xml version="1.0" encoding="utf-8"?>
-<ds:datastoreItem xmlns:ds="http://schemas.openxmlformats.org/officeDocument/2006/customXml" ds:itemID="{B8E15EA0-2F38-456B-B156-038699A5D17F}">
+<ds:datastoreItem xmlns:ds="http://schemas.openxmlformats.org/officeDocument/2006/customXml" ds:itemID="{BF90D0D0-7C1D-47FF-A2F0-9937AA567A3D}">
   <ds:schemaRefs>
-    <ds:schemaRef ds:uri="http://schemas.microsoft.com/sharepoint/v3/contenttype/forms"/>
+    <ds:schemaRef ds:uri="http://schemas.microsoft.com/office/2006/metadata/properties"/>
+    <ds:schemaRef ds:uri="http://schemas.microsoft.com/office/infopath/2007/PartnerControls"/>
+    <ds:schemaRef ds:uri="71af3243-3dd4-4a8d-8c0d-dd76da1f02a5"/>
   </ds:schemaRefs>
 </ds:datastoreItem>
 </file>
@@ -21343,11 +21388,9 @@
 </file>
 
 <file path=customXml/itemProps3.xml><?xml version="1.0" encoding="utf-8"?>
-<ds:datastoreItem xmlns:ds="http://schemas.openxmlformats.org/officeDocument/2006/customXml" ds:itemID="{BF90D0D0-7C1D-47FF-A2F0-9937AA567A3D}">
+<ds:datastoreItem xmlns:ds="http://schemas.openxmlformats.org/officeDocument/2006/customXml" ds:itemID="{B8E15EA0-2F38-456B-B156-038699A5D17F}">
   <ds:schemaRefs>
-    <ds:schemaRef ds:uri="http://schemas.microsoft.com/office/2006/metadata/properties"/>
-    <ds:schemaRef ds:uri="http://schemas.microsoft.com/office/infopath/2007/PartnerControls"/>
-    <ds:schemaRef ds:uri="71af3243-3dd4-4a8d-8c0d-dd76da1f02a5"/>
+    <ds:schemaRef ds:uri="http://schemas.microsoft.com/sharepoint/v3/contenttype/forms"/>
   </ds:schemaRefs>
 </ds:datastoreItem>
 </file>
--- a/How to build a team.pptx
+++ b/How to build a team.pptx
@@ -13597,7 +13597,7 @@
                 </a:solidFill>
                 <a:effectLst/>
               </a:rPr>
-              <a:t>This presentation and the information included are inspired during my interview with </a:t>
+              <a:t>The content of this presentation is inspired by my interview with </a:t>
             </a:r>
             <a:r>
               <a:rPr lang="en-US" sz="1400" dirty="0">
@@ -21131,14 +21131,6 @@
 </file>
 
 <file path=customXml/item1.xml><?xml version="1.0" encoding="utf-8"?>
-<p:properties xmlns:p="http://schemas.microsoft.com/office/2006/metadata/properties" xmlns:xsi="http://www.w3.org/2001/XMLSchema-instance" xmlns:pc="http://schemas.microsoft.com/office/infopath/2007/PartnerControls">
-  <documentManagement>
-    <MediaServiceKeyPoints xmlns="71af3243-3dd4-4a8d-8c0d-dd76da1f02a5" xsi:nil="true"/>
-  </documentManagement>
-</p:properties>
-</file>
-
-<file path=customXml/item2.xml><?xml version="1.0" encoding="utf-8"?>
 <ct:contentTypeSchema xmlns:ct="http://schemas.microsoft.com/office/2006/metadata/contentType" xmlns:ma="http://schemas.microsoft.com/office/2006/metadata/properties/metaAttributes" ct:_="" ma:_="" ma:contentTypeName="Document" ma:contentTypeID="0x01010079F111ED35F8CC479449609E8A0923A6" ma:contentTypeVersion="11" ma:contentTypeDescription="Create a new document." ma:contentTypeScope="" ma:versionID="96291512c1ee715ab617f4c07df79fc1">
   <xsd:schema xmlns:xsd="http://www.w3.org/2001/XMLSchema" xmlns:xs="http://www.w3.org/2001/XMLSchema" xmlns:p="http://schemas.microsoft.com/office/2006/metadata/properties" xmlns:ns2="71af3243-3dd4-4a8d-8c0d-dd76da1f02a5" xmlns:ns3="16c05727-aa75-4e4a-9b5f-8a80a1165891" targetNamespace="http://schemas.microsoft.com/office/2006/metadata/properties" ma:root="true" ma:fieldsID="8256c27c40ca5c40ce1cf6c44f0205df" ns2:_="" ns3:_="">
     <xsd:import namespace="71af3243-3dd4-4a8d-8c0d-dd76da1f02a5"/>
@@ -21349,6 +21341,14 @@
 </ct:contentTypeSchema>
 </file>
 
+<file path=customXml/item2.xml><?xml version="1.0" encoding="utf-8"?>
+<p:properties xmlns:p="http://schemas.microsoft.com/office/2006/metadata/properties" xmlns:xsi="http://www.w3.org/2001/XMLSchema-instance" xmlns:pc="http://schemas.microsoft.com/office/infopath/2007/PartnerControls">
+  <documentManagement>
+    <MediaServiceKeyPoints xmlns="71af3243-3dd4-4a8d-8c0d-dd76da1f02a5" xsi:nil="true"/>
+  </documentManagement>
+</p:properties>
+</file>
+
 <file path=customXml/item3.xml><?xml version="1.0" encoding="utf-8"?>
 <?mso-contentType ?>
 <FormTemplates xmlns="http://schemas.microsoft.com/sharepoint/v3/contenttype/forms">
@@ -21359,16 +21359,6 @@
 </file>
 
 <file path=customXml/itemProps1.xml><?xml version="1.0" encoding="utf-8"?>
-<ds:datastoreItem xmlns:ds="http://schemas.openxmlformats.org/officeDocument/2006/customXml" ds:itemID="{BF90D0D0-7C1D-47FF-A2F0-9937AA567A3D}">
-  <ds:schemaRefs>
-    <ds:schemaRef ds:uri="http://schemas.microsoft.com/office/2006/metadata/properties"/>
-    <ds:schemaRef ds:uri="http://schemas.microsoft.com/office/infopath/2007/PartnerControls"/>
-    <ds:schemaRef ds:uri="71af3243-3dd4-4a8d-8c0d-dd76da1f02a5"/>
-  </ds:schemaRefs>
-</ds:datastoreItem>
-</file>
-
-<file path=customXml/itemProps2.xml><?xml version="1.0" encoding="utf-8"?>
 <ds:datastoreItem xmlns:ds="http://schemas.openxmlformats.org/officeDocument/2006/customXml" ds:itemID="{2EDB5DD7-8DCC-4069-9EB3-5D098186652E}">
   <ds:schemaRefs>
     <ds:schemaRef ds:uri="http://schemas.microsoft.com/office/2006/metadata/contentType"/>
@@ -21387,6 +21377,16 @@
 </ds:datastoreItem>
 </file>
 
+<file path=customXml/itemProps2.xml><?xml version="1.0" encoding="utf-8"?>
+<ds:datastoreItem xmlns:ds="http://schemas.openxmlformats.org/officeDocument/2006/customXml" ds:itemID="{BF90D0D0-7C1D-47FF-A2F0-9937AA567A3D}">
+  <ds:schemaRefs>
+    <ds:schemaRef ds:uri="http://schemas.microsoft.com/office/2006/metadata/properties"/>
+    <ds:schemaRef ds:uri="http://schemas.microsoft.com/office/infopath/2007/PartnerControls"/>
+    <ds:schemaRef ds:uri="71af3243-3dd4-4a8d-8c0d-dd76da1f02a5"/>
+  </ds:schemaRefs>
+</ds:datastoreItem>
+</file>
+
 <file path=customXml/itemProps3.xml><?xml version="1.0" encoding="utf-8"?>
 <ds:datastoreItem xmlns:ds="http://schemas.openxmlformats.org/officeDocument/2006/customXml" ds:itemID="{B8E15EA0-2F38-456B-B156-038699A5D17F}">
   <ds:schemaRefs>
